--- a/Методы редукции данных.pptx
+++ b/Методы редукции данных.pptx
@@ -137,6 +137,9 @@
           </p14:sldIdLst>
         </p14:section>
       </p14:sectionLst>
+    </p:ext>
+    <p:ext uri="{EFAFB233-063F-42B5-8137-9DF3F51BA10A}">
+      <p15:sldGuideLst xmlns:p15="http://schemas.microsoft.com/office/powerpoint/2012/main"/>
     </p:ext>
   </p:extLst>
 </p:presentation>
@@ -3836,12 +3839,130 @@
             <p:ph idx="1"/>
           </p:nvPr>
         </p:nvSpPr>
-        <p:spPr/>
-        <p:txBody>
-          <a:bodyPr/>
-          <a:lstStyle/>
-          <a:p>
-            <a:endParaRPr lang="ru-RU" dirty="0"/>
+        <p:spPr>
+          <a:xfrm>
+            <a:off x="838200" y="1825625"/>
+            <a:ext cx="5057775" cy="4351338"/>
+          </a:xfrm>
+        </p:spPr>
+        <p:txBody>
+          <a:bodyPr>
+            <a:normAutofit/>
+          </a:bodyPr>
+          <a:lstStyle/>
+          <a:p>
+            <a:pPr marL="0" indent="0">
+              <a:buNone/>
+            </a:pPr>
+            <a:r>
+              <a:rPr lang="ru-RU" dirty="0"/>
+              <a:t>1. Центрирование данных</a:t>
+            </a:r>
+          </a:p>
+          <a:p>
+            <a:pPr marL="0" indent="0">
+              <a:buNone/>
+            </a:pPr>
+            <a:r>
+              <a:rPr lang="ru-RU" dirty="0"/>
+              <a:t>2. Расчет ковариационной матрицы</a:t>
+            </a:r>
+          </a:p>
+          <a:p>
+            <a:pPr marL="0" indent="0">
+              <a:buNone/>
+            </a:pPr>
+            <a:r>
+              <a:rPr lang="ru-RU" dirty="0"/>
+              <a:t>3. Расчет главных компонент</a:t>
+            </a:r>
+          </a:p>
+          <a:p>
+            <a:pPr marL="0" indent="0">
+              <a:buNone/>
+            </a:pPr>
+            <a:r>
+              <a:rPr lang="ru-RU" dirty="0"/>
+              <a:t>4. Сортировка главных компонент</a:t>
+            </a:r>
+          </a:p>
+          <a:p>
+            <a:pPr marL="0" indent="0">
+              <a:buNone/>
+            </a:pPr>
+            <a:r>
+              <a:rPr lang="ru-RU" dirty="0"/>
+              <a:t>5. Проекция данных на новое пространство признаков</a:t>
+            </a:r>
+          </a:p>
+        </p:txBody>
+      </p:sp>
+      <p:pic>
+        <p:nvPicPr>
+          <p:cNvPr id="5" name="Рисунок 4">
+            <a:extLst>
+              <a:ext uri="{FF2B5EF4-FFF2-40B4-BE49-F238E27FC236}">
+                <a16:creationId xmlns:a16="http://schemas.microsoft.com/office/drawing/2014/main" id="{3F2DD08C-13A7-4C14-8804-44D102F4A666}"/>
+              </a:ext>
+            </a:extLst>
+          </p:cNvPr>
+          <p:cNvPicPr>
+            <a:picLocks noChangeAspect="1"/>
+          </p:cNvPicPr>
+          <p:nvPr/>
+        </p:nvPicPr>
+        <p:blipFill>
+          <a:blip r:embed="rId2"/>
+          <a:stretch>
+            <a:fillRect/>
+          </a:stretch>
+        </p:blipFill>
+        <p:spPr>
+          <a:xfrm>
+            <a:off x="5895975" y="1924635"/>
+            <a:ext cx="5845047" cy="4252328"/>
+          </a:xfrm>
+          <a:prstGeom prst="rect">
+            <a:avLst/>
+          </a:prstGeom>
+        </p:spPr>
+      </p:pic>
+      <p:sp>
+        <p:nvSpPr>
+          <p:cNvPr id="6" name="TextBox 5">
+            <a:extLst>
+              <a:ext uri="{FF2B5EF4-FFF2-40B4-BE49-F238E27FC236}">
+                <a16:creationId xmlns:a16="http://schemas.microsoft.com/office/drawing/2014/main" id="{2073C555-573A-485C-ABFD-29F3592D9B25}"/>
+              </a:ext>
+            </a:extLst>
+          </p:cNvPr>
+          <p:cNvSpPr txBox="1"/>
+          <p:nvPr/>
+        </p:nvSpPr>
+        <p:spPr>
+          <a:xfrm>
+            <a:off x="6096000" y="1111825"/>
+            <a:ext cx="5705475" cy="646331"/>
+          </a:xfrm>
+          <a:prstGeom prst="rect">
+            <a:avLst/>
+          </a:prstGeom>
+          <a:noFill/>
+        </p:spPr>
+        <p:txBody>
+          <a:bodyPr wrap="square" rtlCol="0">
+            <a:spAutoFit/>
+          </a:bodyPr>
+          <a:lstStyle/>
+          <a:p>
+            <a:r>
+              <a:rPr lang="en-US" dirty="0"/>
+              <a:t>PCA </a:t>
+            </a:r>
+            <a:r>
+              <a:rPr lang="ru-RU" dirty="0"/>
+              <a:t>для данных по больным раком. Данные сведены к 2 компонентам</a:t>
+            </a:r>
           </a:p>
         </p:txBody>
       </p:sp>
@@ -3924,15 +4045,152 @@
             <p:ph idx="1"/>
           </p:nvPr>
         </p:nvSpPr>
-        <p:spPr/>
-        <p:txBody>
-          <a:bodyPr/>
-          <a:lstStyle/>
-          <a:p>
-            <a:endParaRPr lang="ru-RU"/>
-          </a:p>
-        </p:txBody>
-      </p:sp>
+        <p:spPr>
+          <a:xfrm>
+            <a:off x="838200" y="1825625"/>
+            <a:ext cx="5410200" cy="4351338"/>
+          </a:xfrm>
+        </p:spPr>
+        <p:txBody>
+          <a:bodyPr>
+            <a:normAutofit/>
+          </a:bodyPr>
+          <a:lstStyle/>
+          <a:p>
+            <a:r>
+              <a:rPr lang="ru-RU" dirty="0"/>
+              <a:t>1. Определение вероятностной модели</a:t>
+            </a:r>
+          </a:p>
+          <a:p>
+            <a:r>
+              <a:rPr lang="ru-RU" dirty="0"/>
+              <a:t>2. Формулирование функции правдоподобия</a:t>
+            </a:r>
+          </a:p>
+          <a:p>
+            <a:r>
+              <a:rPr lang="ru-RU" dirty="0"/>
+              <a:t>3. Логарифмирование функции правдоподобия</a:t>
+            </a:r>
+          </a:p>
+          <a:p>
+            <a:r>
+              <a:rPr lang="ru-RU" dirty="0"/>
+              <a:t>4. Оптимизация функции правдоподобия</a:t>
+            </a:r>
+          </a:p>
+        </p:txBody>
+      </p:sp>
+      <p:sp>
+        <p:nvSpPr>
+          <p:cNvPr id="5" name="TextBox 4">
+            <a:extLst>
+              <a:ext uri="{FF2B5EF4-FFF2-40B4-BE49-F238E27FC236}">
+                <a16:creationId xmlns:a16="http://schemas.microsoft.com/office/drawing/2014/main" id="{174C2598-D95C-4417-B637-CC57A3E60895}"/>
+              </a:ext>
+            </a:extLst>
+          </p:cNvPr>
+          <p:cNvSpPr txBox="1"/>
+          <p:nvPr/>
+        </p:nvSpPr>
+        <p:spPr>
+          <a:xfrm>
+            <a:off x="5915025" y="4699635"/>
+            <a:ext cx="6096000" cy="1477328"/>
+          </a:xfrm>
+          <a:prstGeom prst="rect">
+            <a:avLst/>
+          </a:prstGeom>
+          <a:noFill/>
+        </p:spPr>
+        <p:txBody>
+          <a:bodyPr wrap="square">
+            <a:spAutoFit/>
+          </a:bodyPr>
+          <a:lstStyle/>
+          <a:p>
+            <a:r>
+              <a:rPr lang="ru-RU" sz="1800" dirty="0">
+                <a:effectLst/>
+                <a:latin typeface="Liberation Serif"/>
+                <a:ea typeface="NSimSun" panose="02010609030101010101" pitchFamily="49" charset="-122"/>
+                <a:cs typeface="Mangal" panose="02040503050203030202" pitchFamily="18" charset="0"/>
+              </a:rPr>
+              <a:t>Функция правдоподобия, которая описывает вероятность получения наблюдаемых данных при заданных параметрах модели. Функция правдоподобия представляет собой произведение вероятностей каждого наблюдения в выборке.</a:t>
+            </a:r>
+            <a:br>
+              <a:rPr lang="ru-RU" sz="1800" dirty="0">
+                <a:effectLst/>
+                <a:latin typeface="Liberation Serif"/>
+                <a:ea typeface="NSimSun" panose="02010609030101010101" pitchFamily="49" charset="-122"/>
+                <a:cs typeface="Mangal" panose="02040503050203030202" pitchFamily="18" charset="0"/>
+              </a:rPr>
+            </a:br>
+            <a:endParaRPr lang="ru-RU" dirty="0"/>
+          </a:p>
+        </p:txBody>
+      </p:sp>
+      <p:pic>
+        <p:nvPicPr>
+          <p:cNvPr id="7" name="Рисунок 6">
+            <a:extLst>
+              <a:ext uri="{FF2B5EF4-FFF2-40B4-BE49-F238E27FC236}">
+                <a16:creationId xmlns:a16="http://schemas.microsoft.com/office/drawing/2014/main" id="{80995F84-2EBB-4789-9914-A5E0BBBE801B}"/>
+              </a:ext>
+            </a:extLst>
+          </p:cNvPr>
+          <p:cNvPicPr>
+            <a:picLocks noChangeAspect="1"/>
+          </p:cNvPicPr>
+          <p:nvPr/>
+        </p:nvPicPr>
+        <p:blipFill>
+          <a:blip r:embed="rId2"/>
+          <a:stretch>
+            <a:fillRect/>
+          </a:stretch>
+        </p:blipFill>
+        <p:spPr>
+          <a:xfrm>
+            <a:off x="6785411" y="1584326"/>
+            <a:ext cx="4120714" cy="1678304"/>
+          </a:xfrm>
+          <a:prstGeom prst="rect">
+            <a:avLst/>
+          </a:prstGeom>
+        </p:spPr>
+      </p:pic>
+      <p:pic>
+        <p:nvPicPr>
+          <p:cNvPr id="9" name="Рисунок 8">
+            <a:extLst>
+              <a:ext uri="{FF2B5EF4-FFF2-40B4-BE49-F238E27FC236}">
+                <a16:creationId xmlns:a16="http://schemas.microsoft.com/office/drawing/2014/main" id="{3BB08B0F-A78F-43F4-BEA1-BA99285B59B0}"/>
+              </a:ext>
+            </a:extLst>
+          </p:cNvPr>
+          <p:cNvPicPr>
+            <a:picLocks noChangeAspect="1"/>
+          </p:cNvPicPr>
+          <p:nvPr/>
+        </p:nvPicPr>
+        <p:blipFill>
+          <a:blip r:embed="rId3"/>
+          <a:stretch>
+            <a:fillRect/>
+          </a:stretch>
+        </p:blipFill>
+        <p:spPr>
+          <a:xfrm>
+            <a:off x="6520705" y="3219397"/>
+            <a:ext cx="3975845" cy="1345301"/>
+          </a:xfrm>
+          <a:prstGeom prst="rect">
+            <a:avLst/>
+          </a:prstGeom>
+        </p:spPr>
+      </p:pic>
     </p:spTree>
     <p:extLst>
       <p:ext uri="{BB962C8B-B14F-4D97-AF65-F5344CB8AC3E}">
@@ -3994,8 +4252,8 @@
           </a:p>
         </p:txBody>
       </p:sp>
-      <mc:AlternateContent xmlns:mc="http://schemas.openxmlformats.org/markup-compatibility/2006">
-        <mc:Choice xmlns:a14="http://schemas.microsoft.com/office/drawing/2010/main" Requires="a14">
+      <mc:AlternateContent xmlns:mc="http://schemas.openxmlformats.org/markup-compatibility/2006" xmlns:a14="http://schemas.microsoft.com/office/drawing/2010/main">
+        <mc:Choice Requires="a14">
           <p:sp>
             <p:nvSpPr>
               <p:cNvPr id="3" name="Объект 2">
@@ -4718,7 +4976,7 @@
             </p:txBody>
           </p:sp>
         </mc:Choice>
-        <mc:Fallback>
+        <mc:Fallback xmlns="">
           <p:sp>
             <p:nvSpPr>
               <p:cNvPr id="3" name="Объект 2">
@@ -4905,8 +5163,8 @@
           </a:p>
         </p:txBody>
       </p:sp>
-      <mc:AlternateContent xmlns:mc="http://schemas.openxmlformats.org/markup-compatibility/2006">
-        <mc:Choice xmlns:a14="http://schemas.microsoft.com/office/drawing/2010/main" Requires="a14">
+      <mc:AlternateContent xmlns:mc="http://schemas.openxmlformats.org/markup-compatibility/2006" xmlns:a14="http://schemas.microsoft.com/office/drawing/2010/main">
+        <mc:Choice Requires="a14">
           <p:sp>
             <p:nvSpPr>
               <p:cNvPr id="3" name="Объект 2">
@@ -5332,7 +5590,7 @@
             </p:txBody>
           </p:sp>
         </mc:Choice>
-        <mc:Fallback>
+        <mc:Fallback xmlns="">
           <p:sp>
             <p:nvSpPr>
               <p:cNvPr id="3" name="Объект 2">

--- a/Методы редукции данных.pptx
+++ b/Методы редукции данных.pptx
@@ -13,9 +13,10 @@
     <p:sldId id="261" r:id="rId7"/>
     <p:sldId id="262" r:id="rId8"/>
     <p:sldId id="263" r:id="rId9"/>
-    <p:sldId id="264" r:id="rId10"/>
-    <p:sldId id="265" r:id="rId11"/>
-    <p:sldId id="266" r:id="rId12"/>
+    <p:sldId id="267" r:id="rId10"/>
+    <p:sldId id="264" r:id="rId11"/>
+    <p:sldId id="265" r:id="rId12"/>
+    <p:sldId id="266" r:id="rId13"/>
   </p:sldIdLst>
   <p:sldSz cx="12192000" cy="6858000"/>
   <p:notesSz cx="6858000" cy="9144000"/>
@@ -131,6 +132,7 @@
             <p14:sldId id="261"/>
             <p14:sldId id="262"/>
             <p14:sldId id="263"/>
+            <p14:sldId id="267"/>
             <p14:sldId id="264"/>
             <p14:sldId id="265"/>
             <p14:sldId id="266"/>
@@ -292,7 +294,7 @@
           <a:p>
             <a:fld id="{F10ED89D-950E-4BC6-9019-B50AB9224442}" type="datetimeFigureOut">
               <a:rPr lang="ru-RU" smtClean="0"/>
-              <a:t>03.05.2023</a:t>
+              <a:t>04.05.2023</a:t>
             </a:fld>
             <a:endParaRPr lang="ru-RU"/>
           </a:p>
@@ -490,7 +492,7 @@
           <a:p>
             <a:fld id="{F10ED89D-950E-4BC6-9019-B50AB9224442}" type="datetimeFigureOut">
               <a:rPr lang="ru-RU" smtClean="0"/>
-              <a:t>03.05.2023</a:t>
+              <a:t>04.05.2023</a:t>
             </a:fld>
             <a:endParaRPr lang="ru-RU"/>
           </a:p>
@@ -698,7 +700,7 @@
           <a:p>
             <a:fld id="{F10ED89D-950E-4BC6-9019-B50AB9224442}" type="datetimeFigureOut">
               <a:rPr lang="ru-RU" smtClean="0"/>
-              <a:t>03.05.2023</a:t>
+              <a:t>04.05.2023</a:t>
             </a:fld>
             <a:endParaRPr lang="ru-RU"/>
           </a:p>
@@ -896,7 +898,7 @@
           <a:p>
             <a:fld id="{F10ED89D-950E-4BC6-9019-B50AB9224442}" type="datetimeFigureOut">
               <a:rPr lang="ru-RU" smtClean="0"/>
-              <a:t>03.05.2023</a:t>
+              <a:t>04.05.2023</a:t>
             </a:fld>
             <a:endParaRPr lang="ru-RU"/>
           </a:p>
@@ -1171,7 +1173,7 @@
           <a:p>
             <a:fld id="{F10ED89D-950E-4BC6-9019-B50AB9224442}" type="datetimeFigureOut">
               <a:rPr lang="ru-RU" smtClean="0"/>
-              <a:t>03.05.2023</a:t>
+              <a:t>04.05.2023</a:t>
             </a:fld>
             <a:endParaRPr lang="ru-RU"/>
           </a:p>
@@ -1436,7 +1438,7 @@
           <a:p>
             <a:fld id="{F10ED89D-950E-4BC6-9019-B50AB9224442}" type="datetimeFigureOut">
               <a:rPr lang="ru-RU" smtClean="0"/>
-              <a:t>03.05.2023</a:t>
+              <a:t>04.05.2023</a:t>
             </a:fld>
             <a:endParaRPr lang="ru-RU"/>
           </a:p>
@@ -1848,7 +1850,7 @@
           <a:p>
             <a:fld id="{F10ED89D-950E-4BC6-9019-B50AB9224442}" type="datetimeFigureOut">
               <a:rPr lang="ru-RU" smtClean="0"/>
-              <a:t>03.05.2023</a:t>
+              <a:t>04.05.2023</a:t>
             </a:fld>
             <a:endParaRPr lang="ru-RU"/>
           </a:p>
@@ -1989,7 +1991,7 @@
           <a:p>
             <a:fld id="{F10ED89D-950E-4BC6-9019-B50AB9224442}" type="datetimeFigureOut">
               <a:rPr lang="ru-RU" smtClean="0"/>
-              <a:t>03.05.2023</a:t>
+              <a:t>04.05.2023</a:t>
             </a:fld>
             <a:endParaRPr lang="ru-RU"/>
           </a:p>
@@ -2102,7 +2104,7 @@
           <a:p>
             <a:fld id="{F10ED89D-950E-4BC6-9019-B50AB9224442}" type="datetimeFigureOut">
               <a:rPr lang="ru-RU" smtClean="0"/>
-              <a:t>03.05.2023</a:t>
+              <a:t>04.05.2023</a:t>
             </a:fld>
             <a:endParaRPr lang="ru-RU"/>
           </a:p>
@@ -2413,7 +2415,7 @@
           <a:p>
             <a:fld id="{F10ED89D-950E-4BC6-9019-B50AB9224442}" type="datetimeFigureOut">
               <a:rPr lang="ru-RU" smtClean="0"/>
-              <a:t>03.05.2023</a:t>
+              <a:t>04.05.2023</a:t>
             </a:fld>
             <a:endParaRPr lang="ru-RU"/>
           </a:p>
@@ -2701,7 +2703,7 @@
           <a:p>
             <a:fld id="{F10ED89D-950E-4BC6-9019-B50AB9224442}" type="datetimeFigureOut">
               <a:rPr lang="ru-RU" smtClean="0"/>
-              <a:t>03.05.2023</a:t>
+              <a:t>04.05.2023</a:t>
             </a:fld>
             <a:endParaRPr lang="ru-RU"/>
           </a:p>
@@ -2951,7 +2953,7 @@
           <a:p>
             <a:fld id="{F10ED89D-950E-4BC6-9019-B50AB9224442}" type="datetimeFigureOut">
               <a:rPr lang="ru-RU" smtClean="0"/>
-              <a:t>03.05.2023</a:t>
+              <a:t>04.05.2023</a:t>
             </a:fld>
             <a:endParaRPr lang="ru-RU"/>
           </a:p>
@@ -3513,7 +3515,7 @@
           <p:cNvPr id="2" name="Заголовок 1">
             <a:extLst>
               <a:ext uri="{FF2B5EF4-FFF2-40B4-BE49-F238E27FC236}">
-                <a16:creationId xmlns:a16="http://schemas.microsoft.com/office/drawing/2014/main" id="{E8950D8E-31DF-4D7B-A99D-627E735E930E}"/>
+                <a16:creationId xmlns:a16="http://schemas.microsoft.com/office/drawing/2014/main" id="{9DEBEE0E-3276-4784-8C2E-324A9D2BDBE9}"/>
               </a:ext>
             </a:extLst>
           </p:cNvPr>
@@ -3533,41 +3535,877 @@
               <a:rPr lang="en-US" dirty="0">
                 <a:latin typeface="Arial Black" panose="020B0A04020102020204" pitchFamily="34" charset="0"/>
               </a:rPr>
-              <a:t>K-NN</a:t>
+              <a:t>MDS(Multidimensional scaling)</a:t>
             </a:r>
             <a:endParaRPr lang="ru-RU" dirty="0"/>
           </a:p>
         </p:txBody>
       </p:sp>
-      <p:sp>
-        <p:nvSpPr>
-          <p:cNvPr id="3" name="Объект 2">
-            <a:extLst>
-              <a:ext uri="{FF2B5EF4-FFF2-40B4-BE49-F238E27FC236}">
-                <a16:creationId xmlns:a16="http://schemas.microsoft.com/office/drawing/2014/main" id="{388CB1DD-B729-44F6-8080-BC3EFEB8A0F7}"/>
-              </a:ext>
-            </a:extLst>
-          </p:cNvPr>
-          <p:cNvSpPr>
-            <a:spLocks noGrp="1"/>
-          </p:cNvSpPr>
-          <p:nvPr>
-            <p:ph idx="1"/>
-          </p:nvPr>
-        </p:nvSpPr>
-        <p:spPr/>
-        <p:txBody>
-          <a:bodyPr/>
-          <a:lstStyle/>
-          <a:p>
-            <a:endParaRPr lang="ru-RU"/>
-          </a:p>
-        </p:txBody>
-      </p:sp>
+      <mc:AlternateContent xmlns:mc="http://schemas.openxmlformats.org/markup-compatibility/2006">
+        <mc:Choice xmlns:a14="http://schemas.microsoft.com/office/drawing/2010/main" Requires="a14">
+          <p:sp>
+            <p:nvSpPr>
+              <p:cNvPr id="3" name="Объект 2">
+                <a:extLst>
+                  <a:ext uri="{FF2B5EF4-FFF2-40B4-BE49-F238E27FC236}">
+                    <a16:creationId xmlns:a16="http://schemas.microsoft.com/office/drawing/2014/main" id="{769665DB-A18F-4D16-86D8-5016CB274388}"/>
+                  </a:ext>
+                </a:extLst>
+              </p:cNvPr>
+              <p:cNvSpPr>
+                <a:spLocks noGrp="1"/>
+              </p:cNvSpPr>
+              <p:nvPr>
+                <p:ph idx="1"/>
+              </p:nvPr>
+            </p:nvSpPr>
+            <p:spPr>
+              <a:xfrm>
+                <a:off x="333080" y="1725874"/>
+                <a:ext cx="11020720" cy="3406251"/>
+              </a:xfrm>
+            </p:spPr>
+            <p:txBody>
+              <a:bodyPr>
+                <a:normAutofit/>
+              </a:bodyPr>
+              <a:lstStyle/>
+              <a:p>
+                <a:pPr algn="just"/>
+                <a:r>
+                  <a:rPr lang="ru-RU" sz="1800" kern="150" dirty="0">
+                    <a:effectLst/>
+                    <a:latin typeface="Times New Roman" panose="02020603050405020304" pitchFamily="18" charset="0"/>
+                    <a:ea typeface="Times New Roman" panose="02020603050405020304" pitchFamily="18" charset="0"/>
+                    <a:cs typeface="Mangal" panose="02040503050203030202" pitchFamily="18" charset="0"/>
+                  </a:rPr>
+                  <a:t> </a:t>
+                </a:r>
+                <a:endParaRPr lang="ru-RU" sz="1800" kern="150" dirty="0">
+                  <a:effectLst/>
+                  <a:latin typeface="Liberation Serif"/>
+                  <a:ea typeface="NSimSun" panose="02010609030101010101" pitchFamily="49" charset="-122"/>
+                  <a:cs typeface="Mangal" panose="02040503050203030202" pitchFamily="18" charset="0"/>
+                </a:endParaRPr>
+              </a:p>
+              <a:p>
+                <a:pPr marL="342900" lvl="0" indent="-342900" algn="just">
+                  <a:buFont typeface="+mj-lt"/>
+                  <a:buAutoNum type="arabicParenR"/>
+                </a:pPr>
+                <a:r>
+                  <a:rPr lang="ru-RU" sz="1800" kern="150" dirty="0">
+                    <a:effectLst/>
+                    <a:latin typeface="Times New Roman" panose="02020603050405020304" pitchFamily="18" charset="0"/>
+                    <a:ea typeface="Times New Roman" panose="02020603050405020304" pitchFamily="18" charset="0"/>
+                    <a:cs typeface="Mangal" panose="02040503050203030202" pitchFamily="18" charset="0"/>
+                  </a:rPr>
+                  <a:t>Составляем матрицу из Евклидовых расстояний между двумя точками. </a:t>
+                </a:r>
+                <a14:m>
+                  <m:oMath xmlns:m="http://schemas.openxmlformats.org/officeDocument/2006/math">
+                    <m:sSup>
+                      <m:sSupPr>
+                        <m:ctrlPr>
+                          <a:rPr lang="ru-RU" sz="1800" i="1" kern="150">
+                            <a:effectLst/>
+                            <a:latin typeface="Cambria Math" panose="02040503050406030204" pitchFamily="18" charset="0"/>
+                            <a:ea typeface="Times New Roman" panose="02020603050405020304" pitchFamily="18" charset="0"/>
+                            <a:cs typeface="Times New Roman" panose="02020603050405020304" pitchFamily="18" charset="0"/>
+                          </a:rPr>
+                        </m:ctrlPr>
+                      </m:sSupPr>
+                      <m:e>
+                        <m:r>
+                          <a:rPr lang="ru-RU" sz="1800" i="1" kern="150">
+                            <a:effectLst/>
+                            <a:latin typeface="Cambria Math" panose="02040503050406030204" pitchFamily="18" charset="0"/>
+                            <a:ea typeface="Times New Roman" panose="02020603050405020304" pitchFamily="18" charset="0"/>
+                            <a:cs typeface="Times New Roman" panose="02020603050405020304" pitchFamily="18" charset="0"/>
+                          </a:rPr>
+                          <m:t>𝐷</m:t>
+                        </m:r>
+                      </m:e>
+                      <m:sup>
+                        <m:r>
+                          <a:rPr lang="ru-RU" sz="1800" i="1" kern="150">
+                            <a:effectLst/>
+                            <a:latin typeface="Cambria Math" panose="02040503050406030204" pitchFamily="18" charset="0"/>
+                            <a:ea typeface="Times New Roman" panose="02020603050405020304" pitchFamily="18" charset="0"/>
+                            <a:cs typeface="Times New Roman" panose="02020603050405020304" pitchFamily="18" charset="0"/>
+                          </a:rPr>
+                          <m:t>(2)</m:t>
+                        </m:r>
+                      </m:sup>
+                    </m:sSup>
+                    <m:r>
+                      <a:rPr lang="ru-RU" sz="1800" i="1" kern="150">
+                        <a:effectLst/>
+                        <a:latin typeface="Cambria Math" panose="02040503050406030204" pitchFamily="18" charset="0"/>
+                        <a:ea typeface="Times New Roman" panose="02020603050405020304" pitchFamily="18" charset="0"/>
+                        <a:cs typeface="Times New Roman" panose="02020603050405020304" pitchFamily="18" charset="0"/>
+                      </a:rPr>
+                      <m:t>=[</m:t>
+                    </m:r>
+                    <m:sSubSup>
+                      <m:sSubSupPr>
+                        <m:ctrlPr>
+                          <a:rPr lang="ru-RU" sz="1800" i="1" kern="150">
+                            <a:effectLst/>
+                            <a:latin typeface="Cambria Math" panose="02040503050406030204" pitchFamily="18" charset="0"/>
+                            <a:ea typeface="Times New Roman" panose="02020603050405020304" pitchFamily="18" charset="0"/>
+                            <a:cs typeface="Times New Roman" panose="02020603050405020304" pitchFamily="18" charset="0"/>
+                          </a:rPr>
+                        </m:ctrlPr>
+                      </m:sSubSupPr>
+                      <m:e>
+                        <m:r>
+                          <a:rPr lang="ru-RU" sz="1800" i="1" kern="150">
+                            <a:effectLst/>
+                            <a:latin typeface="Cambria Math" panose="02040503050406030204" pitchFamily="18" charset="0"/>
+                            <a:ea typeface="Times New Roman" panose="02020603050405020304" pitchFamily="18" charset="0"/>
+                            <a:cs typeface="Times New Roman" panose="02020603050405020304" pitchFamily="18" charset="0"/>
+                          </a:rPr>
+                          <m:t>𝑑</m:t>
+                        </m:r>
+                      </m:e>
+                      <m:sub>
+                        <m:r>
+                          <a:rPr lang="ru-RU" sz="1800" i="1" kern="150">
+                            <a:effectLst/>
+                            <a:latin typeface="Cambria Math" panose="02040503050406030204" pitchFamily="18" charset="0"/>
+                            <a:ea typeface="Times New Roman" panose="02020603050405020304" pitchFamily="18" charset="0"/>
+                            <a:cs typeface="Times New Roman" panose="02020603050405020304" pitchFamily="18" charset="0"/>
+                          </a:rPr>
+                          <m:t>𝑖𝑗</m:t>
+                        </m:r>
+                      </m:sub>
+                      <m:sup>
+                        <m:r>
+                          <a:rPr lang="ru-RU" sz="1800" i="1" kern="150">
+                            <a:effectLst/>
+                            <a:latin typeface="Cambria Math" panose="02040503050406030204" pitchFamily="18" charset="0"/>
+                            <a:ea typeface="Times New Roman" panose="02020603050405020304" pitchFamily="18" charset="0"/>
+                            <a:cs typeface="Times New Roman" panose="02020603050405020304" pitchFamily="18" charset="0"/>
+                          </a:rPr>
+                          <m:t>2</m:t>
+                        </m:r>
+                      </m:sup>
+                    </m:sSubSup>
+                    <m:r>
+                      <a:rPr lang="ru-RU" sz="1800" i="1" kern="150">
+                        <a:effectLst/>
+                        <a:latin typeface="Cambria Math" panose="02040503050406030204" pitchFamily="18" charset="0"/>
+                        <a:ea typeface="Times New Roman" panose="02020603050405020304" pitchFamily="18" charset="0"/>
+                        <a:cs typeface="Times New Roman" panose="02020603050405020304" pitchFamily="18" charset="0"/>
+                      </a:rPr>
+                      <m:t>]</m:t>
+                    </m:r>
+                  </m:oMath>
+                </a14:m>
+                <a:endParaRPr lang="ru-RU" sz="1800" kern="150" dirty="0">
+                  <a:effectLst/>
+                  <a:latin typeface="Liberation Serif"/>
+                  <a:ea typeface="NSimSun" panose="02010609030101010101" pitchFamily="49" charset="-122"/>
+                  <a:cs typeface="Mangal" panose="02040503050203030202" pitchFamily="18" charset="0"/>
+                </a:endParaRPr>
+              </a:p>
+              <a:p>
+                <a:pPr marL="342900" lvl="0" indent="-342900" algn="just">
+                  <a:buFont typeface="+mj-lt"/>
+                  <a:buAutoNum type="arabicParenR"/>
+                </a:pPr>
+                <a:r>
+                  <a:rPr lang="ru-RU" sz="1800" kern="150" dirty="0">
+                    <a:effectLst/>
+                    <a:latin typeface="Times New Roman" panose="02020603050405020304" pitchFamily="18" charset="0"/>
+                    <a:ea typeface="Times New Roman" panose="02020603050405020304" pitchFamily="18" charset="0"/>
+                    <a:cs typeface="Mangal" panose="02040503050203030202" pitchFamily="18" charset="0"/>
+                  </a:rPr>
+                  <a:t> Используем двойное центрирование </a:t>
+                </a:r>
+                <a14:m>
+                  <m:oMath xmlns:m="http://schemas.openxmlformats.org/officeDocument/2006/math">
+                    <m:r>
+                      <a:rPr lang="ru-RU" sz="1800" i="1" kern="150">
+                        <a:effectLst/>
+                        <a:latin typeface="Cambria Math" panose="02040503050406030204" pitchFamily="18" charset="0"/>
+                        <a:ea typeface="Times New Roman" panose="02020603050405020304" pitchFamily="18" charset="0"/>
+                        <a:cs typeface="Times New Roman" panose="02020603050405020304" pitchFamily="18" charset="0"/>
+                      </a:rPr>
+                      <m:t>𝐵</m:t>
+                    </m:r>
+                    <m:r>
+                      <a:rPr lang="ru-RU" sz="1800" i="1" kern="150">
+                        <a:effectLst/>
+                        <a:latin typeface="Cambria Math" panose="02040503050406030204" pitchFamily="18" charset="0"/>
+                        <a:ea typeface="Times New Roman" panose="02020603050405020304" pitchFamily="18" charset="0"/>
+                        <a:cs typeface="Times New Roman" panose="02020603050405020304" pitchFamily="18" charset="0"/>
+                      </a:rPr>
+                      <m:t>=− </m:t>
+                    </m:r>
+                    <m:f>
+                      <m:fPr>
+                        <m:ctrlPr>
+                          <a:rPr lang="ru-RU" sz="1800" i="1" kern="150">
+                            <a:effectLst/>
+                            <a:latin typeface="Cambria Math" panose="02040503050406030204" pitchFamily="18" charset="0"/>
+                            <a:ea typeface="Times New Roman" panose="02020603050405020304" pitchFamily="18" charset="0"/>
+                            <a:cs typeface="Times New Roman" panose="02020603050405020304" pitchFamily="18" charset="0"/>
+                          </a:rPr>
+                        </m:ctrlPr>
+                      </m:fPr>
+                      <m:num>
+                        <m:r>
+                          <a:rPr lang="ru-RU" sz="1800" i="1" kern="150">
+                            <a:effectLst/>
+                            <a:latin typeface="Cambria Math" panose="02040503050406030204" pitchFamily="18" charset="0"/>
+                            <a:ea typeface="Times New Roman" panose="02020603050405020304" pitchFamily="18" charset="0"/>
+                            <a:cs typeface="Times New Roman" panose="02020603050405020304" pitchFamily="18" charset="0"/>
+                          </a:rPr>
+                          <m:t>1</m:t>
+                        </m:r>
+                      </m:num>
+                      <m:den>
+                        <m:r>
+                          <a:rPr lang="ru-RU" sz="1800" i="1" kern="150">
+                            <a:effectLst/>
+                            <a:latin typeface="Cambria Math" panose="02040503050406030204" pitchFamily="18" charset="0"/>
+                            <a:ea typeface="Times New Roman" panose="02020603050405020304" pitchFamily="18" charset="0"/>
+                            <a:cs typeface="Times New Roman" panose="02020603050405020304" pitchFamily="18" charset="0"/>
+                          </a:rPr>
+                          <m:t>2</m:t>
+                        </m:r>
+                      </m:den>
+                    </m:f>
+                    <m:sSup>
+                      <m:sSupPr>
+                        <m:ctrlPr>
+                          <a:rPr lang="ru-RU" sz="1800" i="1" kern="150">
+                            <a:effectLst/>
+                            <a:latin typeface="Cambria Math" panose="02040503050406030204" pitchFamily="18" charset="0"/>
+                            <a:ea typeface="Times New Roman" panose="02020603050405020304" pitchFamily="18" charset="0"/>
+                            <a:cs typeface="Times New Roman" panose="02020603050405020304" pitchFamily="18" charset="0"/>
+                          </a:rPr>
+                        </m:ctrlPr>
+                      </m:sSupPr>
+                      <m:e>
+                        <m:r>
+                          <a:rPr lang="ru-RU" sz="1800" i="1" kern="150">
+                            <a:effectLst/>
+                            <a:latin typeface="Cambria Math" panose="02040503050406030204" pitchFamily="18" charset="0"/>
+                            <a:ea typeface="Times New Roman" panose="02020603050405020304" pitchFamily="18" charset="0"/>
+                            <a:cs typeface="Times New Roman" panose="02020603050405020304" pitchFamily="18" charset="0"/>
+                          </a:rPr>
+                          <m:t>С</m:t>
+                        </m:r>
+                        <m:r>
+                          <a:rPr lang="ru-RU" sz="1800" i="1" kern="150">
+                            <a:effectLst/>
+                            <a:latin typeface="Cambria Math" panose="02040503050406030204" pitchFamily="18" charset="0"/>
+                            <a:ea typeface="Times New Roman" panose="02020603050405020304" pitchFamily="18" charset="0"/>
+                            <a:cs typeface="Times New Roman" panose="02020603050405020304" pitchFamily="18" charset="0"/>
+                          </a:rPr>
+                          <m:t>𝐷</m:t>
+                        </m:r>
+                      </m:e>
+                      <m:sup>
+                        <m:r>
+                          <a:rPr lang="ru-RU" sz="1800" i="1" kern="150">
+                            <a:effectLst/>
+                            <a:latin typeface="Cambria Math" panose="02040503050406030204" pitchFamily="18" charset="0"/>
+                            <a:ea typeface="Times New Roman" panose="02020603050405020304" pitchFamily="18" charset="0"/>
+                            <a:cs typeface="Times New Roman" panose="02020603050405020304" pitchFamily="18" charset="0"/>
+                          </a:rPr>
+                          <m:t>(2)</m:t>
+                        </m:r>
+                      </m:sup>
+                    </m:sSup>
+                    <m:r>
+                      <a:rPr lang="ru-RU" sz="1800" i="1" kern="150">
+                        <a:effectLst/>
+                        <a:latin typeface="Cambria Math" panose="02040503050406030204" pitchFamily="18" charset="0"/>
+                        <a:ea typeface="Times New Roman" panose="02020603050405020304" pitchFamily="18" charset="0"/>
+                        <a:cs typeface="Times New Roman" panose="02020603050405020304" pitchFamily="18" charset="0"/>
+                      </a:rPr>
+                      <m:t>С</m:t>
+                    </m:r>
+                  </m:oMath>
+                </a14:m>
+                <a:endParaRPr lang="ru-RU" sz="1800" kern="150" dirty="0">
+                  <a:effectLst/>
+                  <a:latin typeface="Liberation Serif"/>
+                  <a:ea typeface="NSimSun" panose="02010609030101010101" pitchFamily="49" charset="-122"/>
+                  <a:cs typeface="Mangal" panose="02040503050203030202" pitchFamily="18" charset="0"/>
+                </a:endParaRPr>
+              </a:p>
+              <a:p>
+                <a:pPr marL="342900" lvl="0" indent="-342900" algn="just">
+                  <a:buFont typeface="+mj-lt"/>
+                  <a:buAutoNum type="arabicParenR"/>
+                </a:pPr>
+                <a:r>
+                  <a:rPr lang="ru-RU" sz="1800" kern="150" dirty="0">
+                    <a:effectLst/>
+                    <a:latin typeface="Times New Roman" panose="02020603050405020304" pitchFamily="18" charset="0"/>
+                    <a:ea typeface="Times New Roman" panose="02020603050405020304" pitchFamily="18" charset="0"/>
+                    <a:cs typeface="Mangal" panose="02040503050203030202" pitchFamily="18" charset="0"/>
+                  </a:rPr>
+                  <a:t>Найдем собственные числа </a:t>
+                </a:r>
+                <a14:m>
+                  <m:oMath xmlns:m="http://schemas.openxmlformats.org/officeDocument/2006/math">
+                    <m:sSub>
+                      <m:sSubPr>
+                        <m:ctrlPr>
+                          <a:rPr lang="ru-RU" sz="1800" i="1" kern="150">
+                            <a:effectLst/>
+                            <a:latin typeface="Cambria Math" panose="02040503050406030204" pitchFamily="18" charset="0"/>
+                            <a:ea typeface="Times New Roman" panose="02020603050405020304" pitchFamily="18" charset="0"/>
+                            <a:cs typeface="Times New Roman" panose="02020603050405020304" pitchFamily="18" charset="0"/>
+                          </a:rPr>
+                        </m:ctrlPr>
+                      </m:sSubPr>
+                      <m:e>
+                        <m:r>
+                          <a:rPr lang="ru-RU" sz="1800" i="1" kern="150">
+                            <a:effectLst/>
+                            <a:latin typeface="Cambria Math" panose="02040503050406030204" pitchFamily="18" charset="0"/>
+                            <a:ea typeface="Times New Roman" panose="02020603050405020304" pitchFamily="18" charset="0"/>
+                            <a:cs typeface="Times New Roman" panose="02020603050405020304" pitchFamily="18" charset="0"/>
+                          </a:rPr>
+                          <m:t>𝜆</m:t>
+                        </m:r>
+                      </m:e>
+                      <m:sub>
+                        <m:r>
+                          <a:rPr lang="ru-RU" sz="1800" i="1" kern="150">
+                            <a:effectLst/>
+                            <a:latin typeface="Cambria Math" panose="02040503050406030204" pitchFamily="18" charset="0"/>
+                            <a:ea typeface="Times New Roman" panose="02020603050405020304" pitchFamily="18" charset="0"/>
+                            <a:cs typeface="Times New Roman" panose="02020603050405020304" pitchFamily="18" charset="0"/>
+                          </a:rPr>
+                          <m:t>1</m:t>
+                        </m:r>
+                      </m:sub>
+                    </m:sSub>
+                    <m:r>
+                      <a:rPr lang="ru-RU" sz="1800" i="1" kern="150">
+                        <a:effectLst/>
+                        <a:latin typeface="Cambria Math" panose="02040503050406030204" pitchFamily="18" charset="0"/>
+                        <a:ea typeface="Times New Roman" panose="02020603050405020304" pitchFamily="18" charset="0"/>
+                        <a:cs typeface="Times New Roman" panose="02020603050405020304" pitchFamily="18" charset="0"/>
+                      </a:rPr>
+                      <m:t>…</m:t>
+                    </m:r>
+                    <m:sSub>
+                      <m:sSubPr>
+                        <m:ctrlPr>
+                          <a:rPr lang="ru-RU" sz="1800" i="1" kern="150">
+                            <a:effectLst/>
+                            <a:latin typeface="Cambria Math" panose="02040503050406030204" pitchFamily="18" charset="0"/>
+                            <a:ea typeface="Times New Roman" panose="02020603050405020304" pitchFamily="18" charset="0"/>
+                            <a:cs typeface="Times New Roman" panose="02020603050405020304" pitchFamily="18" charset="0"/>
+                          </a:rPr>
+                        </m:ctrlPr>
+                      </m:sSubPr>
+                      <m:e>
+                        <m:r>
+                          <a:rPr lang="ru-RU" sz="1800" i="1" kern="150">
+                            <a:effectLst/>
+                            <a:latin typeface="Cambria Math" panose="02040503050406030204" pitchFamily="18" charset="0"/>
+                            <a:ea typeface="Times New Roman" panose="02020603050405020304" pitchFamily="18" charset="0"/>
+                            <a:cs typeface="Times New Roman" panose="02020603050405020304" pitchFamily="18" charset="0"/>
+                          </a:rPr>
+                          <m:t>𝜆</m:t>
+                        </m:r>
+                      </m:e>
+                      <m:sub>
+                        <m:r>
+                          <a:rPr lang="ru-RU" sz="1800" i="1" kern="150">
+                            <a:effectLst/>
+                            <a:latin typeface="Cambria Math" panose="02040503050406030204" pitchFamily="18" charset="0"/>
+                            <a:ea typeface="Times New Roman" panose="02020603050405020304" pitchFamily="18" charset="0"/>
+                            <a:cs typeface="Times New Roman" panose="02020603050405020304" pitchFamily="18" charset="0"/>
+                          </a:rPr>
+                          <m:t>𝑚</m:t>
+                        </m:r>
+                      </m:sub>
+                    </m:sSub>
+                    <m:r>
+                      <a:rPr lang="ru-RU" sz="1800" i="1" kern="150">
+                        <a:effectLst/>
+                        <a:latin typeface="Cambria Math" panose="02040503050406030204" pitchFamily="18" charset="0"/>
+                        <a:ea typeface="Times New Roman" panose="02020603050405020304" pitchFamily="18" charset="0"/>
+                        <a:cs typeface="Times New Roman" panose="02020603050405020304" pitchFamily="18" charset="0"/>
+                      </a:rPr>
+                      <m:t> </m:t>
+                    </m:r>
+                  </m:oMath>
+                </a14:m>
+                <a:r>
+                  <a:rPr lang="ru-RU" sz="1800" kern="150" dirty="0">
+                    <a:effectLst/>
+                    <a:latin typeface="Times New Roman" panose="02020603050405020304" pitchFamily="18" charset="0"/>
+                    <a:ea typeface="Times New Roman" panose="02020603050405020304" pitchFamily="18" charset="0"/>
+                    <a:cs typeface="Mangal" panose="02040503050203030202" pitchFamily="18" charset="0"/>
+                  </a:rPr>
+                  <a:t>, и собственные вектора </a:t>
+                </a:r>
+                <a14:m>
+                  <m:oMath xmlns:m="http://schemas.openxmlformats.org/officeDocument/2006/math">
+                    <m:sSub>
+                      <m:sSubPr>
+                        <m:ctrlPr>
+                          <a:rPr lang="ru-RU" sz="1800" i="1" kern="150">
+                            <a:effectLst/>
+                            <a:latin typeface="Cambria Math" panose="02040503050406030204" pitchFamily="18" charset="0"/>
+                            <a:ea typeface="Times New Roman" panose="02020603050405020304" pitchFamily="18" charset="0"/>
+                            <a:cs typeface="Times New Roman" panose="02020603050405020304" pitchFamily="18" charset="0"/>
+                          </a:rPr>
+                        </m:ctrlPr>
+                      </m:sSubPr>
+                      <m:e>
+                        <m:r>
+                          <a:rPr lang="ru-RU" sz="1800" i="1" kern="150">
+                            <a:effectLst/>
+                            <a:latin typeface="Cambria Math" panose="02040503050406030204" pitchFamily="18" charset="0"/>
+                            <a:ea typeface="Times New Roman" panose="02020603050405020304" pitchFamily="18" charset="0"/>
+                            <a:cs typeface="Times New Roman" panose="02020603050405020304" pitchFamily="18" charset="0"/>
+                          </a:rPr>
+                          <m:t>𝑒</m:t>
+                        </m:r>
+                      </m:e>
+                      <m:sub>
+                        <m:r>
+                          <a:rPr lang="ru-RU" sz="1800" i="1" kern="150">
+                            <a:effectLst/>
+                            <a:latin typeface="Cambria Math" panose="02040503050406030204" pitchFamily="18" charset="0"/>
+                            <a:ea typeface="Times New Roman" panose="02020603050405020304" pitchFamily="18" charset="0"/>
+                            <a:cs typeface="Times New Roman" panose="02020603050405020304" pitchFamily="18" charset="0"/>
+                          </a:rPr>
+                          <m:t>1</m:t>
+                        </m:r>
+                      </m:sub>
+                    </m:sSub>
+                    <m:r>
+                      <a:rPr lang="ru-RU" sz="1800" i="1" kern="150">
+                        <a:effectLst/>
+                        <a:latin typeface="Cambria Math" panose="02040503050406030204" pitchFamily="18" charset="0"/>
+                        <a:ea typeface="Times New Roman" panose="02020603050405020304" pitchFamily="18" charset="0"/>
+                        <a:cs typeface="Times New Roman" panose="02020603050405020304" pitchFamily="18" charset="0"/>
+                      </a:rPr>
+                      <m:t>…</m:t>
+                    </m:r>
+                    <m:sSub>
+                      <m:sSubPr>
+                        <m:ctrlPr>
+                          <a:rPr lang="ru-RU" sz="1800" i="1" kern="150">
+                            <a:effectLst/>
+                            <a:latin typeface="Cambria Math" panose="02040503050406030204" pitchFamily="18" charset="0"/>
+                            <a:ea typeface="Times New Roman" panose="02020603050405020304" pitchFamily="18" charset="0"/>
+                            <a:cs typeface="Times New Roman" panose="02020603050405020304" pitchFamily="18" charset="0"/>
+                          </a:rPr>
+                        </m:ctrlPr>
+                      </m:sSubPr>
+                      <m:e>
+                        <m:r>
+                          <a:rPr lang="ru-RU" sz="1800" i="1" kern="150">
+                            <a:effectLst/>
+                            <a:latin typeface="Cambria Math" panose="02040503050406030204" pitchFamily="18" charset="0"/>
+                            <a:ea typeface="Times New Roman" panose="02020603050405020304" pitchFamily="18" charset="0"/>
+                            <a:cs typeface="Times New Roman" panose="02020603050405020304" pitchFamily="18" charset="0"/>
+                          </a:rPr>
+                          <m:t>𝑒</m:t>
+                        </m:r>
+                      </m:e>
+                      <m:sub>
+                        <m:r>
+                          <a:rPr lang="ru-RU" sz="1800" i="1" kern="150">
+                            <a:effectLst/>
+                            <a:latin typeface="Cambria Math" panose="02040503050406030204" pitchFamily="18" charset="0"/>
+                            <a:ea typeface="Times New Roman" panose="02020603050405020304" pitchFamily="18" charset="0"/>
+                            <a:cs typeface="Times New Roman" panose="02020603050405020304" pitchFamily="18" charset="0"/>
+                          </a:rPr>
+                          <m:t>𝑚</m:t>
+                        </m:r>
+                      </m:sub>
+                    </m:sSub>
+                  </m:oMath>
+                </a14:m>
+                <a:r>
+                  <a:rPr lang="ru-RU" sz="1800" kern="150" dirty="0">
+                    <a:effectLst/>
+                    <a:latin typeface="Times New Roman" panose="02020603050405020304" pitchFamily="18" charset="0"/>
+                    <a:ea typeface="Times New Roman" panose="02020603050405020304" pitchFamily="18" charset="0"/>
+                    <a:cs typeface="Mangal" panose="02040503050203030202" pitchFamily="18" charset="0"/>
+                  </a:rPr>
+                  <a:t> (</a:t>
+                </a:r>
+                <a:r>
+                  <a:rPr lang="en-US" sz="1800" kern="150" dirty="0">
+                    <a:effectLst/>
+                    <a:latin typeface="Times New Roman" panose="02020603050405020304" pitchFamily="18" charset="0"/>
+                    <a:ea typeface="Times New Roman" panose="02020603050405020304" pitchFamily="18" charset="0"/>
+                    <a:cs typeface="Mangal" panose="02040503050203030202" pitchFamily="18" charset="0"/>
+                  </a:rPr>
+                  <a:t>m </a:t>
+                </a:r>
+                <a:r>
+                  <a:rPr lang="ru-RU" sz="1800" kern="150" dirty="0">
+                    <a:effectLst/>
+                    <a:latin typeface="Times New Roman" panose="02020603050405020304" pitchFamily="18" charset="0"/>
+                    <a:ea typeface="Times New Roman" panose="02020603050405020304" pitchFamily="18" charset="0"/>
+                    <a:cs typeface="Mangal" panose="02040503050203030202" pitchFamily="18" charset="0"/>
+                  </a:rPr>
+                  <a:t>– желаемая размерность выходящей матрицы)</a:t>
+                </a:r>
+                <a:endParaRPr lang="ru-RU" sz="1800" kern="150" dirty="0">
+                  <a:effectLst/>
+                  <a:latin typeface="Liberation Serif"/>
+                  <a:ea typeface="NSimSun" panose="02010609030101010101" pitchFamily="49" charset="-122"/>
+                  <a:cs typeface="Mangal" panose="02040503050203030202" pitchFamily="18" charset="0"/>
+                </a:endParaRPr>
+              </a:p>
+              <a:p>
+                <a:r>
+                  <a:rPr lang="ru-RU" sz="1800" dirty="0">
+                    <a:effectLst/>
+                    <a:latin typeface="Times New Roman" panose="02020603050405020304" pitchFamily="18" charset="0"/>
+                    <a:ea typeface="Times New Roman" panose="02020603050405020304" pitchFamily="18" charset="0"/>
+                  </a:rPr>
+                  <a:t>Считаем</a:t>
+                </a:r>
+                <a14:m>
+                  <m:oMath xmlns:m="http://schemas.openxmlformats.org/officeDocument/2006/math">
+                    <m:r>
+                      <a:rPr lang="ru-RU" sz="1800" i="1">
+                        <a:effectLst/>
+                        <a:latin typeface="Cambria Math" panose="02040503050406030204" pitchFamily="18" charset="0"/>
+                        <a:ea typeface="Times New Roman" panose="02020603050405020304" pitchFamily="18" charset="0"/>
+                        <a:cs typeface="Times New Roman" panose="02020603050405020304" pitchFamily="18" charset="0"/>
+                      </a:rPr>
+                      <m:t> </m:t>
+                    </m:r>
+                    <m:r>
+                      <a:rPr lang="ru-RU" sz="1800" i="1">
+                        <a:effectLst/>
+                        <a:latin typeface="Cambria Math" panose="02040503050406030204" pitchFamily="18" charset="0"/>
+                        <a:ea typeface="Times New Roman" panose="02020603050405020304" pitchFamily="18" charset="0"/>
+                        <a:cs typeface="Times New Roman" panose="02020603050405020304" pitchFamily="18" charset="0"/>
+                      </a:rPr>
+                      <m:t>𝑋</m:t>
+                    </m:r>
+                    <m:r>
+                      <a:rPr lang="ru-RU" sz="1800" i="1">
+                        <a:effectLst/>
+                        <a:latin typeface="Cambria Math" panose="02040503050406030204" pitchFamily="18" charset="0"/>
+                        <a:ea typeface="Times New Roman" panose="02020603050405020304" pitchFamily="18" charset="0"/>
+                        <a:cs typeface="Times New Roman" panose="02020603050405020304" pitchFamily="18" charset="0"/>
+                      </a:rPr>
+                      <m:t>= </m:t>
+                    </m:r>
+                    <m:sSub>
+                      <m:sSubPr>
+                        <m:ctrlPr>
+                          <a:rPr lang="ru-RU" sz="1800" i="1">
+                            <a:effectLst/>
+                            <a:latin typeface="Cambria Math" panose="02040503050406030204" pitchFamily="18" charset="0"/>
+                            <a:ea typeface="Times New Roman" panose="02020603050405020304" pitchFamily="18" charset="0"/>
+                            <a:cs typeface="Times New Roman" panose="02020603050405020304" pitchFamily="18" charset="0"/>
+                          </a:rPr>
+                        </m:ctrlPr>
+                      </m:sSubPr>
+                      <m:e>
+                        <m:r>
+                          <a:rPr lang="ru-RU" sz="1800" i="1">
+                            <a:effectLst/>
+                            <a:latin typeface="Cambria Math" panose="02040503050406030204" pitchFamily="18" charset="0"/>
+                            <a:ea typeface="Times New Roman" panose="02020603050405020304" pitchFamily="18" charset="0"/>
+                            <a:cs typeface="Times New Roman" panose="02020603050405020304" pitchFamily="18" charset="0"/>
+                          </a:rPr>
+                          <m:t>𝐸</m:t>
+                        </m:r>
+                      </m:e>
+                      <m:sub>
+                        <m:r>
+                          <a:rPr lang="ru-RU" sz="1800" i="1">
+                            <a:effectLst/>
+                            <a:latin typeface="Cambria Math" panose="02040503050406030204" pitchFamily="18" charset="0"/>
+                            <a:ea typeface="Times New Roman" panose="02020603050405020304" pitchFamily="18" charset="0"/>
+                            <a:cs typeface="Times New Roman" panose="02020603050405020304" pitchFamily="18" charset="0"/>
+                          </a:rPr>
+                          <m:t>𝑚</m:t>
+                        </m:r>
+                      </m:sub>
+                    </m:sSub>
+                    <m:sSubSup>
+                      <m:sSubSupPr>
+                        <m:ctrlPr>
+                          <a:rPr lang="ru-RU" sz="1800" i="1">
+                            <a:effectLst/>
+                            <a:latin typeface="Cambria Math" panose="02040503050406030204" pitchFamily="18" charset="0"/>
+                            <a:ea typeface="Times New Roman" panose="02020603050405020304" pitchFamily="18" charset="0"/>
+                            <a:cs typeface="Times New Roman" panose="02020603050405020304" pitchFamily="18" charset="0"/>
+                          </a:rPr>
+                        </m:ctrlPr>
+                      </m:sSubSupPr>
+                      <m:e>
+                        <m:r>
+                          <m:rPr>
+                            <m:sty m:val="p"/>
+                          </m:rPr>
+                          <a:rPr lang="ru-RU" sz="1800">
+                            <a:effectLst/>
+                            <a:latin typeface="Cambria Math" panose="02040503050406030204" pitchFamily="18" charset="0"/>
+                            <a:ea typeface="Times New Roman" panose="02020603050405020304" pitchFamily="18" charset="0"/>
+                            <a:cs typeface="Times New Roman" panose="02020603050405020304" pitchFamily="18" charset="0"/>
+                          </a:rPr>
+                          <m:t>Λ</m:t>
+                        </m:r>
+                      </m:e>
+                      <m:sub>
+                        <m:r>
+                          <a:rPr lang="en-US" sz="1800" i="1">
+                            <a:effectLst/>
+                            <a:latin typeface="Cambria Math" panose="02040503050406030204" pitchFamily="18" charset="0"/>
+                            <a:ea typeface="Times New Roman" panose="02020603050405020304" pitchFamily="18" charset="0"/>
+                            <a:cs typeface="Times New Roman" panose="02020603050405020304" pitchFamily="18" charset="0"/>
+                          </a:rPr>
+                          <m:t>𝑚</m:t>
+                        </m:r>
+                      </m:sub>
+                      <m:sup>
+                        <m:f>
+                          <m:fPr>
+                            <m:ctrlPr>
+                              <a:rPr lang="ru-RU" sz="1800" i="1">
+                                <a:effectLst/>
+                                <a:latin typeface="Cambria Math" panose="02040503050406030204" pitchFamily="18" charset="0"/>
+                                <a:ea typeface="Times New Roman" panose="02020603050405020304" pitchFamily="18" charset="0"/>
+                                <a:cs typeface="Times New Roman" panose="02020603050405020304" pitchFamily="18" charset="0"/>
+                              </a:rPr>
+                            </m:ctrlPr>
+                          </m:fPr>
+                          <m:num>
+                            <m:r>
+                              <a:rPr lang="ru-RU" sz="1800" i="1">
+                                <a:effectLst/>
+                                <a:latin typeface="Cambria Math" panose="02040503050406030204" pitchFamily="18" charset="0"/>
+                                <a:ea typeface="Times New Roman" panose="02020603050405020304" pitchFamily="18" charset="0"/>
+                                <a:cs typeface="Times New Roman" panose="02020603050405020304" pitchFamily="18" charset="0"/>
+                              </a:rPr>
+                              <m:t>1</m:t>
+                            </m:r>
+                          </m:num>
+                          <m:den>
+                            <m:r>
+                              <a:rPr lang="ru-RU" sz="1800" i="1">
+                                <a:effectLst/>
+                                <a:latin typeface="Cambria Math" panose="02040503050406030204" pitchFamily="18" charset="0"/>
+                                <a:ea typeface="Times New Roman" panose="02020603050405020304" pitchFamily="18" charset="0"/>
+                                <a:cs typeface="Times New Roman" panose="02020603050405020304" pitchFamily="18" charset="0"/>
+                              </a:rPr>
+                              <m:t>2</m:t>
+                            </m:r>
+                          </m:den>
+                        </m:f>
+                      </m:sup>
+                    </m:sSubSup>
+                  </m:oMath>
+                </a14:m>
+                <a:r>
+                  <a:rPr lang="ru-RU" sz="1800" dirty="0">
+                    <a:effectLst/>
+                    <a:latin typeface="Times New Roman" panose="02020603050405020304" pitchFamily="18" charset="0"/>
+                    <a:ea typeface="Times New Roman" panose="02020603050405020304" pitchFamily="18" charset="0"/>
+                  </a:rPr>
+                  <a:t> . Здесь </a:t>
+                </a:r>
+                <a14:m>
+                  <m:oMath xmlns:m="http://schemas.openxmlformats.org/officeDocument/2006/math">
+                    <m:sSub>
+                      <m:sSubPr>
+                        <m:ctrlPr>
+                          <a:rPr lang="ru-RU" sz="1800" i="1">
+                            <a:effectLst/>
+                            <a:latin typeface="Cambria Math" panose="02040503050406030204" pitchFamily="18" charset="0"/>
+                            <a:ea typeface="Times New Roman" panose="02020603050405020304" pitchFamily="18" charset="0"/>
+                            <a:cs typeface="Times New Roman" panose="02020603050405020304" pitchFamily="18" charset="0"/>
+                          </a:rPr>
+                        </m:ctrlPr>
+                      </m:sSubPr>
+                      <m:e>
+                        <m:r>
+                          <a:rPr lang="ru-RU" sz="1800" i="1">
+                            <a:effectLst/>
+                            <a:latin typeface="Cambria Math" panose="02040503050406030204" pitchFamily="18" charset="0"/>
+                            <a:ea typeface="Times New Roman" panose="02020603050405020304" pitchFamily="18" charset="0"/>
+                            <a:cs typeface="Times New Roman" panose="02020603050405020304" pitchFamily="18" charset="0"/>
+                          </a:rPr>
+                          <m:t>𝐸</m:t>
+                        </m:r>
+                      </m:e>
+                      <m:sub>
+                        <m:r>
+                          <a:rPr lang="ru-RU" sz="1800" i="1">
+                            <a:effectLst/>
+                            <a:latin typeface="Cambria Math" panose="02040503050406030204" pitchFamily="18" charset="0"/>
+                            <a:ea typeface="Times New Roman" panose="02020603050405020304" pitchFamily="18" charset="0"/>
+                            <a:cs typeface="Times New Roman" panose="02020603050405020304" pitchFamily="18" charset="0"/>
+                          </a:rPr>
+                          <m:t>𝑚</m:t>
+                        </m:r>
+                      </m:sub>
+                    </m:sSub>
+                  </m:oMath>
+                </a14:m>
+                <a:r>
+                  <a:rPr lang="ru-RU" sz="1800" dirty="0">
+                    <a:effectLst/>
+                    <a:latin typeface="Times New Roman" panose="02020603050405020304" pitchFamily="18" charset="0"/>
+                    <a:ea typeface="Times New Roman" panose="02020603050405020304" pitchFamily="18" charset="0"/>
+                  </a:rPr>
+                  <a:t> – матрица собственных векторов, </a:t>
+                </a:r>
+                <a14:m>
+                  <m:oMath xmlns:m="http://schemas.openxmlformats.org/officeDocument/2006/math">
+                    <m:sSubSup>
+                      <m:sSubSupPr>
+                        <m:ctrlPr>
+                          <a:rPr lang="ru-RU" sz="1800" i="1">
+                            <a:effectLst/>
+                            <a:latin typeface="Cambria Math" panose="02040503050406030204" pitchFamily="18" charset="0"/>
+                            <a:ea typeface="Times New Roman" panose="02020603050405020304" pitchFamily="18" charset="0"/>
+                            <a:cs typeface="Times New Roman" panose="02020603050405020304" pitchFamily="18" charset="0"/>
+                          </a:rPr>
+                        </m:ctrlPr>
+                      </m:sSubSupPr>
+                      <m:e>
+                        <m:r>
+                          <m:rPr>
+                            <m:sty m:val="p"/>
+                          </m:rPr>
+                          <a:rPr lang="ru-RU" sz="1800">
+                            <a:effectLst/>
+                            <a:latin typeface="Cambria Math" panose="02040503050406030204" pitchFamily="18" charset="0"/>
+                            <a:ea typeface="Times New Roman" panose="02020603050405020304" pitchFamily="18" charset="0"/>
+                            <a:cs typeface="Times New Roman" panose="02020603050405020304" pitchFamily="18" charset="0"/>
+                          </a:rPr>
+                          <m:t>Λ</m:t>
+                        </m:r>
+                      </m:e>
+                      <m:sub>
+                        <m:r>
+                          <a:rPr lang="en-US" sz="1800" i="1">
+                            <a:effectLst/>
+                            <a:latin typeface="Cambria Math" panose="02040503050406030204" pitchFamily="18" charset="0"/>
+                            <a:ea typeface="Times New Roman" panose="02020603050405020304" pitchFamily="18" charset="0"/>
+                            <a:cs typeface="Times New Roman" panose="02020603050405020304" pitchFamily="18" charset="0"/>
+                          </a:rPr>
+                          <m:t>𝑚</m:t>
+                        </m:r>
+                      </m:sub>
+                      <m:sup>
+                        <m:f>
+                          <m:fPr>
+                            <m:ctrlPr>
+                              <a:rPr lang="ru-RU" sz="1800" i="1">
+                                <a:effectLst/>
+                                <a:latin typeface="Cambria Math" panose="02040503050406030204" pitchFamily="18" charset="0"/>
+                                <a:ea typeface="Times New Roman" panose="02020603050405020304" pitchFamily="18" charset="0"/>
+                                <a:cs typeface="Times New Roman" panose="02020603050405020304" pitchFamily="18" charset="0"/>
+                              </a:rPr>
+                            </m:ctrlPr>
+                          </m:fPr>
+                          <m:num>
+                            <m:r>
+                              <a:rPr lang="ru-RU" sz="1800" i="1">
+                                <a:effectLst/>
+                                <a:latin typeface="Cambria Math" panose="02040503050406030204" pitchFamily="18" charset="0"/>
+                                <a:ea typeface="Times New Roman" panose="02020603050405020304" pitchFamily="18" charset="0"/>
+                                <a:cs typeface="Times New Roman" panose="02020603050405020304" pitchFamily="18" charset="0"/>
+                              </a:rPr>
+                              <m:t>1</m:t>
+                            </m:r>
+                          </m:num>
+                          <m:den>
+                            <m:r>
+                              <a:rPr lang="ru-RU" sz="1800" i="1">
+                                <a:effectLst/>
+                                <a:latin typeface="Cambria Math" panose="02040503050406030204" pitchFamily="18" charset="0"/>
+                                <a:ea typeface="Times New Roman" panose="02020603050405020304" pitchFamily="18" charset="0"/>
+                                <a:cs typeface="Times New Roman" panose="02020603050405020304" pitchFamily="18" charset="0"/>
+                              </a:rPr>
+                              <m:t>2</m:t>
+                            </m:r>
+                          </m:den>
+                        </m:f>
+                      </m:sup>
+                    </m:sSubSup>
+                  </m:oMath>
+                </a14:m>
+                <a:r>
+                  <a:rPr lang="ru-RU" sz="1800" dirty="0">
+                    <a:effectLst/>
+                    <a:latin typeface="Times New Roman" panose="02020603050405020304" pitchFamily="18" charset="0"/>
+                    <a:ea typeface="Times New Roman" panose="02020603050405020304" pitchFamily="18" charset="0"/>
+                  </a:rPr>
+                  <a:t> – диагональная матрица, собственных чисел</a:t>
+                </a:r>
+                <a:endParaRPr lang="ru-RU" dirty="0"/>
+              </a:p>
+            </p:txBody>
+          </p:sp>
+        </mc:Choice>
+        <mc:Fallback>
+          <p:sp>
+            <p:nvSpPr>
+              <p:cNvPr id="3" name="Объект 2">
+                <a:extLst>
+                  <a:ext uri="{FF2B5EF4-FFF2-40B4-BE49-F238E27FC236}">
+                    <a16:creationId xmlns:a16="http://schemas.microsoft.com/office/drawing/2014/main" id="{769665DB-A18F-4D16-86D8-5016CB274388}"/>
+                  </a:ext>
+                </a:extLst>
+              </p:cNvPr>
+              <p:cNvSpPr>
+                <a:spLocks noGrp="1" noRot="1" noChangeAspect="1" noMove="1" noResize="1" noEditPoints="1" noAdjustHandles="1" noChangeArrowheads="1" noChangeShapeType="1" noTextEdit="1"/>
+              </p:cNvSpPr>
+              <p:nvPr>
+                <p:ph idx="1"/>
+              </p:nvPr>
+            </p:nvSpPr>
+            <p:spPr>
+              <a:xfrm>
+                <a:off x="333080" y="1725874"/>
+                <a:ext cx="11020720" cy="3406251"/>
+              </a:xfrm>
+              <a:blipFill>
+                <a:blip r:embed="rId2"/>
+                <a:stretch>
+                  <a:fillRect l="-387" t="-894" r="-442"/>
+                </a:stretch>
+              </a:blipFill>
+            </p:spPr>
+            <p:txBody>
+              <a:bodyPr/>
+              <a:lstStyle/>
+              <a:p>
+                <a:r>
+                  <a:rPr lang="ru-RU">
+                    <a:noFill/>
+                  </a:rPr>
+                  <a:t> </a:t>
+                </a:r>
+              </a:p>
+            </p:txBody>
+          </p:sp>
+        </mc:Fallback>
+      </mc:AlternateContent>
     </p:spTree>
     <p:extLst>
       <p:ext uri="{BB962C8B-B14F-4D97-AF65-F5344CB8AC3E}">
-        <p14:creationId xmlns:p14="http://schemas.microsoft.com/office/powerpoint/2010/main" val="107824298"/>
+        <p14:creationId xmlns:p14="http://schemas.microsoft.com/office/powerpoint/2010/main" val="969224942"/>
       </p:ext>
     </p:extLst>
   </p:cSld>
@@ -3599,7 +4437,7 @@
           <p:cNvPr id="2" name="Заголовок 1">
             <a:extLst>
               <a:ext uri="{FF2B5EF4-FFF2-40B4-BE49-F238E27FC236}">
-                <a16:creationId xmlns:a16="http://schemas.microsoft.com/office/drawing/2014/main" id="{B40CD9E4-3695-4A79-BB1F-281BF2AB8F53}"/>
+                <a16:creationId xmlns:a16="http://schemas.microsoft.com/office/drawing/2014/main" id="{E8950D8E-31DF-4D7B-A99D-627E735E930E}"/>
               </a:ext>
             </a:extLst>
           </p:cNvPr>
@@ -3615,12 +4453,11 @@
           <a:bodyPr/>
           <a:lstStyle/>
           <a:p>
-            <a:pPr algn="ctr"/>
             <a:r>
               <a:rPr lang="en-US" dirty="0">
                 <a:latin typeface="Arial Black" panose="020B0A04020102020204" pitchFamily="34" charset="0"/>
               </a:rPr>
-              <a:t>ISOMAP</a:t>
+              <a:t>K-NN</a:t>
             </a:r>
             <a:endParaRPr lang="ru-RU" dirty="0"/>
           </a:p>
@@ -3631,7 +4468,7 @@
           <p:cNvPr id="3" name="Объект 2">
             <a:extLst>
               <a:ext uri="{FF2B5EF4-FFF2-40B4-BE49-F238E27FC236}">
-                <a16:creationId xmlns:a16="http://schemas.microsoft.com/office/drawing/2014/main" id="{F5A26ADC-17D9-4658-9923-0BCAF85BDE30}"/>
+                <a16:creationId xmlns:a16="http://schemas.microsoft.com/office/drawing/2014/main" id="{388CB1DD-B729-44F6-8080-BC3EFEB8A0F7}"/>
               </a:ext>
             </a:extLst>
           </p:cNvPr>
@@ -3647,10 +4484,811 @@
           <a:bodyPr/>
           <a:lstStyle/>
           <a:p>
+            <a:pPr marL="342900" lvl="0" indent="-342900" algn="just">
+              <a:buFont typeface="+mj-lt"/>
+              <a:buAutoNum type="arabicPeriod"/>
+            </a:pPr>
+            <a:r>
+              <a:rPr lang="ru-RU" sz="2400" kern="150" dirty="0">
+                <a:effectLst/>
+                <a:latin typeface="Times New Roman" panose="02020603050405020304" pitchFamily="18" charset="0"/>
+                <a:ea typeface="Times New Roman" panose="02020603050405020304" pitchFamily="18" charset="0"/>
+                <a:cs typeface="Mangal" panose="02040503050203030202" pitchFamily="18" charset="0"/>
+              </a:rPr>
+              <a:t>Выберем число </a:t>
+            </a:r>
+            <a:r>
+              <a:rPr lang="en-US" sz="2400" kern="150" dirty="0">
+                <a:effectLst/>
+                <a:latin typeface="Times New Roman" panose="02020603050405020304" pitchFamily="18" charset="0"/>
+                <a:ea typeface="Times New Roman" panose="02020603050405020304" pitchFamily="18" charset="0"/>
+                <a:cs typeface="Mangal" panose="02040503050203030202" pitchFamily="18" charset="0"/>
+              </a:rPr>
+              <a:t>K</a:t>
+            </a:r>
+            <a:r>
+              <a:rPr lang="ru-RU" sz="2400" kern="150" dirty="0">
+                <a:effectLst/>
+                <a:latin typeface="Times New Roman" panose="02020603050405020304" pitchFamily="18" charset="0"/>
+                <a:ea typeface="Times New Roman" panose="02020603050405020304" pitchFamily="18" charset="0"/>
+                <a:cs typeface="Mangal" panose="02040503050203030202" pitchFamily="18" charset="0"/>
+              </a:rPr>
+              <a:t> соседей </a:t>
+            </a:r>
+            <a:endParaRPr lang="ru-RU" sz="2400" kern="150" dirty="0">
+              <a:effectLst/>
+              <a:latin typeface="Liberation Serif"/>
+              <a:ea typeface="NSimSun" panose="02010609030101010101" pitchFamily="49" charset="-122"/>
+              <a:cs typeface="Mangal" panose="02040503050203030202" pitchFamily="18" charset="0"/>
+            </a:endParaRPr>
+          </a:p>
+          <a:p>
+            <a:pPr marL="342900" lvl="0" indent="-342900" algn="just">
+              <a:buFont typeface="+mj-lt"/>
+              <a:buAutoNum type="arabicPeriod"/>
+            </a:pPr>
+            <a:r>
+              <a:rPr lang="ru-RU" sz="2400" kern="150" dirty="0">
+                <a:effectLst/>
+                <a:latin typeface="Times New Roman" panose="02020603050405020304" pitchFamily="18" charset="0"/>
+                <a:ea typeface="Times New Roman" panose="02020603050405020304" pitchFamily="18" charset="0"/>
+                <a:cs typeface="Mangal" panose="02040503050203030202" pitchFamily="18" charset="0"/>
+              </a:rPr>
+              <a:t>Посчитаем Евклидовы расстояния между ними</a:t>
+            </a:r>
+            <a:endParaRPr lang="ru-RU" sz="2400" kern="150" dirty="0">
+              <a:effectLst/>
+              <a:latin typeface="Liberation Serif"/>
+              <a:ea typeface="NSimSun" panose="02010609030101010101" pitchFamily="49" charset="-122"/>
+              <a:cs typeface="Mangal" panose="02040503050203030202" pitchFamily="18" charset="0"/>
+            </a:endParaRPr>
+          </a:p>
+          <a:p>
+            <a:pPr marL="342900" lvl="0" indent="-342900" algn="just">
+              <a:buFont typeface="+mj-lt"/>
+              <a:buAutoNum type="arabicPeriod"/>
+            </a:pPr>
+            <a:r>
+              <a:rPr lang="ru-RU" sz="2400" kern="150" dirty="0">
+                <a:effectLst/>
+                <a:latin typeface="Times New Roman" panose="02020603050405020304" pitchFamily="18" charset="0"/>
+                <a:ea typeface="Times New Roman" panose="02020603050405020304" pitchFamily="18" charset="0"/>
+                <a:cs typeface="Mangal" panose="02040503050203030202" pitchFamily="18" charset="0"/>
+              </a:rPr>
+              <a:t>Возьмем </a:t>
+            </a:r>
+            <a:r>
+              <a:rPr lang="en-US" sz="2400" kern="150" dirty="0">
+                <a:effectLst/>
+                <a:latin typeface="Times New Roman" panose="02020603050405020304" pitchFamily="18" charset="0"/>
+                <a:ea typeface="Times New Roman" panose="02020603050405020304" pitchFamily="18" charset="0"/>
+                <a:cs typeface="Mangal" panose="02040503050203030202" pitchFamily="18" charset="0"/>
+              </a:rPr>
+              <a:t>K</a:t>
+            </a:r>
+            <a:r>
+              <a:rPr lang="ru-RU" sz="2400" kern="150" dirty="0">
+                <a:effectLst/>
+                <a:latin typeface="Times New Roman" panose="02020603050405020304" pitchFamily="18" charset="0"/>
+                <a:ea typeface="Times New Roman" panose="02020603050405020304" pitchFamily="18" charset="0"/>
+                <a:cs typeface="Mangal" panose="02040503050203030202" pitchFamily="18" charset="0"/>
+              </a:rPr>
+              <a:t> ближайших соседей в соответствии рассчитанным евклидовым расстоянием.</a:t>
+            </a:r>
+            <a:endParaRPr lang="ru-RU" sz="2400" kern="150" dirty="0">
+              <a:effectLst/>
+              <a:latin typeface="Liberation Serif"/>
+              <a:ea typeface="NSimSun" panose="02010609030101010101" pitchFamily="49" charset="-122"/>
+              <a:cs typeface="Mangal" panose="02040503050203030202" pitchFamily="18" charset="0"/>
+            </a:endParaRPr>
+          </a:p>
+          <a:p>
+            <a:pPr marL="342900" lvl="0" indent="-342900" algn="just">
+              <a:buFont typeface="+mj-lt"/>
+              <a:buAutoNum type="arabicPeriod"/>
+            </a:pPr>
+            <a:r>
+              <a:rPr lang="ru-RU" sz="2400" kern="150" dirty="0">
+                <a:effectLst/>
+                <a:latin typeface="Times New Roman" panose="02020603050405020304" pitchFamily="18" charset="0"/>
+                <a:ea typeface="Times New Roman" panose="02020603050405020304" pitchFamily="18" charset="0"/>
+                <a:cs typeface="Mangal" panose="02040503050203030202" pitchFamily="18" charset="0"/>
+              </a:rPr>
+              <a:t>Среди этих </a:t>
+            </a:r>
+            <a:r>
+              <a:rPr lang="en-US" sz="2400" kern="150" dirty="0">
+                <a:effectLst/>
+                <a:latin typeface="Times New Roman" panose="02020603050405020304" pitchFamily="18" charset="0"/>
+                <a:ea typeface="Times New Roman" panose="02020603050405020304" pitchFamily="18" charset="0"/>
+                <a:cs typeface="Mangal" panose="02040503050203030202" pitchFamily="18" charset="0"/>
+              </a:rPr>
+              <a:t>k</a:t>
+            </a:r>
+            <a:r>
+              <a:rPr lang="ru-RU" sz="2400" kern="150" dirty="0">
+                <a:effectLst/>
+                <a:latin typeface="Times New Roman" panose="02020603050405020304" pitchFamily="18" charset="0"/>
+                <a:ea typeface="Times New Roman" panose="02020603050405020304" pitchFamily="18" charset="0"/>
+                <a:cs typeface="Mangal" panose="02040503050203030202" pitchFamily="18" charset="0"/>
+              </a:rPr>
+              <a:t> соседей посчитаем количество точек в каждой категории.</a:t>
+            </a:r>
+            <a:endParaRPr lang="ru-RU" sz="2400" kern="150" dirty="0">
+              <a:effectLst/>
+              <a:latin typeface="Liberation Serif"/>
+              <a:ea typeface="NSimSun" panose="02010609030101010101" pitchFamily="49" charset="-122"/>
+              <a:cs typeface="Mangal" panose="02040503050203030202" pitchFamily="18" charset="0"/>
+            </a:endParaRPr>
+          </a:p>
+          <a:p>
+            <a:pPr marL="342900" lvl="0" indent="-342900" algn="just">
+              <a:buFont typeface="+mj-lt"/>
+              <a:buAutoNum type="arabicPeriod"/>
+            </a:pPr>
+            <a:r>
+              <a:rPr lang="ru-RU" sz="2400" kern="150" dirty="0">
+                <a:effectLst/>
+                <a:latin typeface="Times New Roman" panose="02020603050405020304" pitchFamily="18" charset="0"/>
+                <a:ea typeface="Times New Roman" panose="02020603050405020304" pitchFamily="18" charset="0"/>
+                <a:cs typeface="Mangal" panose="02040503050203030202" pitchFamily="18" charset="0"/>
+              </a:rPr>
+              <a:t>Отнесем новые точки к той категории, для которых количество соседей является максимальным.</a:t>
+            </a:r>
+            <a:endParaRPr lang="ru-RU" sz="2400" kern="150" dirty="0">
+              <a:effectLst/>
+              <a:latin typeface="Liberation Serif"/>
+              <a:ea typeface="NSimSun" panose="02010609030101010101" pitchFamily="49" charset="-122"/>
+              <a:cs typeface="Mangal" panose="02040503050203030202" pitchFamily="18" charset="0"/>
+            </a:endParaRPr>
+          </a:p>
+          <a:p>
             <a:endParaRPr lang="ru-RU" dirty="0"/>
           </a:p>
         </p:txBody>
       </p:sp>
+    </p:spTree>
+    <p:extLst>
+      <p:ext uri="{BB962C8B-B14F-4D97-AF65-F5344CB8AC3E}">
+        <p14:creationId xmlns:p14="http://schemas.microsoft.com/office/powerpoint/2010/main" val="107824298"/>
+      </p:ext>
+    </p:extLst>
+  </p:cSld>
+  <p:clrMapOvr>
+    <a:masterClrMapping/>
+  </p:clrMapOvr>
+</p:sld>
+</file>
+
+<file path=ppt/slides/slide12.xml><?xml version="1.0" encoding="utf-8"?>
+<p:sld xmlns:a="http://schemas.openxmlformats.org/drawingml/2006/main" xmlns:r="http://schemas.openxmlformats.org/officeDocument/2006/relationships" xmlns:p="http://schemas.openxmlformats.org/presentationml/2006/main">
+  <p:cSld>
+    <p:spTree>
+      <p:nvGrpSpPr>
+        <p:cNvPr id="1" name=""/>
+        <p:cNvGrpSpPr/>
+        <p:nvPr/>
+      </p:nvGrpSpPr>
+      <p:grpSpPr>
+        <a:xfrm>
+          <a:off x="0" y="0"/>
+          <a:ext cx="0" cy="0"/>
+          <a:chOff x="0" y="0"/>
+          <a:chExt cx="0" cy="0"/>
+        </a:xfrm>
+      </p:grpSpPr>
+      <p:sp>
+        <p:nvSpPr>
+          <p:cNvPr id="2" name="Заголовок 1">
+            <a:extLst>
+              <a:ext uri="{FF2B5EF4-FFF2-40B4-BE49-F238E27FC236}">
+                <a16:creationId xmlns:a16="http://schemas.microsoft.com/office/drawing/2014/main" id="{B40CD9E4-3695-4A79-BB1F-281BF2AB8F53}"/>
+              </a:ext>
+            </a:extLst>
+          </p:cNvPr>
+          <p:cNvSpPr>
+            <a:spLocks noGrp="1"/>
+          </p:cNvSpPr>
+          <p:nvPr>
+            <p:ph type="title"/>
+          </p:nvPr>
+        </p:nvSpPr>
+        <p:spPr/>
+        <p:txBody>
+          <a:bodyPr/>
+          <a:lstStyle/>
+          <a:p>
+            <a:pPr algn="ctr"/>
+            <a:r>
+              <a:rPr lang="en-US" dirty="0">
+                <a:latin typeface="Arial Black" panose="020B0A04020102020204" pitchFamily="34" charset="0"/>
+              </a:rPr>
+              <a:t>ISOMAP</a:t>
+            </a:r>
+            <a:endParaRPr lang="ru-RU" dirty="0"/>
+          </a:p>
+        </p:txBody>
+      </p:sp>
+      <mc:AlternateContent xmlns:mc="http://schemas.openxmlformats.org/markup-compatibility/2006">
+        <mc:Choice xmlns:a14="http://schemas.microsoft.com/office/drawing/2010/main" Requires="a14">
+          <p:sp>
+            <p:nvSpPr>
+              <p:cNvPr id="3" name="Объект 2">
+                <a:extLst>
+                  <a:ext uri="{FF2B5EF4-FFF2-40B4-BE49-F238E27FC236}">
+                    <a16:creationId xmlns:a16="http://schemas.microsoft.com/office/drawing/2014/main" id="{F5A26ADC-17D9-4658-9923-0BCAF85BDE30}"/>
+                  </a:ext>
+                </a:extLst>
+              </p:cNvPr>
+              <p:cNvSpPr>
+                <a:spLocks noGrp="1"/>
+              </p:cNvSpPr>
+              <p:nvPr>
+                <p:ph idx="1"/>
+              </p:nvPr>
+            </p:nvSpPr>
+            <p:spPr/>
+            <p:txBody>
+              <a:bodyPr/>
+              <a:lstStyle/>
+              <a:p>
+                <a:pPr marL="342900" lvl="0" indent="-342900" algn="just" fontAlgn="auto">
+                  <a:lnSpc>
+                    <a:spcPts val="1800"/>
+                  </a:lnSpc>
+                  <a:spcBef>
+                    <a:spcPts val="480"/>
+                  </a:spcBef>
+                  <a:spcAft>
+                    <a:spcPts val="600"/>
+                  </a:spcAft>
+                  <a:buSzPts val="1400"/>
+                  <a:buFont typeface="+mj-lt"/>
+                  <a:buAutoNum type="arabicParenR"/>
+                </a:pPr>
+                <a:r>
+                  <a:rPr lang="ru-RU" sz="2400" kern="150" dirty="0">
+                    <a:solidFill>
+                      <a:srgbClr val="000000"/>
+                    </a:solidFill>
+                    <a:effectLst/>
+                    <a:latin typeface="Times New Roman" panose="02020603050405020304" pitchFamily="18" charset="0"/>
+                    <a:ea typeface="NSimSun" panose="02010609030101010101" pitchFamily="49" charset="-122"/>
+                    <a:cs typeface="Mangal" panose="02040503050203030202" pitchFamily="18" charset="0"/>
+                  </a:rPr>
+                  <a:t>Строим взвешенный граф </a:t>
+                </a:r>
+                <a:r>
+                  <a:rPr lang="en-US" sz="2400" kern="150" dirty="0">
+                    <a:solidFill>
+                      <a:srgbClr val="000000"/>
+                    </a:solidFill>
+                    <a:effectLst/>
+                    <a:latin typeface="Times New Roman" panose="02020603050405020304" pitchFamily="18" charset="0"/>
+                    <a:ea typeface="NSimSun" panose="02010609030101010101" pitchFamily="49" charset="-122"/>
+                    <a:cs typeface="Mangal" panose="02040503050203030202" pitchFamily="18" charset="0"/>
+                  </a:rPr>
+                  <a:t>G</a:t>
+                </a:r>
+                <a:r>
+                  <a:rPr lang="ru-RU" sz="2400" kern="150" dirty="0">
+                    <a:solidFill>
+                      <a:srgbClr val="000000"/>
+                    </a:solidFill>
+                    <a:effectLst/>
+                    <a:latin typeface="Times New Roman" panose="02020603050405020304" pitchFamily="18" charset="0"/>
+                    <a:ea typeface="NSimSun" panose="02010609030101010101" pitchFamily="49" charset="-122"/>
+                    <a:cs typeface="Mangal" panose="02040503050203030202" pitchFamily="18" charset="0"/>
+                  </a:rPr>
+                  <a:t>, из евклидовых расстояний </a:t>
+                </a:r>
+                <a14:m>
+                  <m:oMath xmlns:m="http://schemas.openxmlformats.org/officeDocument/2006/math">
+                    <m:r>
+                      <a:rPr lang="ru-RU" sz="2400" i="1" kern="150">
+                        <a:solidFill>
+                          <a:srgbClr val="000000"/>
+                        </a:solidFill>
+                        <a:effectLst/>
+                        <a:latin typeface="Cambria Math" panose="02040503050406030204" pitchFamily="18" charset="0"/>
+                        <a:ea typeface="NSimSun" panose="02010609030101010101" pitchFamily="49" charset="-122"/>
+                        <a:cs typeface="Times New Roman" panose="02020603050405020304" pitchFamily="18" charset="0"/>
+                      </a:rPr>
+                      <m:t>𝑑</m:t>
+                    </m:r>
+                    <m:d>
+                      <m:dPr>
+                        <m:ctrlPr>
+                          <a:rPr lang="ru-RU" sz="2400" i="1" kern="150">
+                            <a:effectLst/>
+                            <a:latin typeface="Cambria Math" panose="02040503050406030204" pitchFamily="18" charset="0"/>
+                            <a:ea typeface="NSimSun" panose="02010609030101010101" pitchFamily="49" charset="-122"/>
+                            <a:cs typeface="Times New Roman" panose="02020603050405020304" pitchFamily="18" charset="0"/>
+                          </a:rPr>
+                        </m:ctrlPr>
+                      </m:dPr>
+                      <m:e>
+                        <m:r>
+                          <a:rPr lang="ru-RU" sz="2400" i="1" kern="150">
+                            <a:solidFill>
+                              <a:srgbClr val="000000"/>
+                            </a:solidFill>
+                            <a:effectLst/>
+                            <a:latin typeface="Cambria Math" panose="02040503050406030204" pitchFamily="18" charset="0"/>
+                            <a:ea typeface="NSimSun" panose="02010609030101010101" pitchFamily="49" charset="-122"/>
+                            <a:cs typeface="Times New Roman" panose="02020603050405020304" pitchFamily="18" charset="0"/>
+                          </a:rPr>
+                          <m:t>𝑥</m:t>
+                        </m:r>
+                        <m:r>
+                          <a:rPr lang="ru-RU" sz="2400" i="1" kern="150">
+                            <a:solidFill>
+                              <a:srgbClr val="000000"/>
+                            </a:solidFill>
+                            <a:effectLst/>
+                            <a:latin typeface="Cambria Math" panose="02040503050406030204" pitchFamily="18" charset="0"/>
+                            <a:ea typeface="NSimSun" panose="02010609030101010101" pitchFamily="49" charset="-122"/>
+                            <a:cs typeface="Times New Roman" panose="02020603050405020304" pitchFamily="18" charset="0"/>
+                          </a:rPr>
+                          <m:t>,</m:t>
+                        </m:r>
+                        <m:r>
+                          <a:rPr lang="ru-RU" sz="2400" i="1" kern="150">
+                            <a:solidFill>
+                              <a:srgbClr val="000000"/>
+                            </a:solidFill>
+                            <a:effectLst/>
+                            <a:latin typeface="Cambria Math" panose="02040503050406030204" pitchFamily="18" charset="0"/>
+                            <a:ea typeface="NSimSun" panose="02010609030101010101" pitchFamily="49" charset="-122"/>
+                            <a:cs typeface="Times New Roman" panose="02020603050405020304" pitchFamily="18" charset="0"/>
+                          </a:rPr>
+                          <m:t>𝑦</m:t>
+                        </m:r>
+                      </m:e>
+                    </m:d>
+                    <m:r>
+                      <a:rPr lang="ru-RU" sz="2400" i="1" kern="150">
+                        <a:solidFill>
+                          <a:srgbClr val="000000"/>
+                        </a:solidFill>
+                        <a:effectLst/>
+                        <a:latin typeface="Cambria Math" panose="02040503050406030204" pitchFamily="18" charset="0"/>
+                        <a:ea typeface="NSimSun" panose="02010609030101010101" pitchFamily="49" charset="-122"/>
+                        <a:cs typeface="Times New Roman" panose="02020603050405020304" pitchFamily="18" charset="0"/>
+                      </a:rPr>
+                      <m:t> ∀</m:t>
+                    </m:r>
+                    <m:r>
+                      <a:rPr lang="en-US" sz="2400" i="1" kern="150">
+                        <a:solidFill>
+                          <a:srgbClr val="000000"/>
+                        </a:solidFill>
+                        <a:effectLst/>
+                        <a:latin typeface="Cambria Math" panose="02040503050406030204" pitchFamily="18" charset="0"/>
+                        <a:ea typeface="NSimSun" panose="02010609030101010101" pitchFamily="49" charset="-122"/>
+                        <a:cs typeface="Times New Roman" panose="02020603050405020304" pitchFamily="18" charset="0"/>
+                      </a:rPr>
+                      <m:t>𝑥</m:t>
+                    </m:r>
+                    <m:r>
+                      <a:rPr lang="ru-RU" sz="2400" i="1" kern="150">
+                        <a:solidFill>
+                          <a:srgbClr val="000000"/>
+                        </a:solidFill>
+                        <a:effectLst/>
+                        <a:latin typeface="Cambria Math" panose="02040503050406030204" pitchFamily="18" charset="0"/>
+                        <a:ea typeface="NSimSun" panose="02010609030101010101" pitchFamily="49" charset="-122"/>
+                        <a:cs typeface="Times New Roman" panose="02020603050405020304" pitchFamily="18" charset="0"/>
+                      </a:rPr>
+                      <m:t>,</m:t>
+                    </m:r>
+                    <m:r>
+                      <a:rPr lang="en-US" sz="2400" i="1" kern="150">
+                        <a:solidFill>
+                          <a:srgbClr val="000000"/>
+                        </a:solidFill>
+                        <a:effectLst/>
+                        <a:latin typeface="Cambria Math" panose="02040503050406030204" pitchFamily="18" charset="0"/>
+                        <a:ea typeface="NSimSun" panose="02010609030101010101" pitchFamily="49" charset="-122"/>
+                        <a:cs typeface="Times New Roman" panose="02020603050405020304" pitchFamily="18" charset="0"/>
+                      </a:rPr>
+                      <m:t>𝑦</m:t>
+                    </m:r>
+                    <m:r>
+                      <a:rPr lang="ru-RU" sz="2400" i="1" kern="150">
+                        <a:solidFill>
+                          <a:srgbClr val="000000"/>
+                        </a:solidFill>
+                        <a:effectLst/>
+                        <a:latin typeface="Cambria Math" panose="02040503050406030204" pitchFamily="18" charset="0"/>
+                        <a:ea typeface="NSimSun" panose="02010609030101010101" pitchFamily="49" charset="-122"/>
+                        <a:cs typeface="Times New Roman" panose="02020603050405020304" pitchFamily="18" charset="0"/>
+                      </a:rPr>
+                      <m:t>  ∈</m:t>
+                    </m:r>
+                    <m:r>
+                      <a:rPr lang="en-US" sz="2400" i="1" kern="150">
+                        <a:solidFill>
+                          <a:srgbClr val="000000"/>
+                        </a:solidFill>
+                        <a:effectLst/>
+                        <a:latin typeface="Cambria Math" panose="02040503050406030204" pitchFamily="18" charset="0"/>
+                        <a:ea typeface="NSimSun" panose="02010609030101010101" pitchFamily="49" charset="-122"/>
+                        <a:cs typeface="Times New Roman" panose="02020603050405020304" pitchFamily="18" charset="0"/>
+                      </a:rPr>
+                      <m:t>𝑋</m:t>
+                    </m:r>
+                    <m:r>
+                      <a:rPr lang="en-US" sz="2400" i="1" kern="150">
+                        <a:solidFill>
+                          <a:srgbClr val="000000"/>
+                        </a:solidFill>
+                        <a:effectLst/>
+                        <a:latin typeface="Cambria Math" panose="02040503050406030204" pitchFamily="18" charset="0"/>
+                        <a:ea typeface="NSimSun" panose="02010609030101010101" pitchFamily="49" charset="-122"/>
+                        <a:cs typeface="Times New Roman" panose="02020603050405020304" pitchFamily="18" charset="0"/>
+                      </a:rPr>
+                      <m:t> </m:t>
+                    </m:r>
+                    <m:r>
+                      <a:rPr lang="en-US" sz="2400" i="1" kern="150">
+                        <a:solidFill>
+                          <a:srgbClr val="000000"/>
+                        </a:solidFill>
+                        <a:effectLst/>
+                        <a:latin typeface="Cambria Math" panose="02040503050406030204" pitchFamily="18" charset="0"/>
+                        <a:ea typeface="NSimSun" panose="02010609030101010101" pitchFamily="49" charset="-122"/>
+                        <a:cs typeface="Times New Roman" panose="02020603050405020304" pitchFamily="18" charset="0"/>
+                      </a:rPr>
+                      <m:t>𝑥</m:t>
+                    </m:r>
+                    <m:r>
+                      <a:rPr lang="en-US" sz="2400" i="1" kern="150">
+                        <a:solidFill>
+                          <a:srgbClr val="000000"/>
+                        </a:solidFill>
+                        <a:effectLst/>
+                        <a:latin typeface="Cambria Math" panose="02040503050406030204" pitchFamily="18" charset="0"/>
+                        <a:ea typeface="NSimSun" panose="02010609030101010101" pitchFamily="49" charset="-122"/>
+                        <a:cs typeface="Times New Roman" panose="02020603050405020304" pitchFamily="18" charset="0"/>
+                      </a:rPr>
+                      <m:t> </m:t>
+                    </m:r>
+                    <m:r>
+                      <a:rPr lang="en-US" sz="2400" i="1" kern="150">
+                        <a:solidFill>
+                          <a:srgbClr val="000000"/>
+                        </a:solidFill>
+                        <a:effectLst/>
+                        <a:latin typeface="Cambria Math" panose="02040503050406030204" pitchFamily="18" charset="0"/>
+                        <a:ea typeface="NSimSun" panose="02010609030101010101" pitchFamily="49" charset="-122"/>
+                        <a:cs typeface="Times New Roman" panose="02020603050405020304" pitchFamily="18" charset="0"/>
+                      </a:rPr>
+                      <m:t>𝑋</m:t>
+                    </m:r>
+                  </m:oMath>
+                </a14:m>
+                <a:r>
+                  <a:rPr lang="ru-RU" sz="2400" kern="150" dirty="0">
+                    <a:solidFill>
+                      <a:srgbClr val="000000"/>
+                    </a:solidFill>
+                    <a:effectLst/>
+                    <a:latin typeface="Times New Roman" panose="02020603050405020304" pitchFamily="18" charset="0"/>
+                    <a:ea typeface="NSimSun" panose="02010609030101010101" pitchFamily="49" charset="-122"/>
+                    <a:cs typeface="Mangal" panose="02040503050203030202" pitchFamily="18" charset="0"/>
+                  </a:rPr>
+                  <a:t> и находим подграф </a:t>
+                </a:r>
+                <a14:m>
+                  <m:oMath xmlns:m="http://schemas.openxmlformats.org/officeDocument/2006/math">
+                    <m:sSup>
+                      <m:sSupPr>
+                        <m:ctrlPr>
+                          <a:rPr lang="ru-RU" sz="2400" i="1" kern="150">
+                            <a:effectLst/>
+                            <a:latin typeface="Cambria Math" panose="02040503050406030204" pitchFamily="18" charset="0"/>
+                            <a:ea typeface="NSimSun" panose="02010609030101010101" pitchFamily="49" charset="-122"/>
+                            <a:cs typeface="Times New Roman" panose="02020603050405020304" pitchFamily="18" charset="0"/>
+                          </a:rPr>
+                        </m:ctrlPr>
+                      </m:sSupPr>
+                      <m:e>
+                        <m:r>
+                          <a:rPr lang="ru-RU" sz="2400" i="1" kern="150">
+                            <a:solidFill>
+                              <a:srgbClr val="000000"/>
+                            </a:solidFill>
+                            <a:effectLst/>
+                            <a:latin typeface="Cambria Math" panose="02040503050406030204" pitchFamily="18" charset="0"/>
+                            <a:ea typeface="NSimSun" panose="02010609030101010101" pitchFamily="49" charset="-122"/>
+                            <a:cs typeface="Times New Roman" panose="02020603050405020304" pitchFamily="18" charset="0"/>
+                          </a:rPr>
+                          <m:t>𝐺</m:t>
+                        </m:r>
+                      </m:e>
+                      <m:sup>
+                        <m:r>
+                          <a:rPr lang="ru-RU" sz="2400" i="1" kern="150">
+                            <a:solidFill>
+                              <a:srgbClr val="000000"/>
+                            </a:solidFill>
+                            <a:effectLst/>
+                            <a:latin typeface="Cambria Math" panose="02040503050406030204" pitchFamily="18" charset="0"/>
+                            <a:ea typeface="NSimSun" panose="02010609030101010101" pitchFamily="49" charset="-122"/>
+                            <a:cs typeface="Times New Roman" panose="02020603050405020304" pitchFamily="18" charset="0"/>
+                          </a:rPr>
+                          <m:t>′</m:t>
+                        </m:r>
+                      </m:sup>
+                    </m:sSup>
+                  </m:oMath>
+                </a14:m>
+                <a:r>
+                  <a:rPr lang="ru-RU" sz="2400" kern="150" dirty="0">
+                    <a:solidFill>
+                      <a:srgbClr val="000000"/>
+                    </a:solidFill>
+                    <a:effectLst/>
+                    <a:latin typeface="Times New Roman" panose="02020603050405020304" pitchFamily="18" charset="0"/>
+                    <a:ea typeface="NSimSun" panose="02010609030101010101" pitchFamily="49" charset="-122"/>
+                    <a:cs typeface="Mangal" panose="02040503050203030202" pitchFamily="18" charset="0"/>
+                  </a:rPr>
+                  <a:t> применяя </a:t>
+                </a:r>
+                <a:r>
+                  <a:rPr lang="en-US" sz="2400" kern="150" dirty="0">
+                    <a:solidFill>
+                      <a:srgbClr val="000000"/>
+                    </a:solidFill>
+                    <a:effectLst/>
+                    <a:latin typeface="Times New Roman" panose="02020603050405020304" pitchFamily="18" charset="0"/>
+                    <a:ea typeface="NSimSun" panose="02010609030101010101" pitchFamily="49" charset="-122"/>
+                    <a:cs typeface="Mangal" panose="02040503050203030202" pitchFamily="18" charset="0"/>
+                  </a:rPr>
+                  <a:t>K</a:t>
+                </a:r>
+                <a:r>
+                  <a:rPr lang="ru-RU" sz="2400" kern="150" dirty="0">
+                    <a:solidFill>
+                      <a:srgbClr val="000000"/>
+                    </a:solidFill>
+                    <a:effectLst/>
+                    <a:latin typeface="Times New Roman" panose="02020603050405020304" pitchFamily="18" charset="0"/>
+                    <a:ea typeface="NSimSun" panose="02010609030101010101" pitchFamily="49" charset="-122"/>
+                    <a:cs typeface="Mangal" panose="02040503050203030202" pitchFamily="18" charset="0"/>
+                  </a:rPr>
+                  <a:t>-</a:t>
+                </a:r>
+                <a:r>
+                  <a:rPr lang="en-US" sz="2400" kern="150" dirty="0">
+                    <a:solidFill>
+                      <a:srgbClr val="000000"/>
+                    </a:solidFill>
+                    <a:effectLst/>
+                    <a:latin typeface="Times New Roman" panose="02020603050405020304" pitchFamily="18" charset="0"/>
+                    <a:ea typeface="NSimSun" panose="02010609030101010101" pitchFamily="49" charset="-122"/>
+                    <a:cs typeface="Mangal" panose="02040503050203030202" pitchFamily="18" charset="0"/>
+                  </a:rPr>
+                  <a:t>NN</a:t>
+                </a:r>
+                <a:r>
+                  <a:rPr lang="ru-RU" sz="2400" kern="150" dirty="0">
+                    <a:solidFill>
+                      <a:srgbClr val="000000"/>
+                    </a:solidFill>
+                    <a:effectLst/>
+                    <a:latin typeface="Times New Roman" panose="02020603050405020304" pitchFamily="18" charset="0"/>
+                    <a:ea typeface="NSimSun" panose="02010609030101010101" pitchFamily="49" charset="-122"/>
+                    <a:cs typeface="Mangal" panose="02040503050203030202" pitchFamily="18" charset="0"/>
+                  </a:rPr>
+                  <a:t> алгоритм для на граф </a:t>
+                </a:r>
+                <a:r>
+                  <a:rPr lang="en-US" sz="2400" kern="150" dirty="0">
+                    <a:solidFill>
+                      <a:srgbClr val="000000"/>
+                    </a:solidFill>
+                    <a:effectLst/>
+                    <a:latin typeface="Times New Roman" panose="02020603050405020304" pitchFamily="18" charset="0"/>
+                    <a:ea typeface="NSimSun" panose="02010609030101010101" pitchFamily="49" charset="-122"/>
+                    <a:cs typeface="Mangal" panose="02040503050203030202" pitchFamily="18" charset="0"/>
+                  </a:rPr>
+                  <a:t>G</a:t>
+                </a:r>
+                <a:r>
+                  <a:rPr lang="ru-RU" sz="2400" kern="150" dirty="0">
+                    <a:solidFill>
+                      <a:srgbClr val="000000"/>
+                    </a:solidFill>
+                    <a:effectLst/>
+                    <a:latin typeface="Times New Roman" panose="02020603050405020304" pitchFamily="18" charset="0"/>
+                    <a:ea typeface="NSimSun" panose="02010609030101010101" pitchFamily="49" charset="-122"/>
+                    <a:cs typeface="Mangal" panose="02040503050203030202" pitchFamily="18" charset="0"/>
+                  </a:rPr>
+                  <a:t>.</a:t>
+                </a:r>
+                <a:endParaRPr lang="ru-RU" sz="2400" kern="150" dirty="0">
+                  <a:effectLst/>
+                  <a:latin typeface="Liberation Serif"/>
+                  <a:ea typeface="NSimSun" panose="02010609030101010101" pitchFamily="49" charset="-122"/>
+                  <a:cs typeface="Mangal" panose="02040503050203030202" pitchFamily="18" charset="0"/>
+                </a:endParaRPr>
+              </a:p>
+              <a:p>
+                <a:pPr marL="342900" lvl="0" indent="-342900" algn="just" fontAlgn="auto">
+                  <a:lnSpc>
+                    <a:spcPts val="1800"/>
+                  </a:lnSpc>
+                  <a:spcBef>
+                    <a:spcPts val="480"/>
+                  </a:spcBef>
+                  <a:spcAft>
+                    <a:spcPts val="600"/>
+                  </a:spcAft>
+                  <a:buSzPts val="1400"/>
+                  <a:buFont typeface="+mj-lt"/>
+                  <a:buAutoNum type="arabicParenR"/>
+                </a:pPr>
+                <a:r>
+                  <a:rPr lang="ru-RU" sz="2400" kern="150" dirty="0">
+                    <a:solidFill>
+                      <a:srgbClr val="000000"/>
+                    </a:solidFill>
+                    <a:effectLst/>
+                    <a:latin typeface="Times New Roman" panose="02020603050405020304" pitchFamily="18" charset="0"/>
+                    <a:ea typeface="NSimSun" panose="02010609030101010101" pitchFamily="49" charset="-122"/>
+                    <a:cs typeface="Mangal" panose="02040503050203030202" pitchFamily="18" charset="0"/>
+                  </a:rPr>
+                  <a:t>Считаем кратчайшие пути между всеми парами узлов, используя алгоритм Флойда – </a:t>
+                </a:r>
+                <a:r>
+                  <a:rPr lang="ru-RU" sz="2400" kern="150" dirty="0" err="1">
+                    <a:solidFill>
+                      <a:srgbClr val="000000"/>
+                    </a:solidFill>
+                    <a:effectLst/>
+                    <a:latin typeface="Times New Roman" panose="02020603050405020304" pitchFamily="18" charset="0"/>
+                    <a:ea typeface="NSimSun" panose="02010609030101010101" pitchFamily="49" charset="-122"/>
+                    <a:cs typeface="Mangal" panose="02040503050203030202" pitchFamily="18" charset="0"/>
+                  </a:rPr>
+                  <a:t>Уоршелла</a:t>
+                </a:r>
+                <a:r>
+                  <a:rPr lang="ru-RU" sz="2400" kern="150" dirty="0">
+                    <a:solidFill>
+                      <a:srgbClr val="000000"/>
+                    </a:solidFill>
+                    <a:effectLst/>
+                    <a:latin typeface="Times New Roman" panose="02020603050405020304" pitchFamily="18" charset="0"/>
+                    <a:ea typeface="NSimSun" panose="02010609030101010101" pitchFamily="49" charset="-122"/>
+                    <a:cs typeface="Mangal" panose="02040503050203030202" pitchFamily="18" charset="0"/>
+                  </a:rPr>
+                  <a:t> или </a:t>
+                </a:r>
+                <a:r>
+                  <a:rPr lang="ru-RU" sz="2400" kern="150" dirty="0" err="1">
+                    <a:solidFill>
+                      <a:srgbClr val="000000"/>
+                    </a:solidFill>
+                    <a:effectLst/>
+                    <a:latin typeface="Times New Roman" panose="02020603050405020304" pitchFamily="18" charset="0"/>
+                    <a:ea typeface="NSimSun" panose="02010609030101010101" pitchFamily="49" charset="-122"/>
+                    <a:cs typeface="Mangal" panose="02040503050203030202" pitchFamily="18" charset="0"/>
+                  </a:rPr>
+                  <a:t>Дейкстры</a:t>
+                </a:r>
+                <a:r>
+                  <a:rPr lang="ru-RU" sz="2400" kern="150" dirty="0">
+                    <a:solidFill>
+                      <a:srgbClr val="000000"/>
+                    </a:solidFill>
+                    <a:effectLst/>
+                    <a:latin typeface="Times New Roman" panose="02020603050405020304" pitchFamily="18" charset="0"/>
+                    <a:ea typeface="NSimSun" panose="02010609030101010101" pitchFamily="49" charset="-122"/>
+                    <a:cs typeface="Mangal" panose="02040503050203030202" pitchFamily="18" charset="0"/>
+                  </a:rPr>
+                  <a:t>.</a:t>
+                </a:r>
+                <a:endParaRPr lang="ru-RU" sz="2400" kern="150" dirty="0">
+                  <a:effectLst/>
+                  <a:latin typeface="Liberation Serif"/>
+                  <a:ea typeface="NSimSun" panose="02010609030101010101" pitchFamily="49" charset="-122"/>
+                  <a:cs typeface="Mangal" panose="02040503050203030202" pitchFamily="18" charset="0"/>
+                </a:endParaRPr>
+              </a:p>
+              <a:p>
+                <a:pPr marL="342900" lvl="0" indent="-342900" algn="just" fontAlgn="auto">
+                  <a:lnSpc>
+                    <a:spcPts val="1800"/>
+                  </a:lnSpc>
+                  <a:spcBef>
+                    <a:spcPts val="480"/>
+                  </a:spcBef>
+                  <a:spcAft>
+                    <a:spcPts val="600"/>
+                  </a:spcAft>
+                  <a:buSzPts val="1400"/>
+                  <a:buFont typeface="+mj-lt"/>
+                  <a:buAutoNum type="arabicParenR"/>
+                </a:pPr>
+                <a:r>
+                  <a:rPr lang="ru-RU" sz="2400" kern="150" dirty="0">
+                    <a:solidFill>
+                      <a:srgbClr val="000000"/>
+                    </a:solidFill>
+                    <a:effectLst/>
+                    <a:latin typeface="Times New Roman" panose="02020603050405020304" pitchFamily="18" charset="0"/>
+                    <a:ea typeface="NSimSun" panose="02010609030101010101" pitchFamily="49" charset="-122"/>
+                    <a:cs typeface="Mangal" panose="02040503050203030202" pitchFamily="18" charset="0"/>
+                  </a:rPr>
+                  <a:t>Понижаем размерность, используя </a:t>
+                </a:r>
+                <a:r>
+                  <a:rPr lang="en-US" sz="2400" kern="150" dirty="0">
+                    <a:solidFill>
+                      <a:srgbClr val="000000"/>
+                    </a:solidFill>
+                    <a:effectLst/>
+                    <a:latin typeface="Times New Roman" panose="02020603050405020304" pitchFamily="18" charset="0"/>
+                    <a:ea typeface="NSimSun" panose="02010609030101010101" pitchFamily="49" charset="-122"/>
+                    <a:cs typeface="Mangal" panose="02040503050203030202" pitchFamily="18" charset="0"/>
+                  </a:rPr>
+                  <a:t>MDS.</a:t>
+                </a:r>
+                <a:endParaRPr lang="ru-RU" sz="2400" kern="150" dirty="0">
+                  <a:effectLst/>
+                  <a:latin typeface="Liberation Serif"/>
+                  <a:ea typeface="NSimSun" panose="02010609030101010101" pitchFamily="49" charset="-122"/>
+                  <a:cs typeface="Mangal" panose="02040503050203030202" pitchFamily="18" charset="0"/>
+                </a:endParaRPr>
+              </a:p>
+              <a:p>
+                <a:endParaRPr lang="ru-RU" dirty="0"/>
+              </a:p>
+            </p:txBody>
+          </p:sp>
+        </mc:Choice>
+        <mc:Fallback>
+          <p:sp>
+            <p:nvSpPr>
+              <p:cNvPr id="3" name="Объект 2">
+                <a:extLst>
+                  <a:ext uri="{FF2B5EF4-FFF2-40B4-BE49-F238E27FC236}">
+                    <a16:creationId xmlns:a16="http://schemas.microsoft.com/office/drawing/2014/main" id="{F5A26ADC-17D9-4658-9923-0BCAF85BDE30}"/>
+                  </a:ext>
+                </a:extLst>
+              </p:cNvPr>
+              <p:cNvSpPr>
+                <a:spLocks noGrp="1" noRot="1" noChangeAspect="1" noMove="1" noResize="1" noEditPoints="1" noAdjustHandles="1" noChangeArrowheads="1" noChangeShapeType="1" noTextEdit="1"/>
+              </p:cNvSpPr>
+              <p:nvPr>
+                <p:ph idx="1"/>
+              </p:nvPr>
+            </p:nvSpPr>
+            <p:spPr>
+              <a:blipFill>
+                <a:blip r:embed="rId2"/>
+                <a:stretch>
+                  <a:fillRect l="-116" t="-3922" r="-870"/>
+                </a:stretch>
+              </a:blipFill>
+            </p:spPr>
+            <p:txBody>
+              <a:bodyPr/>
+              <a:lstStyle/>
+              <a:p>
+                <a:r>
+                  <a:rPr lang="ru-RU">
+                    <a:noFill/>
+                  </a:rPr>
+                  <a:t> </a:t>
+                </a:r>
+              </a:p>
+            </p:txBody>
+          </p:sp>
+        </mc:Fallback>
+      </mc:AlternateContent>
     </p:spTree>
     <p:extLst>
       <p:ext uri="{BB962C8B-B14F-4D97-AF65-F5344CB8AC3E}">
@@ -5095,10 +6733,49 @@
         </p:nvSpPr>
         <p:spPr/>
         <p:txBody>
-          <a:bodyPr/>
+          <a:bodyPr>
+            <a:normAutofit/>
+          </a:bodyPr>
           <a:lstStyle/>
           <a:p>
-            <a:endParaRPr lang="ru-RU" dirty="0"/>
+            <a:r>
+              <a:rPr lang="ru-RU" sz="2400" dirty="0">
+                <a:latin typeface="Times New Roman" panose="02020603050405020304" pitchFamily="18" charset="0"/>
+                <a:cs typeface="Times New Roman" panose="02020603050405020304" pitchFamily="18" charset="0"/>
+              </a:rPr>
+              <a:t>Топологическое пространство и топологическая структура</a:t>
+            </a:r>
+            <a:endParaRPr lang="en-US" sz="2400" dirty="0">
+              <a:latin typeface="Times New Roman" panose="02020603050405020304" pitchFamily="18" charset="0"/>
+              <a:cs typeface="Times New Roman" panose="02020603050405020304" pitchFamily="18" charset="0"/>
+            </a:endParaRPr>
+          </a:p>
+          <a:p>
+            <a:r>
+              <a:rPr lang="ru-RU" sz="2400" dirty="0">
+                <a:latin typeface="Times New Roman" panose="02020603050405020304" pitchFamily="18" charset="0"/>
+                <a:cs typeface="Times New Roman" panose="02020603050405020304" pitchFamily="18" charset="0"/>
+              </a:rPr>
+              <a:t>Локально Евклидовое топологическое пространство</a:t>
+            </a:r>
+          </a:p>
+          <a:p>
+            <a:r>
+              <a:rPr lang="ru-RU" sz="2400" dirty="0">
+                <a:latin typeface="Times New Roman" panose="02020603050405020304" pitchFamily="18" charset="0"/>
+                <a:cs typeface="Times New Roman" panose="02020603050405020304" pitchFamily="18" charset="0"/>
+              </a:rPr>
+              <a:t>Топологическое многообразие</a:t>
+            </a:r>
+          </a:p>
+          <a:p>
+            <a:r>
+              <a:rPr lang="ru-RU" sz="2400" dirty="0">
+                <a:latin typeface="Times New Roman" panose="02020603050405020304" pitchFamily="18" charset="0"/>
+                <a:cs typeface="Times New Roman" panose="02020603050405020304" pitchFamily="18" charset="0"/>
+              </a:rPr>
+              <a:t>Гладкое многообразие</a:t>
+            </a:r>
           </a:p>
         </p:txBody>
       </p:sp>
@@ -5685,25 +7362,498 @@
               <a:rPr lang="ru-RU" dirty="0">
                 <a:latin typeface="Arial Black" panose="020B0A04020102020204" pitchFamily="34" charset="0"/>
               </a:rPr>
-              <a:t>Флойд-</a:t>
+              <a:t>Алгоритм Флойда-</a:t>
             </a:r>
             <a:r>
               <a:rPr lang="ru-RU" dirty="0" err="1">
                 <a:latin typeface="Arial Black" panose="020B0A04020102020204" pitchFamily="34" charset="0"/>
               </a:rPr>
-              <a:t>Уоршелл</a:t>
-            </a:r>
-            <a:r>
-              <a:rPr lang="ru-RU" dirty="0">
-                <a:latin typeface="Arial Black" panose="020B0A04020102020204" pitchFamily="34" charset="0"/>
-              </a:rPr>
-              <a:t> и </a:t>
-            </a:r>
-            <a:r>
-              <a:rPr lang="ru-RU" dirty="0" err="1">
-                <a:latin typeface="Arial Black" panose="020B0A04020102020204" pitchFamily="34" charset="0"/>
-              </a:rPr>
-              <a:t>Дейкстра</a:t>
+              <a:t>Уоршелла</a:t>
+            </a:r>
+            <a:endParaRPr lang="ru-RU" dirty="0"/>
+          </a:p>
+        </p:txBody>
+      </p:sp>
+      <mc:AlternateContent xmlns:mc="http://schemas.openxmlformats.org/markup-compatibility/2006" xmlns:a14="http://schemas.microsoft.com/office/drawing/2010/main">
+        <mc:Choice Requires="a14">
+          <p:sp>
+            <p:nvSpPr>
+              <p:cNvPr id="3" name="Объект 2">
+                <a:extLst>
+                  <a:ext uri="{FF2B5EF4-FFF2-40B4-BE49-F238E27FC236}">
+                    <a16:creationId xmlns:a16="http://schemas.microsoft.com/office/drawing/2014/main" id="{222BA0DD-CFBF-443E-8783-35BCC5F04BFC}"/>
+                  </a:ext>
+                </a:extLst>
+              </p:cNvPr>
+              <p:cNvSpPr>
+                <a:spLocks noGrp="1"/>
+              </p:cNvSpPr>
+              <p:nvPr>
+                <p:ph idx="1"/>
+              </p:nvPr>
+            </p:nvSpPr>
+            <p:spPr>
+              <a:xfrm>
+                <a:off x="2865747" y="5234183"/>
+                <a:ext cx="7234287" cy="1623817"/>
+              </a:xfrm>
+            </p:spPr>
+            <p:txBody>
+              <a:bodyPr/>
+              <a:lstStyle/>
+              <a:p>
+                <a14:m>
+                  <m:oMath xmlns:m="http://schemas.openxmlformats.org/officeDocument/2006/math">
+                    <m:sSub>
+                      <m:sSubPr>
+                        <m:ctrlPr>
+                          <a:rPr lang="ru-RU" sz="2400" i="1" smtClean="0">
+                            <a:effectLst/>
+                            <a:latin typeface="Cambria Math" panose="02040503050406030204" pitchFamily="18" charset="0"/>
+                            <a:ea typeface="Times New Roman" panose="02020603050405020304" pitchFamily="18" charset="0"/>
+                            <a:cs typeface="Times New Roman" panose="02020603050405020304" pitchFamily="18" charset="0"/>
+                          </a:rPr>
+                        </m:ctrlPr>
+                      </m:sSubPr>
+                      <m:e>
+                        <m:r>
+                          <a:rPr lang="ru-RU" sz="2400" i="1">
+                            <a:effectLst/>
+                            <a:latin typeface="Cambria Math" panose="02040503050406030204" pitchFamily="18" charset="0"/>
+                            <a:ea typeface="Times New Roman" panose="02020603050405020304" pitchFamily="18" charset="0"/>
+                            <a:cs typeface="Times New Roman" panose="02020603050405020304" pitchFamily="18" charset="0"/>
+                          </a:rPr>
+                          <m:t>𝐴</m:t>
+                        </m:r>
+                      </m:e>
+                      <m:sub>
+                        <m:r>
+                          <a:rPr lang="ru-RU" sz="2400" i="1">
+                            <a:effectLst/>
+                            <a:latin typeface="Cambria Math" panose="02040503050406030204" pitchFamily="18" charset="0"/>
+                            <a:ea typeface="Times New Roman" panose="02020603050405020304" pitchFamily="18" charset="0"/>
+                            <a:cs typeface="Times New Roman" panose="02020603050405020304" pitchFamily="18" charset="0"/>
+                          </a:rPr>
+                          <m:t>𝑘</m:t>
+                        </m:r>
+                        <m:r>
+                          <a:rPr lang="ru-RU" sz="2400" i="1">
+                            <a:effectLst/>
+                            <a:latin typeface="Cambria Math" panose="02040503050406030204" pitchFamily="18" charset="0"/>
+                            <a:ea typeface="Times New Roman" panose="02020603050405020304" pitchFamily="18" charset="0"/>
+                            <a:cs typeface="Times New Roman" panose="02020603050405020304" pitchFamily="18" charset="0"/>
+                          </a:rPr>
+                          <m:t>+1</m:t>
+                        </m:r>
+                      </m:sub>
+                    </m:sSub>
+                    <m:r>
+                      <a:rPr lang="ru-RU" sz="2400" i="1">
+                        <a:effectLst/>
+                        <a:latin typeface="Cambria Math" panose="02040503050406030204" pitchFamily="18" charset="0"/>
+                        <a:ea typeface="Times New Roman" panose="02020603050405020304" pitchFamily="18" charset="0"/>
+                        <a:cs typeface="Times New Roman" panose="02020603050405020304" pitchFamily="18" charset="0"/>
+                      </a:rPr>
+                      <m:t>=</m:t>
+                    </m:r>
+                    <m:func>
+                      <m:funcPr>
+                        <m:ctrlPr>
+                          <a:rPr lang="ru-RU" sz="2400" i="1">
+                            <a:effectLst/>
+                            <a:latin typeface="Cambria Math" panose="02040503050406030204" pitchFamily="18" charset="0"/>
+                            <a:ea typeface="Times New Roman" panose="02020603050405020304" pitchFamily="18" charset="0"/>
+                            <a:cs typeface="Times New Roman" panose="02020603050405020304" pitchFamily="18" charset="0"/>
+                          </a:rPr>
+                        </m:ctrlPr>
+                      </m:funcPr>
+                      <m:fName>
+                        <m:r>
+                          <m:rPr>
+                            <m:sty m:val="p"/>
+                          </m:rPr>
+                          <a:rPr lang="ru-RU" sz="2400">
+                            <a:effectLst/>
+                            <a:latin typeface="Cambria Math" panose="02040503050406030204" pitchFamily="18" charset="0"/>
+                            <a:ea typeface="Times New Roman" panose="02020603050405020304" pitchFamily="18" charset="0"/>
+                            <a:cs typeface="Times New Roman" panose="02020603050405020304" pitchFamily="18" charset="0"/>
+                          </a:rPr>
+                          <m:t>min</m:t>
+                        </m:r>
+                      </m:fName>
+                      <m:e>
+                        <m:d>
+                          <m:dPr>
+                            <m:ctrlPr>
+                              <a:rPr lang="ru-RU" sz="2400" i="1">
+                                <a:effectLst/>
+                                <a:latin typeface="Cambria Math" panose="02040503050406030204" pitchFamily="18" charset="0"/>
+                                <a:ea typeface="Times New Roman" panose="02020603050405020304" pitchFamily="18" charset="0"/>
+                                <a:cs typeface="Times New Roman" panose="02020603050405020304" pitchFamily="18" charset="0"/>
+                              </a:rPr>
+                            </m:ctrlPr>
+                          </m:dPr>
+                          <m:e>
+                            <m:sSub>
+                              <m:sSubPr>
+                                <m:ctrlPr>
+                                  <a:rPr lang="ru-RU" sz="2400" i="1">
+                                    <a:effectLst/>
+                                    <a:latin typeface="Cambria Math" panose="02040503050406030204" pitchFamily="18" charset="0"/>
+                                    <a:ea typeface="Times New Roman" panose="02020603050405020304" pitchFamily="18" charset="0"/>
+                                    <a:cs typeface="Times New Roman" panose="02020603050405020304" pitchFamily="18" charset="0"/>
+                                  </a:rPr>
+                                </m:ctrlPr>
+                              </m:sSubPr>
+                              <m:e>
+                                <m:r>
+                                  <a:rPr lang="ru-RU" sz="2400" i="1">
+                                    <a:effectLst/>
+                                    <a:latin typeface="Cambria Math" panose="02040503050406030204" pitchFamily="18" charset="0"/>
+                                    <a:ea typeface="Times New Roman" panose="02020603050405020304" pitchFamily="18" charset="0"/>
+                                    <a:cs typeface="Times New Roman" panose="02020603050405020304" pitchFamily="18" charset="0"/>
+                                  </a:rPr>
+                                  <m:t>𝐴</m:t>
+                                </m:r>
+                              </m:e>
+                              <m:sub>
+                                <m:r>
+                                  <a:rPr lang="ru-RU" sz="2400" i="1">
+                                    <a:effectLst/>
+                                    <a:latin typeface="Cambria Math" panose="02040503050406030204" pitchFamily="18" charset="0"/>
+                                    <a:ea typeface="Times New Roman" panose="02020603050405020304" pitchFamily="18" charset="0"/>
+                                    <a:cs typeface="Times New Roman" panose="02020603050405020304" pitchFamily="18" charset="0"/>
+                                  </a:rPr>
+                                  <m:t>𝑘</m:t>
+                                </m:r>
+                              </m:sub>
+                            </m:sSub>
+                            <m:d>
+                              <m:dPr>
+                                <m:begChr m:val="["/>
+                                <m:endChr m:val="]"/>
+                                <m:ctrlPr>
+                                  <a:rPr lang="ru-RU" sz="2400" i="1">
+                                    <a:effectLst/>
+                                    <a:latin typeface="Cambria Math" panose="02040503050406030204" pitchFamily="18" charset="0"/>
+                                    <a:ea typeface="Times New Roman" panose="02020603050405020304" pitchFamily="18" charset="0"/>
+                                    <a:cs typeface="Times New Roman" panose="02020603050405020304" pitchFamily="18" charset="0"/>
+                                  </a:rPr>
+                                </m:ctrlPr>
+                              </m:dPr>
+                              <m:e>
+                                <m:r>
+                                  <a:rPr lang="ru-RU" sz="2400" i="1">
+                                    <a:effectLst/>
+                                    <a:latin typeface="Cambria Math" panose="02040503050406030204" pitchFamily="18" charset="0"/>
+                                    <a:ea typeface="Times New Roman" panose="02020603050405020304" pitchFamily="18" charset="0"/>
+                                    <a:cs typeface="Times New Roman" panose="02020603050405020304" pitchFamily="18" charset="0"/>
+                                  </a:rPr>
+                                  <m:t>𝑖</m:t>
+                                </m:r>
+                                <m:r>
+                                  <a:rPr lang="ru-RU" sz="2400" i="1">
+                                    <a:effectLst/>
+                                    <a:latin typeface="Cambria Math" panose="02040503050406030204" pitchFamily="18" charset="0"/>
+                                    <a:ea typeface="Times New Roman" panose="02020603050405020304" pitchFamily="18" charset="0"/>
+                                    <a:cs typeface="Times New Roman" panose="02020603050405020304" pitchFamily="18" charset="0"/>
+                                  </a:rPr>
+                                  <m:t>,</m:t>
+                                </m:r>
+                                <m:r>
+                                  <a:rPr lang="ru-RU" sz="2400" i="1">
+                                    <a:effectLst/>
+                                    <a:latin typeface="Cambria Math" panose="02040503050406030204" pitchFamily="18" charset="0"/>
+                                    <a:ea typeface="Times New Roman" panose="02020603050405020304" pitchFamily="18" charset="0"/>
+                                    <a:cs typeface="Times New Roman" panose="02020603050405020304" pitchFamily="18" charset="0"/>
+                                  </a:rPr>
+                                  <m:t>𝑗</m:t>
+                                </m:r>
+                              </m:e>
+                            </m:d>
+                            <m:r>
+                              <a:rPr lang="ru-RU" sz="2400" i="1">
+                                <a:effectLst/>
+                                <a:latin typeface="Cambria Math" panose="02040503050406030204" pitchFamily="18" charset="0"/>
+                                <a:ea typeface="Times New Roman" panose="02020603050405020304" pitchFamily="18" charset="0"/>
+                                <a:cs typeface="Times New Roman" panose="02020603050405020304" pitchFamily="18" charset="0"/>
+                              </a:rPr>
+                              <m:t>,</m:t>
+                            </m:r>
+                            <m:sSub>
+                              <m:sSubPr>
+                                <m:ctrlPr>
+                                  <a:rPr lang="ru-RU" sz="2400" i="1">
+                                    <a:effectLst/>
+                                    <a:latin typeface="Cambria Math" panose="02040503050406030204" pitchFamily="18" charset="0"/>
+                                    <a:ea typeface="Times New Roman" panose="02020603050405020304" pitchFamily="18" charset="0"/>
+                                    <a:cs typeface="Times New Roman" panose="02020603050405020304" pitchFamily="18" charset="0"/>
+                                  </a:rPr>
+                                </m:ctrlPr>
+                              </m:sSubPr>
+                              <m:e>
+                                <m:r>
+                                  <a:rPr lang="ru-RU" sz="2400" i="1">
+                                    <a:effectLst/>
+                                    <a:latin typeface="Cambria Math" panose="02040503050406030204" pitchFamily="18" charset="0"/>
+                                    <a:ea typeface="Times New Roman" panose="02020603050405020304" pitchFamily="18" charset="0"/>
+                                    <a:cs typeface="Times New Roman" panose="02020603050405020304" pitchFamily="18" charset="0"/>
+                                  </a:rPr>
+                                  <m:t>𝐴</m:t>
+                                </m:r>
+                              </m:e>
+                              <m:sub>
+                                <m:r>
+                                  <a:rPr lang="ru-RU" sz="2400" i="1">
+                                    <a:effectLst/>
+                                    <a:latin typeface="Cambria Math" panose="02040503050406030204" pitchFamily="18" charset="0"/>
+                                    <a:ea typeface="Times New Roman" panose="02020603050405020304" pitchFamily="18" charset="0"/>
+                                    <a:cs typeface="Times New Roman" panose="02020603050405020304" pitchFamily="18" charset="0"/>
+                                  </a:rPr>
+                                  <m:t>𝑘</m:t>
+                                </m:r>
+                              </m:sub>
+                            </m:sSub>
+                            <m:d>
+                              <m:dPr>
+                                <m:begChr m:val="["/>
+                                <m:endChr m:val="]"/>
+                                <m:ctrlPr>
+                                  <a:rPr lang="ru-RU" sz="2400" i="1">
+                                    <a:effectLst/>
+                                    <a:latin typeface="Cambria Math" panose="02040503050406030204" pitchFamily="18" charset="0"/>
+                                    <a:ea typeface="Times New Roman" panose="02020603050405020304" pitchFamily="18" charset="0"/>
+                                    <a:cs typeface="Times New Roman" panose="02020603050405020304" pitchFamily="18" charset="0"/>
+                                  </a:rPr>
+                                </m:ctrlPr>
+                              </m:dPr>
+                              <m:e>
+                                <m:r>
+                                  <a:rPr lang="ru-RU" sz="2400" i="1">
+                                    <a:effectLst/>
+                                    <a:latin typeface="Cambria Math" panose="02040503050406030204" pitchFamily="18" charset="0"/>
+                                    <a:ea typeface="Times New Roman" panose="02020603050405020304" pitchFamily="18" charset="0"/>
+                                    <a:cs typeface="Times New Roman" panose="02020603050405020304" pitchFamily="18" charset="0"/>
+                                  </a:rPr>
+                                  <m:t>𝑖</m:t>
+                                </m:r>
+                                <m:r>
+                                  <a:rPr lang="ru-RU" sz="2400" i="1">
+                                    <a:effectLst/>
+                                    <a:latin typeface="Cambria Math" panose="02040503050406030204" pitchFamily="18" charset="0"/>
+                                    <a:ea typeface="Times New Roman" panose="02020603050405020304" pitchFamily="18" charset="0"/>
+                                    <a:cs typeface="Times New Roman" panose="02020603050405020304" pitchFamily="18" charset="0"/>
+                                  </a:rPr>
+                                  <m:t>,</m:t>
+                                </m:r>
+                                <m:r>
+                                  <a:rPr lang="ru-RU" sz="2400" i="1">
+                                    <a:effectLst/>
+                                    <a:latin typeface="Cambria Math" panose="02040503050406030204" pitchFamily="18" charset="0"/>
+                                    <a:ea typeface="Times New Roman" panose="02020603050405020304" pitchFamily="18" charset="0"/>
+                                    <a:cs typeface="Times New Roman" panose="02020603050405020304" pitchFamily="18" charset="0"/>
+                                  </a:rPr>
+                                  <m:t>𝑘</m:t>
+                                </m:r>
+                              </m:e>
+                            </m:d>
+                            <m:r>
+                              <a:rPr lang="ru-RU" sz="2400" i="1">
+                                <a:effectLst/>
+                                <a:latin typeface="Cambria Math" panose="02040503050406030204" pitchFamily="18" charset="0"/>
+                                <a:ea typeface="Times New Roman" panose="02020603050405020304" pitchFamily="18" charset="0"/>
+                                <a:cs typeface="Times New Roman" panose="02020603050405020304" pitchFamily="18" charset="0"/>
+                              </a:rPr>
+                              <m:t>+</m:t>
+                            </m:r>
+                            <m:sSub>
+                              <m:sSubPr>
+                                <m:ctrlPr>
+                                  <a:rPr lang="ru-RU" sz="2400" i="1">
+                                    <a:effectLst/>
+                                    <a:latin typeface="Cambria Math" panose="02040503050406030204" pitchFamily="18" charset="0"/>
+                                    <a:ea typeface="Times New Roman" panose="02020603050405020304" pitchFamily="18" charset="0"/>
+                                    <a:cs typeface="Times New Roman" panose="02020603050405020304" pitchFamily="18" charset="0"/>
+                                  </a:rPr>
+                                </m:ctrlPr>
+                              </m:sSubPr>
+                              <m:e>
+                                <m:r>
+                                  <a:rPr lang="ru-RU" sz="2400" i="1">
+                                    <a:effectLst/>
+                                    <a:latin typeface="Cambria Math" panose="02040503050406030204" pitchFamily="18" charset="0"/>
+                                    <a:ea typeface="Times New Roman" panose="02020603050405020304" pitchFamily="18" charset="0"/>
+                                    <a:cs typeface="Times New Roman" panose="02020603050405020304" pitchFamily="18" charset="0"/>
+                                  </a:rPr>
+                                  <m:t>𝐴</m:t>
+                                </m:r>
+                              </m:e>
+                              <m:sub>
+                                <m:r>
+                                  <a:rPr lang="ru-RU" sz="2400" i="1">
+                                    <a:effectLst/>
+                                    <a:latin typeface="Cambria Math" panose="02040503050406030204" pitchFamily="18" charset="0"/>
+                                    <a:ea typeface="Times New Roman" panose="02020603050405020304" pitchFamily="18" charset="0"/>
+                                    <a:cs typeface="Times New Roman" panose="02020603050405020304" pitchFamily="18" charset="0"/>
+                                  </a:rPr>
+                                  <m:t>𝑘</m:t>
+                                </m:r>
+                              </m:sub>
+                            </m:sSub>
+                            <m:d>
+                              <m:dPr>
+                                <m:begChr m:val="["/>
+                                <m:endChr m:val="]"/>
+                                <m:ctrlPr>
+                                  <a:rPr lang="ru-RU" sz="2400" i="1">
+                                    <a:effectLst/>
+                                    <a:latin typeface="Cambria Math" panose="02040503050406030204" pitchFamily="18" charset="0"/>
+                                    <a:ea typeface="Times New Roman" panose="02020603050405020304" pitchFamily="18" charset="0"/>
+                                    <a:cs typeface="Times New Roman" panose="02020603050405020304" pitchFamily="18" charset="0"/>
+                                  </a:rPr>
+                                </m:ctrlPr>
+                              </m:dPr>
+                              <m:e>
+                                <m:r>
+                                  <a:rPr lang="ru-RU" sz="2400" i="1">
+                                    <a:effectLst/>
+                                    <a:latin typeface="Cambria Math" panose="02040503050406030204" pitchFamily="18" charset="0"/>
+                                    <a:ea typeface="Times New Roman" panose="02020603050405020304" pitchFamily="18" charset="0"/>
+                                    <a:cs typeface="Times New Roman" panose="02020603050405020304" pitchFamily="18" charset="0"/>
+                                  </a:rPr>
+                                  <m:t>𝑘</m:t>
+                                </m:r>
+                                <m:r>
+                                  <a:rPr lang="ru-RU" sz="2400" i="1">
+                                    <a:effectLst/>
+                                    <a:latin typeface="Cambria Math" panose="02040503050406030204" pitchFamily="18" charset="0"/>
+                                    <a:ea typeface="Times New Roman" panose="02020603050405020304" pitchFamily="18" charset="0"/>
+                                    <a:cs typeface="Times New Roman" panose="02020603050405020304" pitchFamily="18" charset="0"/>
+                                  </a:rPr>
+                                  <m:t>,</m:t>
+                                </m:r>
+                                <m:r>
+                                  <a:rPr lang="ru-RU" sz="2400" i="1">
+                                    <a:effectLst/>
+                                    <a:latin typeface="Cambria Math" panose="02040503050406030204" pitchFamily="18" charset="0"/>
+                                    <a:ea typeface="Times New Roman" panose="02020603050405020304" pitchFamily="18" charset="0"/>
+                                    <a:cs typeface="Times New Roman" panose="02020603050405020304" pitchFamily="18" charset="0"/>
+                                  </a:rPr>
+                                  <m:t>𝑗</m:t>
+                                </m:r>
+                              </m:e>
+                            </m:d>
+                          </m:e>
+                        </m:d>
+                      </m:e>
+                    </m:func>
+                  </m:oMath>
+                </a14:m>
+                <a:endParaRPr lang="en-US" sz="2400" b="0" dirty="0">
+                  <a:effectLst/>
+                  <a:latin typeface="Times New Roman" panose="02020603050405020304" pitchFamily="18" charset="0"/>
+                  <a:ea typeface="Times New Roman" panose="02020603050405020304" pitchFamily="18" charset="0"/>
+                  <a:cs typeface="Times New Roman" panose="02020603050405020304" pitchFamily="18" charset="0"/>
+                </a:endParaRPr>
+              </a:p>
+              <a:p>
+                <a:pPr marL="0" indent="0">
+                  <a:buNone/>
+                </a:pPr>
+                <a:endParaRPr lang="ru-RU" sz="2400" dirty="0"/>
+              </a:p>
+            </p:txBody>
+          </p:sp>
+        </mc:Choice>
+        <mc:Fallback xmlns="">
+          <p:sp>
+            <p:nvSpPr>
+              <p:cNvPr id="3" name="Объект 2">
+                <a:extLst>
+                  <a:ext uri="{FF2B5EF4-FFF2-40B4-BE49-F238E27FC236}">
+                    <a16:creationId xmlns:a16="http://schemas.microsoft.com/office/drawing/2014/main" id="{222BA0DD-CFBF-443E-8783-35BCC5F04BFC}"/>
+                  </a:ext>
+                </a:extLst>
+              </p:cNvPr>
+              <p:cNvSpPr>
+                <a:spLocks noGrp="1" noRot="1" noChangeAspect="1" noMove="1" noResize="1" noEditPoints="1" noAdjustHandles="1" noChangeArrowheads="1" noChangeShapeType="1" noTextEdit="1"/>
+              </p:cNvSpPr>
+              <p:nvPr>
+                <p:ph idx="1"/>
+              </p:nvPr>
+            </p:nvSpPr>
+            <p:spPr>
+              <a:xfrm>
+                <a:off x="2865747" y="5234183"/>
+                <a:ext cx="7234287" cy="1623817"/>
+              </a:xfrm>
+              <a:blipFill>
+                <a:blip r:embed="rId2"/>
+                <a:stretch>
+                  <a:fillRect l="-1095" t="-3759"/>
+                </a:stretch>
+              </a:blipFill>
+            </p:spPr>
+            <p:txBody>
+              <a:bodyPr/>
+              <a:lstStyle/>
+              <a:p>
+                <a:r>
+                  <a:rPr lang="ru-RU">
+                    <a:noFill/>
+                  </a:rPr>
+                  <a:t> </a:t>
+                </a:r>
+              </a:p>
+            </p:txBody>
+          </p:sp>
+        </mc:Fallback>
+      </mc:AlternateContent>
+      <p:sp>
+        <p:nvSpPr>
+          <p:cNvPr id="4" name="Овал 3">
+            <a:extLst>
+              <a:ext uri="{FF2B5EF4-FFF2-40B4-BE49-F238E27FC236}">
+                <a16:creationId xmlns:a16="http://schemas.microsoft.com/office/drawing/2014/main" id="{5A266D83-2F22-4B7E-9794-0A964E3239C4}"/>
+              </a:ext>
+            </a:extLst>
+          </p:cNvPr>
+          <p:cNvSpPr/>
+          <p:nvPr/>
+        </p:nvSpPr>
+        <p:spPr>
+          <a:xfrm>
+            <a:off x="3129699" y="4081806"/>
+            <a:ext cx="659876" cy="678730"/>
+          </a:xfrm>
+          <a:prstGeom prst="ellipse">
+            <a:avLst/>
+          </a:prstGeom>
+        </p:spPr>
+        <p:style>
+          <a:lnRef idx="2">
+            <a:schemeClr val="dk1">
+              <a:shade val="50000"/>
+            </a:schemeClr>
+          </a:lnRef>
+          <a:fillRef idx="1">
+            <a:schemeClr val="dk1"/>
+          </a:fillRef>
+          <a:effectRef idx="0">
+            <a:schemeClr val="dk1"/>
+          </a:effectRef>
+          <a:fontRef idx="minor">
+            <a:schemeClr val="lt1"/>
+          </a:fontRef>
+        </p:style>
+        <p:txBody>
+          <a:bodyPr rtlCol="0" anchor="ctr"/>
+          <a:lstStyle/>
+          <a:p>
+            <a:pPr algn="ctr"/>
+            <a:r>
+              <a:rPr lang="en-US" dirty="0" err="1"/>
+              <a:t>i</a:t>
             </a:r>
             <a:endParaRPr lang="ru-RU" dirty="0"/>
           </a:p>
@@ -5711,29 +7861,228 @@
       </p:sp>
       <p:sp>
         <p:nvSpPr>
-          <p:cNvPr id="3" name="Объект 2">
-            <a:extLst>
-              <a:ext uri="{FF2B5EF4-FFF2-40B4-BE49-F238E27FC236}">
-                <a16:creationId xmlns:a16="http://schemas.microsoft.com/office/drawing/2014/main" id="{222BA0DD-CFBF-443E-8783-35BCC5F04BFC}"/>
-              </a:ext>
-            </a:extLst>
-          </p:cNvPr>
-          <p:cNvSpPr>
-            <a:spLocks noGrp="1"/>
-          </p:cNvSpPr>
-          <p:nvPr>
-            <p:ph idx="1"/>
-          </p:nvPr>
+          <p:cNvPr id="6" name="Овал 5">
+            <a:extLst>
+              <a:ext uri="{FF2B5EF4-FFF2-40B4-BE49-F238E27FC236}">
+                <a16:creationId xmlns:a16="http://schemas.microsoft.com/office/drawing/2014/main" id="{C352DF27-8B7C-4094-B34A-DCFE012D4356}"/>
+              </a:ext>
+            </a:extLst>
+          </p:cNvPr>
+          <p:cNvSpPr/>
+          <p:nvPr/>
         </p:nvSpPr>
-        <p:spPr/>
+        <p:spPr>
+          <a:xfrm>
+            <a:off x="6050437" y="4062952"/>
+            <a:ext cx="659876" cy="678730"/>
+          </a:xfrm>
+          <a:prstGeom prst="ellipse">
+            <a:avLst/>
+          </a:prstGeom>
+        </p:spPr>
+        <p:style>
+          <a:lnRef idx="2">
+            <a:schemeClr val="dk1">
+              <a:shade val="50000"/>
+            </a:schemeClr>
+          </a:lnRef>
+          <a:fillRef idx="1">
+            <a:schemeClr val="dk1"/>
+          </a:fillRef>
+          <a:effectRef idx="0">
+            <a:schemeClr val="dk1"/>
+          </a:effectRef>
+          <a:fontRef idx="minor">
+            <a:schemeClr val="lt1"/>
+          </a:fontRef>
+        </p:style>
         <p:txBody>
-          <a:bodyPr/>
+          <a:bodyPr rtlCol="0" anchor="ctr"/>
           <a:lstStyle/>
           <a:p>
-            <a:endParaRPr lang="ru-RU"/>
+            <a:pPr algn="ctr"/>
+            <a:r>
+              <a:rPr lang="en-US" dirty="0"/>
+              <a:t>j</a:t>
+            </a:r>
+            <a:endParaRPr lang="ru-RU" dirty="0"/>
           </a:p>
         </p:txBody>
       </p:sp>
+      <p:sp>
+        <p:nvSpPr>
+          <p:cNvPr id="7" name="Овал 6">
+            <a:extLst>
+              <a:ext uri="{FF2B5EF4-FFF2-40B4-BE49-F238E27FC236}">
+                <a16:creationId xmlns:a16="http://schemas.microsoft.com/office/drawing/2014/main" id="{1A4CD40D-9CBB-4307-B3E8-082F27CC4E47}"/>
+              </a:ext>
+            </a:extLst>
+          </p:cNvPr>
+          <p:cNvSpPr/>
+          <p:nvPr/>
+        </p:nvSpPr>
+        <p:spPr>
+          <a:xfrm>
+            <a:off x="4509155" y="2283717"/>
+            <a:ext cx="659876" cy="678730"/>
+          </a:xfrm>
+          <a:prstGeom prst="ellipse">
+            <a:avLst/>
+          </a:prstGeom>
+        </p:spPr>
+        <p:style>
+          <a:lnRef idx="2">
+            <a:schemeClr val="dk1">
+              <a:shade val="50000"/>
+            </a:schemeClr>
+          </a:lnRef>
+          <a:fillRef idx="1">
+            <a:schemeClr val="dk1"/>
+          </a:fillRef>
+          <a:effectRef idx="0">
+            <a:schemeClr val="dk1"/>
+          </a:effectRef>
+          <a:fontRef idx="minor">
+            <a:schemeClr val="lt1"/>
+          </a:fontRef>
+        </p:style>
+        <p:txBody>
+          <a:bodyPr rtlCol="0" anchor="ctr"/>
+          <a:lstStyle/>
+          <a:p>
+            <a:pPr algn="ctr"/>
+            <a:r>
+              <a:rPr lang="en-US" dirty="0"/>
+              <a:t>k</a:t>
+            </a:r>
+            <a:endParaRPr lang="ru-RU" dirty="0"/>
+          </a:p>
+        </p:txBody>
+      </p:sp>
+      <p:cxnSp>
+        <p:nvCxnSpPr>
+          <p:cNvPr id="9" name="Прямая со стрелкой 8">
+            <a:extLst>
+              <a:ext uri="{FF2B5EF4-FFF2-40B4-BE49-F238E27FC236}">
+                <a16:creationId xmlns:a16="http://schemas.microsoft.com/office/drawing/2014/main" id="{EE3252B3-4515-4803-B2FF-E36CA4CCE94D}"/>
+              </a:ext>
+            </a:extLst>
+          </p:cNvPr>
+          <p:cNvCxnSpPr>
+            <a:cxnSpLocks/>
+            <a:stCxn id="4" idx="0"/>
+            <a:endCxn id="7" idx="3"/>
+          </p:cNvCxnSpPr>
+          <p:nvPr/>
+        </p:nvCxnSpPr>
+        <p:spPr>
+          <a:xfrm flipV="1">
+            <a:off x="3459637" y="2863049"/>
+            <a:ext cx="1146155" cy="1218757"/>
+          </a:xfrm>
+          <a:prstGeom prst="straightConnector1">
+            <a:avLst/>
+          </a:prstGeom>
+          <a:ln>
+            <a:tailEnd type="triangle"/>
+          </a:ln>
+        </p:spPr>
+        <p:style>
+          <a:lnRef idx="1">
+            <a:schemeClr val="dk1"/>
+          </a:lnRef>
+          <a:fillRef idx="0">
+            <a:schemeClr val="dk1"/>
+          </a:fillRef>
+          <a:effectRef idx="0">
+            <a:schemeClr val="dk1"/>
+          </a:effectRef>
+          <a:fontRef idx="minor">
+            <a:schemeClr val="tx1"/>
+          </a:fontRef>
+        </p:style>
+      </p:cxnSp>
+      <p:cxnSp>
+        <p:nvCxnSpPr>
+          <p:cNvPr id="13" name="Прямая со стрелкой 12">
+            <a:extLst>
+              <a:ext uri="{FF2B5EF4-FFF2-40B4-BE49-F238E27FC236}">
+                <a16:creationId xmlns:a16="http://schemas.microsoft.com/office/drawing/2014/main" id="{AB8A1A4F-9ADD-4F0B-AD77-342EB183D3A9}"/>
+              </a:ext>
+            </a:extLst>
+          </p:cNvPr>
+          <p:cNvCxnSpPr>
+            <a:stCxn id="4" idx="6"/>
+            <a:endCxn id="6" idx="2"/>
+          </p:cNvCxnSpPr>
+          <p:nvPr/>
+        </p:nvCxnSpPr>
+        <p:spPr>
+          <a:xfrm flipV="1">
+            <a:off x="3789575" y="4402317"/>
+            <a:ext cx="2260862" cy="18854"/>
+          </a:xfrm>
+          <a:prstGeom prst="straightConnector1">
+            <a:avLst/>
+          </a:prstGeom>
+          <a:ln>
+            <a:tailEnd type="triangle"/>
+          </a:ln>
+        </p:spPr>
+        <p:style>
+          <a:lnRef idx="1">
+            <a:schemeClr val="dk1"/>
+          </a:lnRef>
+          <a:fillRef idx="0">
+            <a:schemeClr val="dk1"/>
+          </a:fillRef>
+          <a:effectRef idx="0">
+            <a:schemeClr val="dk1"/>
+          </a:effectRef>
+          <a:fontRef idx="minor">
+            <a:schemeClr val="tx1"/>
+          </a:fontRef>
+        </p:style>
+      </p:cxnSp>
+      <p:cxnSp>
+        <p:nvCxnSpPr>
+          <p:cNvPr id="15" name="Прямая со стрелкой 14">
+            <a:extLst>
+              <a:ext uri="{FF2B5EF4-FFF2-40B4-BE49-F238E27FC236}">
+                <a16:creationId xmlns:a16="http://schemas.microsoft.com/office/drawing/2014/main" id="{615DD7E0-8228-4455-9AAB-2852C7CDD3C8}"/>
+              </a:ext>
+            </a:extLst>
+          </p:cNvPr>
+          <p:cNvCxnSpPr/>
+          <p:nvPr/>
+        </p:nvCxnSpPr>
+        <p:spPr>
+          <a:xfrm>
+            <a:off x="4967926" y="2776194"/>
+            <a:ext cx="1412449" cy="1405010"/>
+          </a:xfrm>
+          <a:prstGeom prst="straightConnector1">
+            <a:avLst/>
+          </a:prstGeom>
+          <a:ln>
+            <a:tailEnd type="triangle"/>
+          </a:ln>
+        </p:spPr>
+        <p:style>
+          <a:lnRef idx="1">
+            <a:schemeClr val="dk1"/>
+          </a:lnRef>
+          <a:fillRef idx="0">
+            <a:schemeClr val="dk1"/>
+          </a:fillRef>
+          <a:effectRef idx="0">
+            <a:schemeClr val="dk1"/>
+          </a:effectRef>
+          <a:fontRef idx="minor">
+            <a:schemeClr val="tx1"/>
+          </a:fontRef>
+        </p:style>
+      </p:cxnSp>
     </p:spTree>
     <p:extLst>
       <p:ext uri="{BB962C8B-B14F-4D97-AF65-F5344CB8AC3E}">
@@ -5769,7 +8118,7 @@
           <p:cNvPr id="2" name="Заголовок 1">
             <a:extLst>
               <a:ext uri="{FF2B5EF4-FFF2-40B4-BE49-F238E27FC236}">
-                <a16:creationId xmlns:a16="http://schemas.microsoft.com/office/drawing/2014/main" id="{9DEBEE0E-3276-4784-8C2E-324A9D2BDBE9}"/>
+                <a16:creationId xmlns:a16="http://schemas.microsoft.com/office/drawing/2014/main" id="{4F661F76-9B11-43B4-86BD-9C8F3B22E8D1}"/>
               </a:ext>
             </a:extLst>
           </p:cNvPr>
@@ -5786,10 +8135,16 @@
           <a:lstStyle/>
           <a:p>
             <a:r>
-              <a:rPr lang="en-US" dirty="0">
+              <a:rPr lang="ru-RU" dirty="0">
                 <a:latin typeface="Arial Black" panose="020B0A04020102020204" pitchFamily="34" charset="0"/>
               </a:rPr>
-              <a:t>MDS(Multidimensional scaling)</a:t>
+              <a:t>Алгоритм </a:t>
+            </a:r>
+            <a:r>
+              <a:rPr lang="ru-RU" dirty="0" err="1">
+                <a:latin typeface="Arial Black" panose="020B0A04020102020204" pitchFamily="34" charset="0"/>
+              </a:rPr>
+              <a:t>Дейкстры</a:t>
             </a:r>
             <a:endParaRPr lang="ru-RU" dirty="0"/>
           </a:p>
@@ -5800,7 +8155,7 @@
           <p:cNvPr id="3" name="Объект 2">
             <a:extLst>
               <a:ext uri="{FF2B5EF4-FFF2-40B4-BE49-F238E27FC236}">
-                <a16:creationId xmlns:a16="http://schemas.microsoft.com/office/drawing/2014/main" id="{769665DB-A18F-4D16-86D8-5016CB274388}"/>
+                <a16:creationId xmlns:a16="http://schemas.microsoft.com/office/drawing/2014/main" id="{80D98249-7793-4A2D-A5A3-A54D63F73C70}"/>
               </a:ext>
             </a:extLst>
           </p:cNvPr>
@@ -5816,14 +8171,178 @@
           <a:bodyPr/>
           <a:lstStyle/>
           <a:p>
-            <a:endParaRPr lang="ru-RU"/>
+            <a:pPr marL="457200" lvl="1" indent="0" algn="just">
+              <a:buNone/>
+            </a:pPr>
+            <a:endParaRPr lang="ru-RU" sz="1800" kern="150" dirty="0">
+              <a:latin typeface="Times New Roman" panose="02020603050405020304" pitchFamily="18" charset="0"/>
+              <a:ea typeface="Times New Roman" panose="02020603050405020304" pitchFamily="18" charset="0"/>
+              <a:cs typeface="Mangal" panose="02040503050203030202" pitchFamily="18" charset="0"/>
+            </a:endParaRPr>
+          </a:p>
+          <a:p>
+            <a:pPr marL="457200" lvl="1" indent="0" algn="just">
+              <a:buNone/>
+            </a:pPr>
+            <a:r>
+              <a:rPr lang="ru-RU" sz="1800" kern="150" dirty="0">
+                <a:latin typeface="Times New Roman" panose="02020603050405020304" pitchFamily="18" charset="0"/>
+                <a:ea typeface="Times New Roman" panose="02020603050405020304" pitchFamily="18" charset="0"/>
+                <a:cs typeface="Mangal" panose="02040503050203030202" pitchFamily="18" charset="0"/>
+              </a:rPr>
+              <a:t>    </a:t>
+            </a:r>
+            <a:r>
+              <a:rPr lang="ru-RU" sz="1800" kern="150" dirty="0">
+                <a:effectLst/>
+                <a:latin typeface="Times New Roman" panose="02020603050405020304" pitchFamily="18" charset="0"/>
+                <a:ea typeface="Times New Roman" panose="02020603050405020304" pitchFamily="18" charset="0"/>
+                <a:cs typeface="Mangal" panose="02040503050203030202" pitchFamily="18" charset="0"/>
+              </a:rPr>
+              <a:t>1. Создать список вершин и пометить все вершины, кроме начальной, как не посещенные.</a:t>
+            </a:r>
+            <a:endParaRPr lang="ru-RU" sz="1800" kern="150" dirty="0">
+              <a:effectLst/>
+              <a:latin typeface="Liberation Serif"/>
+              <a:ea typeface="NSimSun" panose="02010609030101010101" pitchFamily="49" charset="-122"/>
+              <a:cs typeface="Mangal" panose="02040503050203030202" pitchFamily="18" charset="0"/>
+            </a:endParaRPr>
+          </a:p>
+          <a:p>
+            <a:pPr indent="449580" algn="just"/>
+            <a:r>
+              <a:rPr lang="ru-RU" sz="1800" kern="150" dirty="0">
+                <a:effectLst/>
+                <a:latin typeface="Times New Roman" panose="02020603050405020304" pitchFamily="18" charset="0"/>
+                <a:ea typeface="Times New Roman" panose="02020603050405020304" pitchFamily="18" charset="0"/>
+                <a:cs typeface="Mangal" panose="02040503050203030202" pitchFamily="18" charset="0"/>
+              </a:rPr>
+              <a:t>2. Установить начальную вершину и ее расстояние до себя равным 0.</a:t>
+            </a:r>
+            <a:endParaRPr lang="ru-RU" sz="1800" kern="150" dirty="0">
+              <a:effectLst/>
+              <a:latin typeface="Liberation Serif"/>
+              <a:ea typeface="NSimSun" panose="02010609030101010101" pitchFamily="49" charset="-122"/>
+              <a:cs typeface="Mangal" panose="02040503050203030202" pitchFamily="18" charset="0"/>
+            </a:endParaRPr>
+          </a:p>
+          <a:p>
+            <a:pPr indent="449580" algn="just"/>
+            <a:r>
+              <a:rPr lang="ru-RU" sz="1800" kern="150" dirty="0">
+                <a:effectLst/>
+                <a:latin typeface="Times New Roman" panose="02020603050405020304" pitchFamily="18" charset="0"/>
+                <a:ea typeface="Times New Roman" panose="02020603050405020304" pitchFamily="18" charset="0"/>
+                <a:cs typeface="Mangal" panose="02040503050203030202" pitchFamily="18" charset="0"/>
+              </a:rPr>
+              <a:t>3. Для каждой смежной вершины, которая еще не была посещена, вычислить расстояние до нее от начальной вершины через текущую вершину.</a:t>
+            </a:r>
+            <a:endParaRPr lang="ru-RU" sz="1800" kern="150" dirty="0">
+              <a:effectLst/>
+              <a:latin typeface="Liberation Serif"/>
+              <a:ea typeface="NSimSun" panose="02010609030101010101" pitchFamily="49" charset="-122"/>
+              <a:cs typeface="Mangal" panose="02040503050203030202" pitchFamily="18" charset="0"/>
+            </a:endParaRPr>
+          </a:p>
+          <a:p>
+            <a:pPr indent="449580" algn="just"/>
+            <a:r>
+              <a:rPr lang="ru-RU" sz="1800" kern="150" dirty="0">
+                <a:effectLst/>
+                <a:latin typeface="Times New Roman" panose="02020603050405020304" pitchFamily="18" charset="0"/>
+                <a:ea typeface="Times New Roman" panose="02020603050405020304" pitchFamily="18" charset="0"/>
+                <a:cs typeface="Mangal" panose="02040503050203030202" pitchFamily="18" charset="0"/>
+              </a:rPr>
+              <a:t>4. Если это расстояние меньше, чем текущее расстояние до этой вершины, то обновить текущее расстояние.</a:t>
+            </a:r>
+            <a:endParaRPr lang="ru-RU" sz="1800" kern="150" dirty="0">
+              <a:effectLst/>
+              <a:latin typeface="Liberation Serif"/>
+              <a:ea typeface="NSimSun" panose="02010609030101010101" pitchFamily="49" charset="-122"/>
+              <a:cs typeface="Mangal" panose="02040503050203030202" pitchFamily="18" charset="0"/>
+            </a:endParaRPr>
+          </a:p>
+          <a:p>
+            <a:pPr marL="449580" algn="just"/>
+            <a:r>
+              <a:rPr lang="ru-RU" sz="1800" kern="150" dirty="0">
+                <a:effectLst/>
+                <a:latin typeface="Times New Roman" panose="02020603050405020304" pitchFamily="18" charset="0"/>
+                <a:ea typeface="Times New Roman" panose="02020603050405020304" pitchFamily="18" charset="0"/>
+                <a:cs typeface="Mangal" panose="02040503050203030202" pitchFamily="18" charset="0"/>
+              </a:rPr>
+              <a:t>5. Пометить текущую вершину как посещенную и выбрать следующую вершину с наименьшим расстоянием из списка </a:t>
+            </a:r>
+            <a:r>
+              <a:rPr lang="ru-RU" sz="1800" kern="150" dirty="0" err="1">
+                <a:effectLst/>
+                <a:latin typeface="Times New Roman" panose="02020603050405020304" pitchFamily="18" charset="0"/>
+                <a:ea typeface="Times New Roman" panose="02020603050405020304" pitchFamily="18" charset="0"/>
+                <a:cs typeface="Mangal" panose="02040503050203030202" pitchFamily="18" charset="0"/>
+              </a:rPr>
+              <a:t>непосещенных</a:t>
+            </a:r>
+            <a:r>
+              <a:rPr lang="ru-RU" sz="1800" kern="150" dirty="0">
+                <a:effectLst/>
+                <a:latin typeface="Times New Roman" panose="02020603050405020304" pitchFamily="18" charset="0"/>
+                <a:ea typeface="Times New Roman" panose="02020603050405020304" pitchFamily="18" charset="0"/>
+                <a:cs typeface="Mangal" panose="02040503050203030202" pitchFamily="18" charset="0"/>
+              </a:rPr>
+              <a:t> вершин.</a:t>
+            </a:r>
+            <a:endParaRPr lang="ru-RU" sz="1800" kern="150" dirty="0">
+              <a:effectLst/>
+              <a:latin typeface="Liberation Serif"/>
+              <a:ea typeface="NSimSun" panose="02010609030101010101" pitchFamily="49" charset="-122"/>
+              <a:cs typeface="Mangal" panose="02040503050203030202" pitchFamily="18" charset="0"/>
+            </a:endParaRPr>
+          </a:p>
+          <a:p>
+            <a:pPr indent="449580" algn="just"/>
+            <a:r>
+              <a:rPr lang="ru-RU" sz="1800" kern="150" dirty="0">
+                <a:effectLst/>
+                <a:latin typeface="Times New Roman" panose="02020603050405020304" pitchFamily="18" charset="0"/>
+                <a:ea typeface="Times New Roman" panose="02020603050405020304" pitchFamily="18" charset="0"/>
+                <a:cs typeface="Mangal" panose="02040503050203030202" pitchFamily="18" charset="0"/>
+              </a:rPr>
+              <a:t>6. Повторять шаги 3-5 для всех </a:t>
+            </a:r>
+            <a:r>
+              <a:rPr lang="ru-RU" sz="1800" kern="150" dirty="0" err="1">
+                <a:effectLst/>
+                <a:latin typeface="Times New Roman" panose="02020603050405020304" pitchFamily="18" charset="0"/>
+                <a:ea typeface="Times New Roman" panose="02020603050405020304" pitchFamily="18" charset="0"/>
+                <a:cs typeface="Mangal" panose="02040503050203030202" pitchFamily="18" charset="0"/>
+              </a:rPr>
+              <a:t>непосещенных</a:t>
+            </a:r>
+            <a:r>
+              <a:rPr lang="ru-RU" sz="1800" kern="150" dirty="0">
+                <a:effectLst/>
+                <a:latin typeface="Times New Roman" panose="02020603050405020304" pitchFamily="18" charset="0"/>
+                <a:ea typeface="Times New Roman" panose="02020603050405020304" pitchFamily="18" charset="0"/>
+                <a:cs typeface="Mangal" panose="02040503050203030202" pitchFamily="18" charset="0"/>
+              </a:rPr>
+              <a:t> вершин до тех пор, пока не будут посещены все вершины.</a:t>
+            </a:r>
+            <a:endParaRPr lang="ru-RU" sz="1800" kern="150" dirty="0">
+              <a:effectLst/>
+              <a:latin typeface="Liberation Serif"/>
+              <a:ea typeface="NSimSun" panose="02010609030101010101" pitchFamily="49" charset="-122"/>
+              <a:cs typeface="Mangal" panose="02040503050203030202" pitchFamily="18" charset="0"/>
+            </a:endParaRPr>
+          </a:p>
+          <a:p>
+            <a:endParaRPr lang="ru-RU" dirty="0"/>
           </a:p>
         </p:txBody>
       </p:sp>
     </p:spTree>
     <p:extLst>
       <p:ext uri="{BB962C8B-B14F-4D97-AF65-F5344CB8AC3E}">
-        <p14:creationId xmlns:p14="http://schemas.microsoft.com/office/powerpoint/2010/main" val="969224942"/>
+        <p14:creationId xmlns:p14="http://schemas.microsoft.com/office/powerpoint/2010/main" val="1921273909"/>
       </p:ext>
     </p:extLst>
   </p:cSld>

--- a/Методы редукции данных.pptx
+++ b/Методы редукции данных.pptx
@@ -3567,7 +3567,7 @@
             </p:spPr>
             <p:txBody>
               <a:bodyPr>
-                <a:normAutofit/>
+                <a:normAutofit lnSpcReduction="10000"/>
               </a:bodyPr>
               <a:lstStyle/>
               <a:p>
@@ -3594,11 +3594,11 @@
                   <a:buAutoNum type="arabicParenR"/>
                 </a:pPr>
                 <a:r>
-                  <a:rPr lang="ru-RU" sz="1800" kern="150" dirty="0">
+                  <a:rPr lang="ru-RU" sz="2400" kern="150" dirty="0">
                     <a:effectLst/>
                     <a:latin typeface="Times New Roman" panose="02020603050405020304" pitchFamily="18" charset="0"/>
                     <a:ea typeface="Times New Roman" panose="02020603050405020304" pitchFamily="18" charset="0"/>
-                    <a:cs typeface="Mangal" panose="02040503050203030202" pitchFamily="18" charset="0"/>
+                    <a:cs typeface="Times New Roman" panose="02020603050405020304" pitchFamily="18" charset="0"/>
                   </a:rPr>
                   <a:t>Составляем матрицу из Евклидовых расстояний между двумя точками. </a:t>
                 </a:r>
@@ -3607,7 +3607,7 @@
                     <m:sSup>
                       <m:sSupPr>
                         <m:ctrlPr>
-                          <a:rPr lang="ru-RU" sz="1800" i="1" kern="150">
+                          <a:rPr lang="ru-RU" sz="2400" i="1" kern="150">
                             <a:effectLst/>
                             <a:latin typeface="Cambria Math" panose="02040503050406030204" pitchFamily="18" charset="0"/>
                             <a:ea typeface="Times New Roman" panose="02020603050405020304" pitchFamily="18" charset="0"/>
@@ -3617,7 +3617,7 @@
                       </m:sSupPr>
                       <m:e>
                         <m:r>
-                          <a:rPr lang="ru-RU" sz="1800" i="1" kern="150">
+                          <a:rPr lang="ru-RU" sz="2400" i="1" kern="150">
                             <a:effectLst/>
                             <a:latin typeface="Cambria Math" panose="02040503050406030204" pitchFamily="18" charset="0"/>
                             <a:ea typeface="Times New Roman" panose="02020603050405020304" pitchFamily="18" charset="0"/>
@@ -3628,7 +3628,7 @@
                       </m:e>
                       <m:sup>
                         <m:r>
-                          <a:rPr lang="ru-RU" sz="1800" i="1" kern="150">
+                          <a:rPr lang="ru-RU" sz="2400" i="1" kern="150">
                             <a:effectLst/>
                             <a:latin typeface="Cambria Math" panose="02040503050406030204" pitchFamily="18" charset="0"/>
                             <a:ea typeface="Times New Roman" panose="02020603050405020304" pitchFamily="18" charset="0"/>
@@ -3639,7 +3639,7 @@
                       </m:sup>
                     </m:sSup>
                     <m:r>
-                      <a:rPr lang="ru-RU" sz="1800" i="1" kern="150">
+                      <a:rPr lang="ru-RU" sz="2400" i="1" kern="150">
                         <a:effectLst/>
                         <a:latin typeface="Cambria Math" panose="02040503050406030204" pitchFamily="18" charset="0"/>
                         <a:ea typeface="Times New Roman" panose="02020603050405020304" pitchFamily="18" charset="0"/>
@@ -3650,7 +3650,7 @@
                     <m:sSubSup>
                       <m:sSubSupPr>
                         <m:ctrlPr>
-                          <a:rPr lang="ru-RU" sz="1800" i="1" kern="150">
+                          <a:rPr lang="ru-RU" sz="2400" i="1" kern="150">
                             <a:effectLst/>
                             <a:latin typeface="Cambria Math" panose="02040503050406030204" pitchFamily="18" charset="0"/>
                             <a:ea typeface="Times New Roman" panose="02020603050405020304" pitchFamily="18" charset="0"/>
@@ -3660,7 +3660,7 @@
                       </m:sSubSupPr>
                       <m:e>
                         <m:r>
-                          <a:rPr lang="ru-RU" sz="1800" i="1" kern="150">
+                          <a:rPr lang="ru-RU" sz="2400" i="1" kern="150">
                             <a:effectLst/>
                             <a:latin typeface="Cambria Math" panose="02040503050406030204" pitchFamily="18" charset="0"/>
                             <a:ea typeface="Times New Roman" panose="02020603050405020304" pitchFamily="18" charset="0"/>
@@ -3671,7 +3671,7 @@
                       </m:e>
                       <m:sub>
                         <m:r>
-                          <a:rPr lang="ru-RU" sz="1800" i="1" kern="150">
+                          <a:rPr lang="ru-RU" sz="2400" i="1" kern="150">
                             <a:effectLst/>
                             <a:latin typeface="Cambria Math" panose="02040503050406030204" pitchFamily="18" charset="0"/>
                             <a:ea typeface="Times New Roman" panose="02020603050405020304" pitchFamily="18" charset="0"/>
@@ -3682,7 +3682,7 @@
                       </m:sub>
                       <m:sup>
                         <m:r>
-                          <a:rPr lang="ru-RU" sz="1800" i="1" kern="150">
+                          <a:rPr lang="ru-RU" sz="2400" i="1" kern="150">
                             <a:effectLst/>
                             <a:latin typeface="Cambria Math" panose="02040503050406030204" pitchFamily="18" charset="0"/>
                             <a:ea typeface="Times New Roman" panose="02020603050405020304" pitchFamily="18" charset="0"/>
@@ -3693,7 +3693,7 @@
                       </m:sup>
                     </m:sSubSup>
                     <m:r>
-                      <a:rPr lang="ru-RU" sz="1800" i="1" kern="150">
+                      <a:rPr lang="ru-RU" sz="2400" i="1" kern="150">
                         <a:effectLst/>
                         <a:latin typeface="Cambria Math" panose="02040503050406030204" pitchFamily="18" charset="0"/>
                         <a:ea typeface="Times New Roman" panose="02020603050405020304" pitchFamily="18" charset="0"/>
@@ -3703,11 +3703,11 @@
                     </m:r>
                   </m:oMath>
                 </a14:m>
-                <a:endParaRPr lang="ru-RU" sz="1800" kern="150" dirty="0">
+                <a:endParaRPr lang="ru-RU" sz="2400" kern="150" dirty="0">
                   <a:effectLst/>
-                  <a:latin typeface="Liberation Serif"/>
+                  <a:latin typeface="Times New Roman" panose="02020603050405020304" pitchFamily="18" charset="0"/>
                   <a:ea typeface="NSimSun" panose="02010609030101010101" pitchFamily="49" charset="-122"/>
-                  <a:cs typeface="Mangal" panose="02040503050203030202" pitchFamily="18" charset="0"/>
+                  <a:cs typeface="Times New Roman" panose="02020603050405020304" pitchFamily="18" charset="0"/>
                 </a:endParaRPr>
               </a:p>
               <a:p>
@@ -3716,18 +3716,18 @@
                   <a:buAutoNum type="arabicParenR"/>
                 </a:pPr>
                 <a:r>
-                  <a:rPr lang="ru-RU" sz="1800" kern="150" dirty="0">
+                  <a:rPr lang="ru-RU" sz="2400" kern="150" dirty="0">
                     <a:effectLst/>
                     <a:latin typeface="Times New Roman" panose="02020603050405020304" pitchFamily="18" charset="0"/>
                     <a:ea typeface="Times New Roman" panose="02020603050405020304" pitchFamily="18" charset="0"/>
-                    <a:cs typeface="Mangal" panose="02040503050203030202" pitchFamily="18" charset="0"/>
+                    <a:cs typeface="Times New Roman" panose="02020603050405020304" pitchFamily="18" charset="0"/>
                   </a:rPr>
                   <a:t> Используем двойное центрирование </a:t>
                 </a:r>
                 <a14:m>
                   <m:oMath xmlns:m="http://schemas.openxmlformats.org/officeDocument/2006/math">
                     <m:r>
-                      <a:rPr lang="ru-RU" sz="1800" i="1" kern="150">
+                      <a:rPr lang="ru-RU" sz="2400" i="1" kern="150">
                         <a:effectLst/>
                         <a:latin typeface="Cambria Math" panose="02040503050406030204" pitchFamily="18" charset="0"/>
                         <a:ea typeface="Times New Roman" panose="02020603050405020304" pitchFamily="18" charset="0"/>
@@ -3736,7 +3736,7 @@
                       <m:t>𝐵</m:t>
                     </m:r>
                     <m:r>
-                      <a:rPr lang="ru-RU" sz="1800" i="1" kern="150">
+                      <a:rPr lang="ru-RU" sz="2400" i="1" kern="150">
                         <a:effectLst/>
                         <a:latin typeface="Cambria Math" panose="02040503050406030204" pitchFamily="18" charset="0"/>
                         <a:ea typeface="Times New Roman" panose="02020603050405020304" pitchFamily="18" charset="0"/>
@@ -3747,7 +3747,7 @@
                     <m:f>
                       <m:fPr>
                         <m:ctrlPr>
-                          <a:rPr lang="ru-RU" sz="1800" i="1" kern="150">
+                          <a:rPr lang="ru-RU" sz="2400" i="1" kern="150">
                             <a:effectLst/>
                             <a:latin typeface="Cambria Math" panose="02040503050406030204" pitchFamily="18" charset="0"/>
                             <a:ea typeface="Times New Roman" panose="02020603050405020304" pitchFamily="18" charset="0"/>
@@ -3757,7 +3757,7 @@
                       </m:fPr>
                       <m:num>
                         <m:r>
-                          <a:rPr lang="ru-RU" sz="1800" i="1" kern="150">
+                          <a:rPr lang="ru-RU" sz="2400" i="1" kern="150">
                             <a:effectLst/>
                             <a:latin typeface="Cambria Math" panose="02040503050406030204" pitchFamily="18" charset="0"/>
                             <a:ea typeface="Times New Roman" panose="02020603050405020304" pitchFamily="18" charset="0"/>
@@ -3768,7 +3768,7 @@
                       </m:num>
                       <m:den>
                         <m:r>
-                          <a:rPr lang="ru-RU" sz="1800" i="1" kern="150">
+                          <a:rPr lang="ru-RU" sz="2400" i="1" kern="150">
                             <a:effectLst/>
                             <a:latin typeface="Cambria Math" panose="02040503050406030204" pitchFamily="18" charset="0"/>
                             <a:ea typeface="Times New Roman" panose="02020603050405020304" pitchFamily="18" charset="0"/>
@@ -3781,7 +3781,7 @@
                     <m:sSup>
                       <m:sSupPr>
                         <m:ctrlPr>
-                          <a:rPr lang="ru-RU" sz="1800" i="1" kern="150">
+                          <a:rPr lang="ru-RU" sz="2400" i="1" kern="150">
                             <a:effectLst/>
                             <a:latin typeface="Cambria Math" panose="02040503050406030204" pitchFamily="18" charset="0"/>
                             <a:ea typeface="Times New Roman" panose="02020603050405020304" pitchFamily="18" charset="0"/>
@@ -3791,7 +3791,7 @@
                       </m:sSupPr>
                       <m:e>
                         <m:r>
-                          <a:rPr lang="ru-RU" sz="1800" i="1" kern="150">
+                          <a:rPr lang="ru-RU" sz="2400" i="1" kern="150">
                             <a:effectLst/>
                             <a:latin typeface="Cambria Math" panose="02040503050406030204" pitchFamily="18" charset="0"/>
                             <a:ea typeface="Times New Roman" panose="02020603050405020304" pitchFamily="18" charset="0"/>
@@ -3800,7 +3800,7 @@
                           <m:t>С</m:t>
                         </m:r>
                         <m:r>
-                          <a:rPr lang="ru-RU" sz="1800" i="1" kern="150">
+                          <a:rPr lang="ru-RU" sz="2400" i="1" kern="150">
                             <a:effectLst/>
                             <a:latin typeface="Cambria Math" panose="02040503050406030204" pitchFamily="18" charset="0"/>
                             <a:ea typeface="Times New Roman" panose="02020603050405020304" pitchFamily="18" charset="0"/>
@@ -3811,7 +3811,7 @@
                       </m:e>
                       <m:sup>
                         <m:r>
-                          <a:rPr lang="ru-RU" sz="1800" i="1" kern="150">
+                          <a:rPr lang="ru-RU" sz="2400" i="1" kern="150">
                             <a:effectLst/>
                             <a:latin typeface="Cambria Math" panose="02040503050406030204" pitchFamily="18" charset="0"/>
                             <a:ea typeface="Times New Roman" panose="02020603050405020304" pitchFamily="18" charset="0"/>
@@ -3822,7 +3822,7 @@
                       </m:sup>
                     </m:sSup>
                     <m:r>
-                      <a:rPr lang="ru-RU" sz="1800" i="1" kern="150">
+                      <a:rPr lang="ru-RU" sz="2400" i="1" kern="150">
                         <a:effectLst/>
                         <a:latin typeface="Cambria Math" panose="02040503050406030204" pitchFamily="18" charset="0"/>
                         <a:ea typeface="Times New Roman" panose="02020603050405020304" pitchFamily="18" charset="0"/>
@@ -3832,11 +3832,11 @@
                     </m:r>
                   </m:oMath>
                 </a14:m>
-                <a:endParaRPr lang="ru-RU" sz="1800" kern="150" dirty="0">
+                <a:endParaRPr lang="ru-RU" sz="2400" kern="150" dirty="0">
                   <a:effectLst/>
-                  <a:latin typeface="Liberation Serif"/>
+                  <a:latin typeface="Times New Roman" panose="02020603050405020304" pitchFamily="18" charset="0"/>
                   <a:ea typeface="NSimSun" panose="02010609030101010101" pitchFamily="49" charset="-122"/>
-                  <a:cs typeface="Mangal" panose="02040503050203030202" pitchFamily="18" charset="0"/>
+                  <a:cs typeface="Times New Roman" panose="02020603050405020304" pitchFamily="18" charset="0"/>
                 </a:endParaRPr>
               </a:p>
               <a:p>
@@ -3845,11 +3845,11 @@
                   <a:buAutoNum type="arabicParenR"/>
                 </a:pPr>
                 <a:r>
-                  <a:rPr lang="ru-RU" sz="1800" kern="150" dirty="0">
+                  <a:rPr lang="ru-RU" sz="2400" kern="150" dirty="0">
                     <a:effectLst/>
                     <a:latin typeface="Times New Roman" panose="02020603050405020304" pitchFamily="18" charset="0"/>
                     <a:ea typeface="Times New Roman" panose="02020603050405020304" pitchFamily="18" charset="0"/>
-                    <a:cs typeface="Mangal" panose="02040503050203030202" pitchFamily="18" charset="0"/>
+                    <a:cs typeface="Times New Roman" panose="02020603050405020304" pitchFamily="18" charset="0"/>
                   </a:rPr>
                   <a:t>Найдем собственные числа </a:t>
                 </a:r>
@@ -3858,7 +3858,7 @@
                     <m:sSub>
                       <m:sSubPr>
                         <m:ctrlPr>
-                          <a:rPr lang="ru-RU" sz="1800" i="1" kern="150">
+                          <a:rPr lang="ru-RU" sz="2400" i="1" kern="150">
                             <a:effectLst/>
                             <a:latin typeface="Cambria Math" panose="02040503050406030204" pitchFamily="18" charset="0"/>
                             <a:ea typeface="Times New Roman" panose="02020603050405020304" pitchFamily="18" charset="0"/>
@@ -3868,7 +3868,7 @@
                       </m:sSubPr>
                       <m:e>
                         <m:r>
-                          <a:rPr lang="ru-RU" sz="1800" i="1" kern="150">
+                          <a:rPr lang="ru-RU" sz="2400" i="1" kern="150">
                             <a:effectLst/>
                             <a:latin typeface="Cambria Math" panose="02040503050406030204" pitchFamily="18" charset="0"/>
                             <a:ea typeface="Times New Roman" panose="02020603050405020304" pitchFamily="18" charset="0"/>
@@ -3879,7 +3879,7 @@
                       </m:e>
                       <m:sub>
                         <m:r>
-                          <a:rPr lang="ru-RU" sz="1800" i="1" kern="150">
+                          <a:rPr lang="ru-RU" sz="2400" i="1" kern="150">
                             <a:effectLst/>
                             <a:latin typeface="Cambria Math" panose="02040503050406030204" pitchFamily="18" charset="0"/>
                             <a:ea typeface="Times New Roman" panose="02020603050405020304" pitchFamily="18" charset="0"/>
@@ -3890,7 +3890,7 @@
                       </m:sub>
                     </m:sSub>
                     <m:r>
-                      <a:rPr lang="ru-RU" sz="1800" i="1" kern="150">
+                      <a:rPr lang="ru-RU" sz="2400" i="1" kern="150">
                         <a:effectLst/>
                         <a:latin typeface="Cambria Math" panose="02040503050406030204" pitchFamily="18" charset="0"/>
                         <a:ea typeface="Times New Roman" panose="02020603050405020304" pitchFamily="18" charset="0"/>
@@ -3901,7 +3901,7 @@
                     <m:sSub>
                       <m:sSubPr>
                         <m:ctrlPr>
-                          <a:rPr lang="ru-RU" sz="1800" i="1" kern="150">
+                          <a:rPr lang="ru-RU" sz="2400" i="1" kern="150">
                             <a:effectLst/>
                             <a:latin typeface="Cambria Math" panose="02040503050406030204" pitchFamily="18" charset="0"/>
                             <a:ea typeface="Times New Roman" panose="02020603050405020304" pitchFamily="18" charset="0"/>
@@ -3911,7 +3911,7 @@
                       </m:sSubPr>
                       <m:e>
                         <m:r>
-                          <a:rPr lang="ru-RU" sz="1800" i="1" kern="150">
+                          <a:rPr lang="ru-RU" sz="2400" i="1" kern="150">
                             <a:effectLst/>
                             <a:latin typeface="Cambria Math" panose="02040503050406030204" pitchFamily="18" charset="0"/>
                             <a:ea typeface="Times New Roman" panose="02020603050405020304" pitchFamily="18" charset="0"/>
@@ -3922,7 +3922,7 @@
                       </m:e>
                       <m:sub>
                         <m:r>
-                          <a:rPr lang="ru-RU" sz="1800" i="1" kern="150">
+                          <a:rPr lang="ru-RU" sz="2400" i="1" kern="150">
                             <a:effectLst/>
                             <a:latin typeface="Cambria Math" panose="02040503050406030204" pitchFamily="18" charset="0"/>
                             <a:ea typeface="Times New Roman" panose="02020603050405020304" pitchFamily="18" charset="0"/>
@@ -3933,7 +3933,7 @@
                       </m:sub>
                     </m:sSub>
                     <m:r>
-                      <a:rPr lang="ru-RU" sz="1800" i="1" kern="150">
+                      <a:rPr lang="ru-RU" sz="2400" i="1" kern="150">
                         <a:effectLst/>
                         <a:latin typeface="Cambria Math" panose="02040503050406030204" pitchFamily="18" charset="0"/>
                         <a:ea typeface="Times New Roman" panose="02020603050405020304" pitchFamily="18" charset="0"/>
@@ -3944,11 +3944,11 @@
                   </m:oMath>
                 </a14:m>
                 <a:r>
-                  <a:rPr lang="ru-RU" sz="1800" kern="150" dirty="0">
+                  <a:rPr lang="ru-RU" sz="2400" kern="150" dirty="0">
                     <a:effectLst/>
                     <a:latin typeface="Times New Roman" panose="02020603050405020304" pitchFamily="18" charset="0"/>
                     <a:ea typeface="Times New Roman" panose="02020603050405020304" pitchFamily="18" charset="0"/>
-                    <a:cs typeface="Mangal" panose="02040503050203030202" pitchFamily="18" charset="0"/>
+                    <a:cs typeface="Times New Roman" panose="02020603050405020304" pitchFamily="18" charset="0"/>
                   </a:rPr>
                   <a:t>, и собственные вектора </a:t>
                 </a:r>
@@ -3957,7 +3957,7 @@
                     <m:sSub>
                       <m:sSubPr>
                         <m:ctrlPr>
-                          <a:rPr lang="ru-RU" sz="1800" i="1" kern="150">
+                          <a:rPr lang="ru-RU" sz="2400" i="1" kern="150">
                             <a:effectLst/>
                             <a:latin typeface="Cambria Math" panose="02040503050406030204" pitchFamily="18" charset="0"/>
                             <a:ea typeface="Times New Roman" panose="02020603050405020304" pitchFamily="18" charset="0"/>
@@ -3967,7 +3967,7 @@
                       </m:sSubPr>
                       <m:e>
                         <m:r>
-                          <a:rPr lang="ru-RU" sz="1800" i="1" kern="150">
+                          <a:rPr lang="ru-RU" sz="2400" i="1" kern="150">
                             <a:effectLst/>
                             <a:latin typeface="Cambria Math" panose="02040503050406030204" pitchFamily="18" charset="0"/>
                             <a:ea typeface="Times New Roman" panose="02020603050405020304" pitchFamily="18" charset="0"/>
@@ -3978,7 +3978,7 @@
                       </m:e>
                       <m:sub>
                         <m:r>
-                          <a:rPr lang="ru-RU" sz="1800" i="1" kern="150">
+                          <a:rPr lang="ru-RU" sz="2400" i="1" kern="150">
                             <a:effectLst/>
                             <a:latin typeface="Cambria Math" panose="02040503050406030204" pitchFamily="18" charset="0"/>
                             <a:ea typeface="Times New Roman" panose="02020603050405020304" pitchFamily="18" charset="0"/>
@@ -3989,7 +3989,7 @@
                       </m:sub>
                     </m:sSub>
                     <m:r>
-                      <a:rPr lang="ru-RU" sz="1800" i="1" kern="150">
+                      <a:rPr lang="ru-RU" sz="2400" i="1" kern="150">
                         <a:effectLst/>
                         <a:latin typeface="Cambria Math" panose="02040503050406030204" pitchFamily="18" charset="0"/>
                         <a:ea typeface="Times New Roman" panose="02020603050405020304" pitchFamily="18" charset="0"/>
@@ -4000,7 +4000,7 @@
                     <m:sSub>
                       <m:sSubPr>
                         <m:ctrlPr>
-                          <a:rPr lang="ru-RU" sz="1800" i="1" kern="150">
+                          <a:rPr lang="ru-RU" sz="2400" i="1" kern="150">
                             <a:effectLst/>
                             <a:latin typeface="Cambria Math" panose="02040503050406030204" pitchFamily="18" charset="0"/>
                             <a:ea typeface="Times New Roman" panose="02020603050405020304" pitchFamily="18" charset="0"/>
@@ -4010,7 +4010,7 @@
                       </m:sSubPr>
                       <m:e>
                         <m:r>
-                          <a:rPr lang="ru-RU" sz="1800" i="1" kern="150">
+                          <a:rPr lang="ru-RU" sz="2400" i="1" kern="150">
                             <a:effectLst/>
                             <a:latin typeface="Cambria Math" panose="02040503050406030204" pitchFamily="18" charset="0"/>
                             <a:ea typeface="Times New Roman" panose="02020603050405020304" pitchFamily="18" charset="0"/>
@@ -4021,7 +4021,7 @@
                       </m:e>
                       <m:sub>
                         <m:r>
-                          <a:rPr lang="ru-RU" sz="1800" i="1" kern="150">
+                          <a:rPr lang="ru-RU" sz="2400" i="1" kern="150">
                             <a:effectLst/>
                             <a:latin typeface="Cambria Math" panose="02040503050406030204" pitchFamily="18" charset="0"/>
                             <a:ea typeface="Times New Roman" panose="02020603050405020304" pitchFamily="18" charset="0"/>
@@ -4034,52 +4034,57 @@
                   </m:oMath>
                 </a14:m>
                 <a:r>
-                  <a:rPr lang="ru-RU" sz="1800" kern="150" dirty="0">
+                  <a:rPr lang="ru-RU" sz="2400" kern="150" dirty="0">
                     <a:effectLst/>
                     <a:latin typeface="Times New Roman" panose="02020603050405020304" pitchFamily="18" charset="0"/>
                     <a:ea typeface="Times New Roman" panose="02020603050405020304" pitchFamily="18" charset="0"/>
-                    <a:cs typeface="Mangal" panose="02040503050203030202" pitchFamily="18" charset="0"/>
+                    <a:cs typeface="Times New Roman" panose="02020603050405020304" pitchFamily="18" charset="0"/>
                   </a:rPr>
                   <a:t> (</a:t>
                 </a:r>
                 <a:r>
-                  <a:rPr lang="en-US" sz="1800" kern="150" dirty="0">
+                  <a:rPr lang="en-US" sz="2400" kern="150" dirty="0">
                     <a:effectLst/>
                     <a:latin typeface="Times New Roman" panose="02020603050405020304" pitchFamily="18" charset="0"/>
                     <a:ea typeface="Times New Roman" panose="02020603050405020304" pitchFamily="18" charset="0"/>
-                    <a:cs typeface="Mangal" panose="02040503050203030202" pitchFamily="18" charset="0"/>
+                    <a:cs typeface="Times New Roman" panose="02020603050405020304" pitchFamily="18" charset="0"/>
                   </a:rPr>
                   <a:t>m </a:t>
                 </a:r>
                 <a:r>
-                  <a:rPr lang="ru-RU" sz="1800" kern="150" dirty="0">
+                  <a:rPr lang="ru-RU" sz="2400" kern="150" dirty="0">
                     <a:effectLst/>
                     <a:latin typeface="Times New Roman" panose="02020603050405020304" pitchFamily="18" charset="0"/>
                     <a:ea typeface="Times New Roman" panose="02020603050405020304" pitchFamily="18" charset="0"/>
-                    <a:cs typeface="Mangal" panose="02040503050203030202" pitchFamily="18" charset="0"/>
+                    <a:cs typeface="Times New Roman" panose="02020603050405020304" pitchFamily="18" charset="0"/>
                   </a:rPr>
                   <a:t>– желаемая размерность выходящей матрицы)</a:t>
                 </a:r>
-                <a:endParaRPr lang="ru-RU" sz="1800" kern="150" dirty="0">
+                <a:endParaRPr lang="en-US" sz="2400" kern="150" dirty="0">
                   <a:effectLst/>
-                  <a:latin typeface="Liberation Serif"/>
-                  <a:ea typeface="NSimSun" panose="02010609030101010101" pitchFamily="49" charset="-122"/>
-                  <a:cs typeface="Mangal" panose="02040503050203030202" pitchFamily="18" charset="0"/>
+                  <a:latin typeface="Times New Roman" panose="02020603050405020304" pitchFamily="18" charset="0"/>
+                  <a:ea typeface="Times New Roman" panose="02020603050405020304" pitchFamily="18" charset="0"/>
+                  <a:cs typeface="Times New Roman" panose="02020603050405020304" pitchFamily="18" charset="0"/>
                 </a:endParaRPr>
               </a:p>
               <a:p>
+                <a:pPr marL="342900" lvl="0" indent="-342900" algn="just">
+                  <a:buFont typeface="+mj-lt"/>
+                  <a:buAutoNum type="arabicParenR"/>
+                </a:pPr>
                 <a:r>
-                  <a:rPr lang="ru-RU" sz="1800" dirty="0">
+                  <a:rPr lang="ru-RU" sz="2400" dirty="0">
                     <a:effectLst/>
                     <a:latin typeface="Times New Roman" panose="02020603050405020304" pitchFamily="18" charset="0"/>
                     <a:ea typeface="Times New Roman" panose="02020603050405020304" pitchFamily="18" charset="0"/>
+                    <a:cs typeface="Times New Roman" panose="02020603050405020304" pitchFamily="18" charset="0"/>
                   </a:rPr>
                   <a:t>Считаем</a:t>
                 </a:r>
                 <a14:m>
                   <m:oMath xmlns:m="http://schemas.openxmlformats.org/officeDocument/2006/math">
                     <m:r>
-                      <a:rPr lang="ru-RU" sz="1800" i="1">
+                      <a:rPr lang="ru-RU" sz="2400" i="1">
                         <a:effectLst/>
                         <a:latin typeface="Cambria Math" panose="02040503050406030204" pitchFamily="18" charset="0"/>
                         <a:ea typeface="Times New Roman" panose="02020603050405020304" pitchFamily="18" charset="0"/>
@@ -4088,7 +4093,7 @@
                       <m:t> </m:t>
                     </m:r>
                     <m:r>
-                      <a:rPr lang="ru-RU" sz="1800" i="1">
+                      <a:rPr lang="ru-RU" sz="2400" i="1">
                         <a:effectLst/>
                         <a:latin typeface="Cambria Math" panose="02040503050406030204" pitchFamily="18" charset="0"/>
                         <a:ea typeface="Times New Roman" panose="02020603050405020304" pitchFamily="18" charset="0"/>
@@ -4097,7 +4102,7 @@
                       <m:t>𝑋</m:t>
                     </m:r>
                     <m:r>
-                      <a:rPr lang="ru-RU" sz="1800" i="1">
+                      <a:rPr lang="ru-RU" sz="2400" i="1">
                         <a:effectLst/>
                         <a:latin typeface="Cambria Math" panose="02040503050406030204" pitchFamily="18" charset="0"/>
                         <a:ea typeface="Times New Roman" panose="02020603050405020304" pitchFamily="18" charset="0"/>
@@ -4108,7 +4113,7 @@
                     <m:sSub>
                       <m:sSubPr>
                         <m:ctrlPr>
-                          <a:rPr lang="ru-RU" sz="1800" i="1">
+                          <a:rPr lang="ru-RU" sz="2400" i="1">
                             <a:effectLst/>
                             <a:latin typeface="Cambria Math" panose="02040503050406030204" pitchFamily="18" charset="0"/>
                             <a:ea typeface="Times New Roman" panose="02020603050405020304" pitchFamily="18" charset="0"/>
@@ -4118,7 +4123,7 @@
                       </m:sSubPr>
                       <m:e>
                         <m:r>
-                          <a:rPr lang="ru-RU" sz="1800" i="1">
+                          <a:rPr lang="ru-RU" sz="2400" i="1">
                             <a:effectLst/>
                             <a:latin typeface="Cambria Math" panose="02040503050406030204" pitchFamily="18" charset="0"/>
                             <a:ea typeface="Times New Roman" panose="02020603050405020304" pitchFamily="18" charset="0"/>
@@ -4129,7 +4134,7 @@
                       </m:e>
                       <m:sub>
                         <m:r>
-                          <a:rPr lang="ru-RU" sz="1800" i="1">
+                          <a:rPr lang="ru-RU" sz="2400" i="1">
                             <a:effectLst/>
                             <a:latin typeface="Cambria Math" panose="02040503050406030204" pitchFamily="18" charset="0"/>
                             <a:ea typeface="Times New Roman" panose="02020603050405020304" pitchFamily="18" charset="0"/>
@@ -4142,7 +4147,7 @@
                     <m:sSubSup>
                       <m:sSubSupPr>
                         <m:ctrlPr>
-                          <a:rPr lang="ru-RU" sz="1800" i="1">
+                          <a:rPr lang="ru-RU" sz="2400" i="1">
                             <a:effectLst/>
                             <a:latin typeface="Cambria Math" panose="02040503050406030204" pitchFamily="18" charset="0"/>
                             <a:ea typeface="Times New Roman" panose="02020603050405020304" pitchFamily="18" charset="0"/>
@@ -4155,7 +4160,7 @@
                           <m:rPr>
                             <m:sty m:val="p"/>
                           </m:rPr>
-                          <a:rPr lang="ru-RU" sz="1800">
+                          <a:rPr lang="ru-RU" sz="2400">
                             <a:effectLst/>
                             <a:latin typeface="Cambria Math" panose="02040503050406030204" pitchFamily="18" charset="0"/>
                             <a:ea typeface="Times New Roman" panose="02020603050405020304" pitchFamily="18" charset="0"/>
@@ -4166,7 +4171,7 @@
                       </m:e>
                       <m:sub>
                         <m:r>
-                          <a:rPr lang="en-US" sz="1800" i="1">
+                          <a:rPr lang="en-US" sz="2400" i="1">
                             <a:effectLst/>
                             <a:latin typeface="Cambria Math" panose="02040503050406030204" pitchFamily="18" charset="0"/>
                             <a:ea typeface="Times New Roman" panose="02020603050405020304" pitchFamily="18" charset="0"/>
@@ -4179,7 +4184,7 @@
                         <m:f>
                           <m:fPr>
                             <m:ctrlPr>
-                              <a:rPr lang="ru-RU" sz="1800" i="1">
+                              <a:rPr lang="ru-RU" sz="2400" i="1">
                                 <a:effectLst/>
                                 <a:latin typeface="Cambria Math" panose="02040503050406030204" pitchFamily="18" charset="0"/>
                                 <a:ea typeface="Times New Roman" panose="02020603050405020304" pitchFamily="18" charset="0"/>
@@ -4189,7 +4194,7 @@
                           </m:fPr>
                           <m:num>
                             <m:r>
-                              <a:rPr lang="ru-RU" sz="1800" i="1">
+                              <a:rPr lang="ru-RU" sz="2400" i="1">
                                 <a:effectLst/>
                                 <a:latin typeface="Cambria Math" panose="02040503050406030204" pitchFamily="18" charset="0"/>
                                 <a:ea typeface="Times New Roman" panose="02020603050405020304" pitchFamily="18" charset="0"/>
@@ -4200,7 +4205,7 @@
                           </m:num>
                           <m:den>
                             <m:r>
-                              <a:rPr lang="ru-RU" sz="1800" i="1">
+                              <a:rPr lang="ru-RU" sz="2400" i="1">
                                 <a:effectLst/>
                                 <a:latin typeface="Cambria Math" panose="02040503050406030204" pitchFamily="18" charset="0"/>
                                 <a:ea typeface="Times New Roman" panose="02020603050405020304" pitchFamily="18" charset="0"/>
@@ -4215,10 +4220,11 @@
                   </m:oMath>
                 </a14:m>
                 <a:r>
-                  <a:rPr lang="ru-RU" sz="1800" dirty="0">
+                  <a:rPr lang="ru-RU" sz="2400" dirty="0">
                     <a:effectLst/>
                     <a:latin typeface="Times New Roman" panose="02020603050405020304" pitchFamily="18" charset="0"/>
                     <a:ea typeface="Times New Roman" panose="02020603050405020304" pitchFamily="18" charset="0"/>
+                    <a:cs typeface="Times New Roman" panose="02020603050405020304" pitchFamily="18" charset="0"/>
                   </a:rPr>
                   <a:t> . Здесь </a:t>
                 </a:r>
@@ -4227,7 +4233,7 @@
                     <m:sSub>
                       <m:sSubPr>
                         <m:ctrlPr>
-                          <a:rPr lang="ru-RU" sz="1800" i="1">
+                          <a:rPr lang="ru-RU" sz="2400" i="1">
                             <a:effectLst/>
                             <a:latin typeface="Cambria Math" panose="02040503050406030204" pitchFamily="18" charset="0"/>
                             <a:ea typeface="Times New Roman" panose="02020603050405020304" pitchFamily="18" charset="0"/>
@@ -4237,7 +4243,7 @@
                       </m:sSubPr>
                       <m:e>
                         <m:r>
-                          <a:rPr lang="ru-RU" sz="1800" i="1">
+                          <a:rPr lang="ru-RU" sz="2400" i="1">
                             <a:effectLst/>
                             <a:latin typeface="Cambria Math" panose="02040503050406030204" pitchFamily="18" charset="0"/>
                             <a:ea typeface="Times New Roman" panose="02020603050405020304" pitchFamily="18" charset="0"/>
@@ -4248,7 +4254,7 @@
                       </m:e>
                       <m:sub>
                         <m:r>
-                          <a:rPr lang="ru-RU" sz="1800" i="1">
+                          <a:rPr lang="ru-RU" sz="2400" i="1">
                             <a:effectLst/>
                             <a:latin typeface="Cambria Math" panose="02040503050406030204" pitchFamily="18" charset="0"/>
                             <a:ea typeface="Times New Roman" panose="02020603050405020304" pitchFamily="18" charset="0"/>
@@ -4261,10 +4267,11 @@
                   </m:oMath>
                 </a14:m>
                 <a:r>
-                  <a:rPr lang="ru-RU" sz="1800" dirty="0">
+                  <a:rPr lang="ru-RU" sz="2400" dirty="0">
                     <a:effectLst/>
                     <a:latin typeface="Times New Roman" panose="02020603050405020304" pitchFamily="18" charset="0"/>
                     <a:ea typeface="Times New Roman" panose="02020603050405020304" pitchFamily="18" charset="0"/>
+                    <a:cs typeface="Times New Roman" panose="02020603050405020304" pitchFamily="18" charset="0"/>
                   </a:rPr>
                   <a:t> – матрица собственных векторов, </a:t>
                 </a:r>
@@ -4273,7 +4280,7 @@
                     <m:sSubSup>
                       <m:sSubSupPr>
                         <m:ctrlPr>
-                          <a:rPr lang="ru-RU" sz="1800" i="1">
+                          <a:rPr lang="ru-RU" sz="2400" i="1">
                             <a:effectLst/>
                             <a:latin typeface="Cambria Math" panose="02040503050406030204" pitchFamily="18" charset="0"/>
                             <a:ea typeface="Times New Roman" panose="02020603050405020304" pitchFamily="18" charset="0"/>
@@ -4286,7 +4293,7 @@
                           <m:rPr>
                             <m:sty m:val="p"/>
                           </m:rPr>
-                          <a:rPr lang="ru-RU" sz="1800">
+                          <a:rPr lang="ru-RU" sz="2400">
                             <a:effectLst/>
                             <a:latin typeface="Cambria Math" panose="02040503050406030204" pitchFamily="18" charset="0"/>
                             <a:ea typeface="Times New Roman" panose="02020603050405020304" pitchFamily="18" charset="0"/>
@@ -4297,7 +4304,7 @@
                       </m:e>
                       <m:sub>
                         <m:r>
-                          <a:rPr lang="en-US" sz="1800" i="1">
+                          <a:rPr lang="en-US" sz="2400" i="1">
                             <a:effectLst/>
                             <a:latin typeface="Cambria Math" panose="02040503050406030204" pitchFamily="18" charset="0"/>
                             <a:ea typeface="Times New Roman" panose="02020603050405020304" pitchFamily="18" charset="0"/>
@@ -4310,7 +4317,7 @@
                         <m:f>
                           <m:fPr>
                             <m:ctrlPr>
-                              <a:rPr lang="ru-RU" sz="1800" i="1">
+                              <a:rPr lang="ru-RU" sz="2400" i="1">
                                 <a:effectLst/>
                                 <a:latin typeface="Cambria Math" panose="02040503050406030204" pitchFamily="18" charset="0"/>
                                 <a:ea typeface="Times New Roman" panose="02020603050405020304" pitchFamily="18" charset="0"/>
@@ -4320,7 +4327,7 @@
                           </m:fPr>
                           <m:num>
                             <m:r>
-                              <a:rPr lang="ru-RU" sz="1800" i="1">
+                              <a:rPr lang="ru-RU" sz="2400" i="1">
                                 <a:effectLst/>
                                 <a:latin typeface="Cambria Math" panose="02040503050406030204" pitchFamily="18" charset="0"/>
                                 <a:ea typeface="Times New Roman" panose="02020603050405020304" pitchFamily="18" charset="0"/>
@@ -4331,7 +4338,7 @@
                           </m:num>
                           <m:den>
                             <m:r>
-                              <a:rPr lang="ru-RU" sz="1800" i="1">
+                              <a:rPr lang="ru-RU" sz="2400" i="1">
                                 <a:effectLst/>
                                 <a:latin typeface="Cambria Math" panose="02040503050406030204" pitchFamily="18" charset="0"/>
                                 <a:ea typeface="Times New Roman" panose="02020603050405020304" pitchFamily="18" charset="0"/>
@@ -4346,14 +4353,18 @@
                   </m:oMath>
                 </a14:m>
                 <a:r>
-                  <a:rPr lang="ru-RU" sz="1800" dirty="0">
+                  <a:rPr lang="ru-RU" sz="2400" dirty="0">
                     <a:effectLst/>
                     <a:latin typeface="Times New Roman" panose="02020603050405020304" pitchFamily="18" charset="0"/>
                     <a:ea typeface="Times New Roman" panose="02020603050405020304" pitchFamily="18" charset="0"/>
+                    <a:cs typeface="Times New Roman" panose="02020603050405020304" pitchFamily="18" charset="0"/>
                   </a:rPr>
                   <a:t> – диагональная матрица, собственных чисел</a:t>
                 </a:r>
-                <a:endParaRPr lang="ru-RU" dirty="0"/>
+                <a:endParaRPr lang="ru-RU" sz="2400" dirty="0">
+                  <a:latin typeface="Times New Roman" panose="02020603050405020304" pitchFamily="18" charset="0"/>
+                  <a:cs typeface="Times New Roman" panose="02020603050405020304" pitchFamily="18" charset="0"/>
+                </a:endParaRPr>
               </a:p>
             </p:txBody>
           </p:sp>
@@ -4383,7 +4394,7 @@
               <a:blipFill>
                 <a:blip r:embed="rId2"/>
                 <a:stretch>
-                  <a:fillRect l="-387" t="-894" r="-442"/>
+                  <a:fillRect l="-774" t="-1789" r="-830"/>
                 </a:stretch>
               </a:blipFill>
             </p:spPr>
@@ -4709,8 +4720,8 @@
           </a:p>
         </p:txBody>
       </p:sp>
-      <mc:AlternateContent xmlns:mc="http://schemas.openxmlformats.org/markup-compatibility/2006">
-        <mc:Choice xmlns:a14="http://schemas.microsoft.com/office/drawing/2010/main" Requires="a14">
+      <mc:AlternateContent xmlns:mc="http://schemas.openxmlformats.org/markup-compatibility/2006" xmlns:a14="http://schemas.microsoft.com/office/drawing/2010/main">
+        <mc:Choice Requires="a14">
           <p:sp>
             <p:nvSpPr>
               <p:cNvPr id="3" name="Объект 2">
@@ -5249,7 +5260,7 @@
             </p:txBody>
           </p:sp>
         </mc:Choice>
-        <mc:Fallback>
+        <mc:Fallback xmlns="">
           <p:sp>
             <p:nvSpPr>
               <p:cNvPr id="3" name="Объект 2">
@@ -5494,7 +5505,14 @@
             </a:pPr>
             <a:r>
               <a:rPr lang="ru-RU" dirty="0"/>
-              <a:t>1. Центрирование данных</a:t>
+              <a:t>1</a:t>
+            </a:r>
+            <a:r>
+              <a:rPr lang="ru-RU" sz="2400" dirty="0">
+                <a:latin typeface="Times New Roman" panose="02020603050405020304" pitchFamily="18" charset="0"/>
+                <a:cs typeface="Times New Roman" panose="02020603050405020304" pitchFamily="18" charset="0"/>
+              </a:rPr>
+              <a:t>. Центрирование данных</a:t>
             </a:r>
           </a:p>
           <a:p>
@@ -5502,7 +5520,10 @@
               <a:buNone/>
             </a:pPr>
             <a:r>
-              <a:rPr lang="ru-RU" dirty="0"/>
+              <a:rPr lang="ru-RU" sz="2400" dirty="0">
+                <a:latin typeface="Times New Roman" panose="02020603050405020304" pitchFamily="18" charset="0"/>
+                <a:cs typeface="Times New Roman" panose="02020603050405020304" pitchFamily="18" charset="0"/>
+              </a:rPr>
               <a:t>2. Расчет ковариационной матрицы</a:t>
             </a:r>
           </a:p>
@@ -5511,7 +5532,10 @@
               <a:buNone/>
             </a:pPr>
             <a:r>
-              <a:rPr lang="ru-RU" dirty="0"/>
+              <a:rPr lang="ru-RU" sz="2400" dirty="0">
+                <a:latin typeface="Times New Roman" panose="02020603050405020304" pitchFamily="18" charset="0"/>
+                <a:cs typeface="Times New Roman" panose="02020603050405020304" pitchFamily="18" charset="0"/>
+              </a:rPr>
               <a:t>3. Расчет главных компонент</a:t>
             </a:r>
           </a:p>
@@ -5520,7 +5544,10 @@
               <a:buNone/>
             </a:pPr>
             <a:r>
-              <a:rPr lang="ru-RU" dirty="0"/>
+              <a:rPr lang="ru-RU" sz="2400" dirty="0">
+                <a:latin typeface="Times New Roman" panose="02020603050405020304" pitchFamily="18" charset="0"/>
+                <a:cs typeface="Times New Roman" panose="02020603050405020304" pitchFamily="18" charset="0"/>
+              </a:rPr>
               <a:t>4. Сортировка главных компонент</a:t>
             </a:r>
           </a:p>
@@ -5529,7 +5556,10 @@
               <a:buNone/>
             </a:pPr>
             <a:r>
-              <a:rPr lang="ru-RU" dirty="0"/>
+              <a:rPr lang="ru-RU" sz="2400" dirty="0">
+                <a:latin typeface="Times New Roman" panose="02020603050405020304" pitchFamily="18" charset="0"/>
+                <a:cs typeface="Times New Roman" panose="02020603050405020304" pitchFamily="18" charset="0"/>
+              </a:rPr>
               <a:t>5. Проекция данных на новое пространство признаков</a:t>
             </a:r>
           </a:p>
@@ -5579,8 +5609,8 @@
         </p:nvSpPr>
         <p:spPr>
           <a:xfrm>
-            <a:off x="6096000" y="1111825"/>
-            <a:ext cx="5705475" cy="646331"/>
+            <a:off x="5895975" y="561166"/>
+            <a:ext cx="5705475" cy="830997"/>
           </a:xfrm>
           <a:prstGeom prst="rect">
             <a:avLst/>
@@ -5594,11 +5624,17 @@
           <a:lstStyle/>
           <a:p>
             <a:r>
-              <a:rPr lang="en-US" dirty="0"/>
+              <a:rPr lang="en-US" sz="2400" dirty="0">
+                <a:latin typeface="Times New Roman" panose="02020603050405020304" pitchFamily="18" charset="0"/>
+                <a:cs typeface="Times New Roman" panose="02020603050405020304" pitchFamily="18" charset="0"/>
+              </a:rPr>
               <a:t>PCA </a:t>
             </a:r>
             <a:r>
-              <a:rPr lang="ru-RU" dirty="0"/>
+              <a:rPr lang="ru-RU" sz="2400" dirty="0">
+                <a:latin typeface="Times New Roman" panose="02020603050405020304" pitchFamily="18" charset="0"/>
+                <a:cs typeface="Times New Roman" panose="02020603050405020304" pitchFamily="18" charset="0"/>
+              </a:rPr>
               <a:t>для данных по больным раком. Данные сведены к 2 компонентам</a:t>
             </a:r>
           </a:p>
@@ -5696,25 +5732,37 @@
           <a:lstStyle/>
           <a:p>
             <a:r>
-              <a:rPr lang="ru-RU" dirty="0"/>
+              <a:rPr lang="ru-RU" sz="2400" dirty="0">
+                <a:latin typeface="Times New Roman" panose="02020603050405020304" pitchFamily="18" charset="0"/>
+                <a:cs typeface="Times New Roman" panose="02020603050405020304" pitchFamily="18" charset="0"/>
+              </a:rPr>
               <a:t>1. Определение вероятностной модели</a:t>
             </a:r>
           </a:p>
           <a:p>
             <a:r>
-              <a:rPr lang="ru-RU" dirty="0"/>
+              <a:rPr lang="ru-RU" sz="2400" dirty="0">
+                <a:latin typeface="Times New Roman" panose="02020603050405020304" pitchFamily="18" charset="0"/>
+                <a:cs typeface="Times New Roman" panose="02020603050405020304" pitchFamily="18" charset="0"/>
+              </a:rPr>
               <a:t>2. Формулирование функции правдоподобия</a:t>
             </a:r>
           </a:p>
           <a:p>
             <a:r>
-              <a:rPr lang="ru-RU" dirty="0"/>
+              <a:rPr lang="ru-RU" sz="2400" dirty="0">
+                <a:latin typeface="Times New Roman" panose="02020603050405020304" pitchFamily="18" charset="0"/>
+                <a:cs typeface="Times New Roman" panose="02020603050405020304" pitchFamily="18" charset="0"/>
+              </a:rPr>
               <a:t>3. Логарифмирование функции правдоподобия</a:t>
             </a:r>
           </a:p>
           <a:p>
             <a:r>
-              <a:rPr lang="ru-RU" dirty="0"/>
+              <a:rPr lang="ru-RU" sz="2400" dirty="0">
+                <a:latin typeface="Times New Roman" panose="02020603050405020304" pitchFamily="18" charset="0"/>
+                <a:cs typeface="Times New Roman" panose="02020603050405020304" pitchFamily="18" charset="0"/>
+              </a:rPr>
               <a:t>4. Оптимизация функции правдоподобия</a:t>
             </a:r>
           </a:p>
@@ -5734,8 +5782,8 @@
         </p:nvSpPr>
         <p:spPr>
           <a:xfrm>
-            <a:off x="5915025" y="4699635"/>
-            <a:ext cx="6096000" cy="1477328"/>
+            <a:off x="5603941" y="4481831"/>
+            <a:ext cx="6096000" cy="2677656"/>
           </a:xfrm>
           <a:prstGeom prst="rect">
             <a:avLst/>
@@ -5749,23 +5797,26 @@
           <a:lstStyle/>
           <a:p>
             <a:r>
-              <a:rPr lang="ru-RU" sz="1800" dirty="0">
+              <a:rPr lang="ru-RU" sz="2400" dirty="0">
                 <a:effectLst/>
-                <a:latin typeface="Liberation Serif"/>
+                <a:latin typeface="Times New Roman" panose="02020603050405020304" pitchFamily="18" charset="0"/>
                 <a:ea typeface="NSimSun" panose="02010609030101010101" pitchFamily="49" charset="-122"/>
-                <a:cs typeface="Mangal" panose="02040503050203030202" pitchFamily="18" charset="0"/>
+                <a:cs typeface="Times New Roman" panose="02020603050405020304" pitchFamily="18" charset="0"/>
               </a:rPr>
               <a:t>Функция правдоподобия, которая описывает вероятность получения наблюдаемых данных при заданных параметрах модели. Функция правдоподобия представляет собой произведение вероятностей каждого наблюдения в выборке.</a:t>
             </a:r>
             <a:br>
-              <a:rPr lang="ru-RU" sz="1800" dirty="0">
+              <a:rPr lang="ru-RU" sz="2400" dirty="0">
                 <a:effectLst/>
-                <a:latin typeface="Liberation Serif"/>
+                <a:latin typeface="Times New Roman" panose="02020603050405020304" pitchFamily="18" charset="0"/>
                 <a:ea typeface="NSimSun" panose="02010609030101010101" pitchFamily="49" charset="-122"/>
-                <a:cs typeface="Mangal" panose="02040503050203030202" pitchFamily="18" charset="0"/>
+                <a:cs typeface="Times New Roman" panose="02020603050405020304" pitchFamily="18" charset="0"/>
               </a:rPr>
             </a:br>
-            <a:endParaRPr lang="ru-RU" dirty="0"/>
+            <a:endParaRPr lang="ru-RU" sz="2400" dirty="0">
+              <a:latin typeface="Times New Roman" panose="02020603050405020304" pitchFamily="18" charset="0"/>
+              <a:cs typeface="Times New Roman" panose="02020603050405020304" pitchFamily="18" charset="0"/>
+            </a:endParaRPr>
           </a:p>
         </p:txBody>
       </p:sp>
@@ -5890,8 +5941,8 @@
           </a:p>
         </p:txBody>
       </p:sp>
-      <mc:AlternateContent xmlns:mc="http://schemas.openxmlformats.org/markup-compatibility/2006" xmlns:a14="http://schemas.microsoft.com/office/drawing/2010/main">
-        <mc:Choice Requires="a14">
+      <mc:AlternateContent xmlns:mc="http://schemas.openxmlformats.org/markup-compatibility/2006">
+        <mc:Choice xmlns:a14="http://schemas.microsoft.com/office/drawing/2010/main" Requires="a14">
           <p:sp>
             <p:nvSpPr>
               <p:cNvPr id="3" name="Объект 2">
@@ -5914,27 +5965,27 @@
               <a:lstStyle/>
               <a:p>
                 <a:r>
-                  <a:rPr lang="ru-RU" dirty="0">
+                  <a:rPr lang="ru-RU" sz="2400" dirty="0">
                     <a:latin typeface="Times New Roman" panose="02020603050405020304" pitchFamily="18" charset="0"/>
                     <a:cs typeface="Times New Roman" panose="02020603050405020304" pitchFamily="18" charset="0"/>
                   </a:rPr>
                   <a:t>Центрированный </a:t>
                 </a:r>
                 <a:r>
-                  <a:rPr lang="ru-RU" dirty="0" err="1">
+                  <a:rPr lang="ru-RU" sz="2400" dirty="0" err="1">
                     <a:latin typeface="Times New Roman" panose="02020603050405020304" pitchFamily="18" charset="0"/>
                     <a:cs typeface="Times New Roman" panose="02020603050405020304" pitchFamily="18" charset="0"/>
                   </a:rPr>
                   <a:t>датасет</a:t>
                 </a:r>
-                <a:endParaRPr lang="ru-RU" dirty="0">
+                <a:endParaRPr lang="ru-RU" sz="2400" dirty="0">
                   <a:latin typeface="Times New Roman" panose="02020603050405020304" pitchFamily="18" charset="0"/>
                   <a:cs typeface="Times New Roman" panose="02020603050405020304" pitchFamily="18" charset="0"/>
                 </a:endParaRPr>
               </a:p>
               <a:p>
                 <a:r>
-                  <a:rPr lang="ru-RU" dirty="0">
+                  <a:rPr lang="ru-RU" sz="2400" dirty="0">
                     <a:latin typeface="Times New Roman" panose="02020603050405020304" pitchFamily="18" charset="0"/>
                     <a:cs typeface="Times New Roman" panose="02020603050405020304" pitchFamily="18" charset="0"/>
                   </a:rPr>
@@ -5943,7 +5994,7 @@
               </a:p>
               <a:p>
                 <a:r>
-                  <a:rPr lang="ru-RU" dirty="0">
+                  <a:rPr lang="ru-RU" sz="2400" dirty="0">
                     <a:latin typeface="Times New Roman" panose="02020603050405020304" pitchFamily="18" charset="0"/>
                     <a:cs typeface="Times New Roman" panose="02020603050405020304" pitchFamily="18" charset="0"/>
                   </a:rPr>
@@ -5952,7 +6003,7 @@
                 <a14:m>
                   <m:oMath xmlns:m="http://schemas.openxmlformats.org/officeDocument/2006/math">
                     <m:r>
-                      <a:rPr lang="ru-RU" i="1" smtClean="0">
+                      <a:rPr lang="ru-RU" sz="2400" i="1" smtClean="0">
                         <a:effectLst/>
                         <a:latin typeface="Cambria Math" panose="02040503050406030204" pitchFamily="18" charset="0"/>
                         <a:ea typeface="NSimSun" panose="02010609030101010101" pitchFamily="49" charset="-122"/>
@@ -5961,7 +6012,7 @@
                       <m:t>𝐶</m:t>
                     </m:r>
                     <m:r>
-                      <a:rPr lang="ru-RU" i="1" smtClean="0">
+                      <a:rPr lang="ru-RU" sz="2400" i="1" smtClean="0">
                         <a:effectLst/>
                         <a:latin typeface="Cambria Math" panose="02040503050406030204" pitchFamily="18" charset="0"/>
                         <a:ea typeface="NSimSun" panose="02010609030101010101" pitchFamily="49" charset="-122"/>
@@ -5970,7 +6021,7 @@
                       <m:t>=</m:t>
                     </m:r>
                     <m:r>
-                      <a:rPr lang="ru-RU" i="1" smtClean="0">
+                      <a:rPr lang="ru-RU" sz="2400" i="1" smtClean="0">
                         <a:effectLst/>
                         <a:latin typeface="Cambria Math" panose="02040503050406030204" pitchFamily="18" charset="0"/>
                         <a:ea typeface="NSimSun" panose="02010609030101010101" pitchFamily="49" charset="-122"/>
@@ -5979,7 +6030,7 @@
                       <m:t>𝐼</m:t>
                     </m:r>
                     <m:r>
-                      <a:rPr lang="ru-RU" i="1" smtClean="0">
+                      <a:rPr lang="ru-RU" sz="2400" i="1" smtClean="0">
                         <a:effectLst/>
                         <a:latin typeface="Cambria Math" panose="02040503050406030204" pitchFamily="18" charset="0"/>
                         <a:ea typeface="NSimSun" panose="02010609030101010101" pitchFamily="49" charset="-122"/>
@@ -5990,7 +6041,7 @@
                     <m:f>
                       <m:fPr>
                         <m:ctrlPr>
-                          <a:rPr lang="ru-RU" i="1">
+                          <a:rPr lang="ru-RU" sz="2400" i="1">
                             <a:effectLst/>
                             <a:latin typeface="Cambria Math" panose="02040503050406030204" pitchFamily="18" charset="0"/>
                           </a:rPr>
@@ -5998,7 +6049,7 @@
                       </m:fPr>
                       <m:num>
                         <m:r>
-                          <a:rPr lang="en-US" i="1">
+                          <a:rPr lang="en-US" sz="2400" i="1">
                             <a:effectLst/>
                             <a:latin typeface="Cambria Math" panose="02040503050406030204" pitchFamily="18" charset="0"/>
                             <a:ea typeface="NSimSun" panose="02010609030101010101" pitchFamily="49" charset="-122"/>
@@ -6009,7 +6060,7 @@
                       </m:num>
                       <m:den>
                         <m:r>
-                          <a:rPr lang="ru-RU" i="1">
+                          <a:rPr lang="ru-RU" sz="2400" i="1">
                             <a:effectLst/>
                             <a:latin typeface="Cambria Math" panose="02040503050406030204" pitchFamily="18" charset="0"/>
                             <a:ea typeface="NSimSun" panose="02010609030101010101" pitchFamily="49" charset="-122"/>
@@ -6022,7 +6073,7 @@
                   </m:oMath>
                 </a14:m>
                 <a:r>
-                  <a:rPr lang="ru-RU" dirty="0">
+                  <a:rPr lang="ru-RU" sz="2400" dirty="0">
                     <a:latin typeface="Times New Roman" panose="02020603050405020304" pitchFamily="18" charset="0"/>
                     <a:cs typeface="Times New Roman" panose="02020603050405020304" pitchFamily="18" charset="0"/>
                   </a:rPr>
@@ -6031,7 +6082,7 @@
               </a:p>
               <a:p>
                 <a:r>
-                  <a:rPr lang="ru-RU" dirty="0">
+                  <a:rPr lang="ru-RU" sz="2400" dirty="0">
                     <a:effectLst/>
                     <a:latin typeface="Times New Roman" panose="02020603050405020304" pitchFamily="18" charset="0"/>
                     <a:ea typeface="NSimSun" panose="02010609030101010101" pitchFamily="49" charset="-122"/>
@@ -6042,7 +6093,7 @@
                 <a14:m>
                   <m:oMath xmlns:m="http://schemas.openxmlformats.org/officeDocument/2006/math">
                     <m:r>
-                      <a:rPr lang="ru-RU" i="1">
+                      <a:rPr lang="ru-RU" sz="2400" i="1">
                         <a:effectLst/>
                         <a:latin typeface="Cambria Math" panose="02040503050406030204" pitchFamily="18" charset="0"/>
                         <a:ea typeface="NSimSun" panose="02010609030101010101" pitchFamily="49" charset="-122"/>
@@ -6051,7 +6102,7 @@
                       <m:t>𝐴</m:t>
                     </m:r>
                     <m:r>
-                      <a:rPr lang="ru-RU" i="1">
+                      <a:rPr lang="ru-RU" sz="2400" i="1">
                         <a:effectLst/>
                         <a:latin typeface="Cambria Math" panose="02040503050406030204" pitchFamily="18" charset="0"/>
                         <a:ea typeface="NSimSun" panose="02010609030101010101" pitchFamily="49" charset="-122"/>
@@ -6060,7 +6111,7 @@
                       <m:t>=</m:t>
                     </m:r>
                     <m:r>
-                      <a:rPr lang="ru-RU" i="1">
+                      <a:rPr lang="ru-RU" sz="2400" i="1">
                         <a:effectLst/>
                         <a:latin typeface="Cambria Math" panose="02040503050406030204" pitchFamily="18" charset="0"/>
                         <a:ea typeface="NSimSun" panose="02010609030101010101" pitchFamily="49" charset="-122"/>
@@ -6071,7 +6122,7 @@
                     <m:sSup>
                       <m:sSupPr>
                         <m:ctrlPr>
-                          <a:rPr lang="ru-RU" i="1">
+                          <a:rPr lang="ru-RU" sz="2400" i="1">
                             <a:effectLst/>
                             <a:latin typeface="Cambria Math" panose="02040503050406030204" pitchFamily="18" charset="0"/>
                           </a:rPr>
@@ -6079,7 +6130,7 @@
                       </m:sSupPr>
                       <m:e>
                         <m:r>
-                          <a:rPr lang="ru-RU" i="1">
+                          <a:rPr lang="ru-RU" sz="2400" i="1">
                             <a:effectLst/>
                             <a:latin typeface="Cambria Math" panose="02040503050406030204" pitchFamily="18" charset="0"/>
                             <a:ea typeface="NSimSun" panose="02010609030101010101" pitchFamily="49" charset="-122"/>
@@ -6090,7 +6141,7 @@
                       </m:e>
                       <m:sup>
                         <m:r>
-                          <a:rPr lang="ru-RU" i="1">
+                          <a:rPr lang="ru-RU" sz="2400" i="1">
                             <a:effectLst/>
                             <a:latin typeface="Cambria Math" panose="02040503050406030204" pitchFamily="18" charset="0"/>
                             <a:ea typeface="NSimSun" panose="02010609030101010101" pitchFamily="49" charset="-122"/>
@@ -6103,7 +6154,7 @@
                   </m:oMath>
                 </a14:m>
                 <a:r>
-                  <a:rPr lang="ru-RU" dirty="0">
+                  <a:rPr lang="ru-RU" sz="2400" dirty="0">
                     <a:effectLst/>
                     <a:latin typeface="Times New Roman" panose="02020603050405020304" pitchFamily="18" charset="0"/>
                     <a:ea typeface="NSimSun" panose="02010609030101010101" pitchFamily="49" charset="-122"/>
@@ -6114,7 +6165,7 @@
               </a:p>
               <a:p>
                 <a:r>
-                  <a:rPr lang="en-US" dirty="0">
+                  <a:rPr lang="en-US" sz="2400" dirty="0">
                     <a:effectLst/>
                     <a:latin typeface="Times New Roman" panose="02020603050405020304" pitchFamily="18" charset="0"/>
                     <a:ea typeface="NSimSun" panose="02010609030101010101" pitchFamily="49" charset="-122"/>
@@ -6123,7 +6174,7 @@
                   <a:t>SVD</a:t>
                 </a:r>
                 <a:r>
-                  <a:rPr lang="ru-RU" dirty="0">
+                  <a:rPr lang="ru-RU" sz="2400" dirty="0">
                     <a:effectLst/>
                     <a:latin typeface="Times New Roman" panose="02020603050405020304" pitchFamily="18" charset="0"/>
                     <a:ea typeface="NSimSun" panose="02010609030101010101" pitchFamily="49" charset="-122"/>
@@ -6132,7 +6183,7 @@
                   <a:t> (</a:t>
                 </a:r>
                 <a:r>
-                  <a:rPr lang="en-US" dirty="0">
+                  <a:rPr lang="en-US" sz="2400" dirty="0">
                     <a:effectLst/>
                     <a:latin typeface="Times New Roman" panose="02020603050405020304" pitchFamily="18" charset="0"/>
                     <a:ea typeface="NSimSun" panose="02010609030101010101" pitchFamily="49" charset="-122"/>
@@ -6141,7 +6192,7 @@
                   <a:t>Singular Value Decomposition</a:t>
                 </a:r>
                 <a:r>
-                  <a:rPr lang="ru-RU" dirty="0">
+                  <a:rPr lang="ru-RU" sz="2400" dirty="0">
                     <a:effectLst/>
                     <a:latin typeface="Times New Roman" panose="02020603050405020304" pitchFamily="18" charset="0"/>
                     <a:ea typeface="NSimSun" panose="02010609030101010101" pitchFamily="49" charset="-122"/>
@@ -6149,7 +6200,7 @@
                   </a:rPr>
                   <a:t>). </a:t>
                 </a:r>
-                <a:endParaRPr lang="ru-RU" dirty="0">
+                <a:endParaRPr lang="ru-RU" sz="2400" dirty="0">
                   <a:latin typeface="Times New Roman" panose="02020603050405020304" pitchFamily="18" charset="0"/>
                   <a:cs typeface="Times New Roman" panose="02020603050405020304" pitchFamily="18" charset="0"/>
                 </a:endParaRPr>
@@ -6159,7 +6210,7 @@
                   <a:buNone/>
                 </a:pPr>
                 <a:r>
-                  <a:rPr lang="ru-RU" sz="2000" kern="150" dirty="0">
+                  <a:rPr lang="ru-RU" kern="150" dirty="0">
                     <a:effectLst/>
                     <a:latin typeface="Times New Roman" panose="02020603050405020304" pitchFamily="18" charset="0"/>
                     <a:ea typeface="Times New Roman" panose="02020603050405020304" pitchFamily="18" charset="0"/>
@@ -6172,7 +6223,7 @@
                     <m:sSub>
                       <m:sSubPr>
                         <m:ctrlPr>
-                          <a:rPr lang="ru-RU" sz="2000" i="1" kern="150">
+                          <a:rPr lang="ru-RU" i="1" kern="150">
                             <a:effectLst/>
                             <a:latin typeface="Cambria Math" panose="02040503050406030204" pitchFamily="18" charset="0"/>
                             <a:ea typeface="Times New Roman" panose="02020603050405020304" pitchFamily="18" charset="0"/>
@@ -6181,7 +6232,7 @@
                       </m:sSubPr>
                       <m:e>
                         <m:r>
-                          <a:rPr lang="ru-RU" sz="2000" i="1" kern="150">
+                          <a:rPr lang="ru-RU" i="1" kern="150">
                             <a:effectLst/>
                             <a:latin typeface="Cambria Math" panose="02040503050406030204" pitchFamily="18" charset="0"/>
                             <a:ea typeface="Times New Roman" panose="02020603050405020304" pitchFamily="18" charset="0"/>
@@ -6195,7 +6246,7 @@
                             <m:begChr m:val="["/>
                             <m:endChr m:val="]"/>
                             <m:ctrlPr>
-                              <a:rPr lang="ru-RU" sz="2000" i="1" kern="150">
+                              <a:rPr lang="ru-RU" i="1" kern="150">
                                 <a:effectLst/>
                                 <a:latin typeface="Cambria Math" panose="02040503050406030204" pitchFamily="18" charset="0"/>
                                 <a:ea typeface="Times New Roman" panose="02020603050405020304" pitchFamily="18" charset="0"/>
@@ -6204,7 +6255,7 @@
                           </m:dPr>
                           <m:e>
                             <m:r>
-                              <a:rPr lang="ru-RU" sz="2000" i="1" kern="150">
+                              <a:rPr lang="ru-RU" i="1" kern="150">
                                 <a:effectLst/>
                                 <a:latin typeface="Cambria Math" panose="02040503050406030204" pitchFamily="18" charset="0"/>
                                 <a:ea typeface="Times New Roman" panose="02020603050405020304" pitchFamily="18" charset="0"/>
@@ -6212,7 +6263,7 @@
                               <m:t>𝑛</m:t>
                             </m:r>
                             <m:r>
-                              <a:rPr lang="ru-RU" sz="2000" i="1" kern="150">
+                              <a:rPr lang="ru-RU" i="1" kern="150">
                                 <a:effectLst/>
                                 <a:latin typeface="Cambria Math" panose="02040503050406030204" pitchFamily="18" charset="0"/>
                                 <a:ea typeface="Times New Roman" panose="02020603050405020304" pitchFamily="18" charset="0"/>
@@ -6220,7 +6271,7 @@
                               <m:t> </m:t>
                             </m:r>
                             <m:r>
-                              <a:rPr lang="ru-RU" sz="2000" i="1" kern="150">
+                              <a:rPr lang="ru-RU" i="1" kern="150">
                                 <a:effectLst/>
                                 <a:latin typeface="Cambria Math" panose="02040503050406030204" pitchFamily="18" charset="0"/>
                                 <a:ea typeface="Times New Roman" panose="02020603050405020304" pitchFamily="18" charset="0"/>
@@ -6228,7 +6279,7 @@
                               <m:t>𝑥</m:t>
                             </m:r>
                             <m:r>
-                              <a:rPr lang="ru-RU" sz="2000" i="1" kern="150">
+                              <a:rPr lang="ru-RU" i="1" kern="150">
                                 <a:effectLst/>
                                 <a:latin typeface="Cambria Math" panose="02040503050406030204" pitchFamily="18" charset="0"/>
                                 <a:ea typeface="Times New Roman" panose="02020603050405020304" pitchFamily="18" charset="0"/>
@@ -6236,7 +6287,7 @@
                               <m:t> </m:t>
                             </m:r>
                             <m:r>
-                              <a:rPr lang="ru-RU" sz="2000" i="1" kern="150">
+                              <a:rPr lang="ru-RU" i="1" kern="150">
                                 <a:effectLst/>
                                 <a:latin typeface="Cambria Math" panose="02040503050406030204" pitchFamily="18" charset="0"/>
                                 <a:ea typeface="Times New Roman" panose="02020603050405020304" pitchFamily="18" charset="0"/>
@@ -6248,7 +6299,7 @@
                       </m:sub>
                     </m:sSub>
                     <m:r>
-                      <a:rPr lang="ru-RU" sz="2000" i="1" kern="150">
+                      <a:rPr lang="ru-RU" i="1" kern="150">
                         <a:effectLst/>
                         <a:latin typeface="Cambria Math" panose="02040503050406030204" pitchFamily="18" charset="0"/>
                         <a:ea typeface="Times New Roman" panose="02020603050405020304" pitchFamily="18" charset="0"/>
@@ -6258,7 +6309,7 @@
                   </m:oMath>
                 </a14:m>
                 <a:r>
-                  <a:rPr lang="ru-RU" sz="2000" kern="150" dirty="0">
+                  <a:rPr lang="ru-RU" kern="150" dirty="0">
                     <a:effectLst/>
                     <a:latin typeface="Times New Roman" panose="02020603050405020304" pitchFamily="18" charset="0"/>
                     <a:ea typeface="Times New Roman" panose="02020603050405020304" pitchFamily="18" charset="0"/>
@@ -6267,7 +6318,7 @@
                   <a:t> существуют две ортогональные матрицы </a:t>
                 </a:r>
                 <a:r>
-                  <a:rPr lang="en-US" sz="2000" kern="150" dirty="0">
+                  <a:rPr lang="en-US" kern="150" dirty="0">
                     <a:effectLst/>
                     <a:latin typeface="Times New Roman" panose="02020603050405020304" pitchFamily="18" charset="0"/>
                     <a:ea typeface="Times New Roman" panose="02020603050405020304" pitchFamily="18" charset="0"/>
@@ -6276,7 +6327,7 @@
                   <a:t>U </a:t>
                 </a:r>
                 <a:r>
-                  <a:rPr lang="ru-RU" sz="2000" kern="150" dirty="0">
+                  <a:rPr lang="ru-RU" kern="150" dirty="0">
                     <a:effectLst/>
                     <a:latin typeface="Times New Roman" panose="02020603050405020304" pitchFamily="18" charset="0"/>
                     <a:ea typeface="Times New Roman" panose="02020603050405020304" pitchFamily="18" charset="0"/>
@@ -6285,7 +6336,7 @@
                   <a:t>и </a:t>
                 </a:r>
                 <a:r>
-                  <a:rPr lang="en-US" sz="2000" kern="150" dirty="0">
+                  <a:rPr lang="en-US" kern="150" dirty="0">
                     <a:effectLst/>
                     <a:latin typeface="Times New Roman" panose="02020603050405020304" pitchFamily="18" charset="0"/>
                     <a:ea typeface="Times New Roman" panose="02020603050405020304" pitchFamily="18" charset="0"/>
@@ -6294,7 +6345,7 @@
                   <a:t>V </a:t>
                 </a:r>
                 <a:r>
-                  <a:rPr lang="ru-RU" sz="2000" kern="150" dirty="0">
+                  <a:rPr lang="ru-RU" kern="150" dirty="0">
                     <a:effectLst/>
                     <a:latin typeface="Times New Roman" panose="02020603050405020304" pitchFamily="18" charset="0"/>
                     <a:ea typeface="Times New Roman" panose="02020603050405020304" pitchFamily="18" charset="0"/>
@@ -6303,7 +6354,7 @@
                   <a:t>(</a:t>
                 </a:r>
                 <a:r>
-                  <a:rPr lang="en-US" sz="2000" kern="150" dirty="0">
+                  <a:rPr lang="en-US" kern="150" dirty="0">
                     <a:effectLst/>
                     <a:latin typeface="Times New Roman" panose="02020603050405020304" pitchFamily="18" charset="0"/>
                     <a:ea typeface="Times New Roman" panose="02020603050405020304" pitchFamily="18" charset="0"/>
@@ -6312,7 +6363,7 @@
                   <a:t>n x n</a:t>
                 </a:r>
                 <a:r>
-                  <a:rPr lang="ru-RU" sz="2000" kern="150" dirty="0">
+                  <a:rPr lang="ru-RU" kern="150" dirty="0">
                     <a:effectLst/>
                     <a:latin typeface="Times New Roman" panose="02020603050405020304" pitchFamily="18" charset="0"/>
                     <a:ea typeface="Times New Roman" panose="02020603050405020304" pitchFamily="18" charset="0"/>
@@ -6323,7 +6374,7 @@
                 <a14:m>
                   <m:oMath xmlns:m="http://schemas.openxmlformats.org/officeDocument/2006/math">
                     <m:r>
-                      <a:rPr lang="ru-RU" sz="2000" i="1" kern="150">
+                      <a:rPr lang="ru-RU" i="1" kern="150">
                         <a:effectLst/>
                         <a:latin typeface="Cambria Math" panose="02040503050406030204" pitchFamily="18" charset="0"/>
                         <a:ea typeface="Times New Roman" panose="02020603050405020304" pitchFamily="18" charset="0"/>
@@ -6331,7 +6382,7 @@
                       <m:t>𝐿</m:t>
                     </m:r>
                     <m:r>
-                      <a:rPr lang="ru-RU" sz="2000" i="1" kern="150">
+                      <a:rPr lang="ru-RU" i="1" kern="150">
                         <a:effectLst/>
                         <a:latin typeface="Cambria Math" panose="02040503050406030204" pitchFamily="18" charset="0"/>
                         <a:ea typeface="Times New Roman" panose="02020603050405020304" pitchFamily="18" charset="0"/>
@@ -6341,7 +6392,7 @@
                     <m:sSup>
                       <m:sSupPr>
                         <m:ctrlPr>
-                          <a:rPr lang="ru-RU" sz="2000" i="1" kern="150">
+                          <a:rPr lang="ru-RU" i="1" kern="150">
                             <a:effectLst/>
                             <a:latin typeface="Cambria Math" panose="02040503050406030204" pitchFamily="18" charset="0"/>
                             <a:ea typeface="Times New Roman" panose="02020603050405020304" pitchFamily="18" charset="0"/>
@@ -6350,7 +6401,7 @@
                       </m:sSupPr>
                       <m:e>
                         <m:r>
-                          <a:rPr lang="ru-RU" sz="2000" i="1" kern="150">
+                          <a:rPr lang="ru-RU" i="1" kern="150">
                             <a:effectLst/>
                             <a:latin typeface="Cambria Math" panose="02040503050406030204" pitchFamily="18" charset="0"/>
                             <a:ea typeface="Times New Roman" panose="02020603050405020304" pitchFamily="18" charset="0"/>
@@ -6360,7 +6411,7 @@
                       </m:e>
                       <m:sup>
                         <m:r>
-                          <a:rPr lang="ru-RU" sz="2000" i="1" kern="150">
+                          <a:rPr lang="ru-RU" i="1" kern="150">
                             <a:effectLst/>
                             <a:latin typeface="Cambria Math" panose="02040503050406030204" pitchFamily="18" charset="0"/>
                             <a:ea typeface="Times New Roman" panose="02020603050405020304" pitchFamily="18" charset="0"/>
@@ -6370,7 +6421,7 @@
                       </m:sup>
                     </m:sSup>
                     <m:r>
-                      <a:rPr lang="ru-RU" sz="2000" i="1" kern="150">
+                      <a:rPr lang="ru-RU" i="1" kern="150">
                         <a:effectLst/>
                         <a:latin typeface="Cambria Math" panose="02040503050406030204" pitchFamily="18" charset="0"/>
                         <a:ea typeface="Times New Roman" panose="02020603050405020304" pitchFamily="18" charset="0"/>
@@ -6380,7 +6431,7 @@
                     <m:d>
                       <m:dPr>
                         <m:ctrlPr>
-                          <a:rPr lang="ru-RU" sz="2000" i="1" kern="150">
+                          <a:rPr lang="ru-RU" i="1" kern="150">
                             <a:effectLst/>
                             <a:latin typeface="Cambria Math" panose="02040503050406030204" pitchFamily="18" charset="0"/>
                             <a:ea typeface="Times New Roman" panose="02020603050405020304" pitchFamily="18" charset="0"/>
@@ -6389,7 +6440,7 @@
                       </m:dPr>
                       <m:e>
                         <m:r>
-                          <a:rPr lang="ru-RU" sz="2000" i="1" kern="150">
+                          <a:rPr lang="ru-RU" i="1" kern="150">
                             <a:effectLst/>
                             <a:latin typeface="Cambria Math" panose="02040503050406030204" pitchFamily="18" charset="0"/>
                             <a:ea typeface="Times New Roman" panose="02020603050405020304" pitchFamily="18" charset="0"/>
@@ -6397,7 +6448,7 @@
                           <m:t>𝐴</m:t>
                         </m:r>
                         <m:r>
-                          <a:rPr lang="ru-RU" sz="2000" i="1" kern="150">
+                          <a:rPr lang="ru-RU" i="1" kern="150">
                             <a:effectLst/>
                             <a:latin typeface="Cambria Math" panose="02040503050406030204" pitchFamily="18" charset="0"/>
                             <a:ea typeface="Times New Roman" panose="02020603050405020304" pitchFamily="18" charset="0"/>
@@ -6405,7 +6456,7 @@
                           <m:t>=</m:t>
                         </m:r>
                         <m:r>
-                          <a:rPr lang="ru-RU" sz="2000" i="1" kern="150">
+                          <a:rPr lang="ru-RU" i="1" kern="150">
                             <a:effectLst/>
                             <a:latin typeface="Cambria Math" panose="02040503050406030204" pitchFamily="18" charset="0"/>
                             <a:ea typeface="Times New Roman" panose="02020603050405020304" pitchFamily="18" charset="0"/>
@@ -6415,7 +6466,7 @@
                         <m:sSup>
                           <m:sSupPr>
                             <m:ctrlPr>
-                              <a:rPr lang="ru-RU" sz="2000" i="1" kern="150">
+                              <a:rPr lang="ru-RU" i="1" kern="150">
                                 <a:effectLst/>
                                 <a:latin typeface="Cambria Math" panose="02040503050406030204" pitchFamily="18" charset="0"/>
                                 <a:ea typeface="Times New Roman" panose="02020603050405020304" pitchFamily="18" charset="0"/>
@@ -6424,7 +6475,7 @@
                           </m:sSupPr>
                           <m:e>
                             <m:r>
-                              <a:rPr lang="ru-RU" sz="2000" i="1" kern="150">
+                              <a:rPr lang="ru-RU" i="1" kern="150">
                                 <a:effectLst/>
                                 <a:latin typeface="Cambria Math" panose="02040503050406030204" pitchFamily="18" charset="0"/>
                                 <a:ea typeface="Times New Roman" panose="02020603050405020304" pitchFamily="18" charset="0"/>
@@ -6434,7 +6485,7 @@
                           </m:e>
                           <m:sup>
                             <m:r>
-                              <a:rPr lang="ru-RU" sz="2000" i="1" kern="150">
+                              <a:rPr lang="ru-RU" i="1" kern="150">
                                 <a:effectLst/>
                                 <a:latin typeface="Cambria Math" panose="02040503050406030204" pitchFamily="18" charset="0"/>
                                 <a:ea typeface="Times New Roman" panose="02020603050405020304" pitchFamily="18" charset="0"/>
@@ -6448,7 +6499,7 @@
                   </m:oMath>
                 </a14:m>
                 <a:r>
-                  <a:rPr lang="ru-RU" sz="2000" kern="150" dirty="0">
+                  <a:rPr lang="ru-RU" kern="150" dirty="0">
                     <a:effectLst/>
                     <a:latin typeface="Times New Roman" panose="02020603050405020304" pitchFamily="18" charset="0"/>
                     <a:ea typeface="Times New Roman" panose="02020603050405020304" pitchFamily="18" charset="0"/>
@@ -6457,7 +6508,7 @@
                   <a:t>. Где </a:t>
                 </a:r>
                 <a:r>
-                  <a:rPr lang="en-US" sz="2000" kern="150" dirty="0">
+                  <a:rPr lang="en-US" kern="150" dirty="0">
                     <a:effectLst/>
                     <a:latin typeface="Times New Roman" panose="02020603050405020304" pitchFamily="18" charset="0"/>
                     <a:ea typeface="Times New Roman" panose="02020603050405020304" pitchFamily="18" charset="0"/>
@@ -6466,7 +6517,7 @@
                   <a:t>L </a:t>
                 </a:r>
                 <a:r>
-                  <a:rPr lang="ru-RU" sz="2000" kern="150" dirty="0">
+                  <a:rPr lang="ru-RU" kern="150" dirty="0">
                     <a:effectLst/>
                     <a:latin typeface="Times New Roman" panose="02020603050405020304" pitchFamily="18" charset="0"/>
                     <a:ea typeface="Times New Roman" panose="02020603050405020304" pitchFamily="18" charset="0"/>
@@ -6479,7 +6530,7 @@
                     <m:sSub>
                       <m:sSubPr>
                         <m:ctrlPr>
-                          <a:rPr lang="ru-RU" sz="2000" i="1" kern="150">
+                          <a:rPr lang="ru-RU" i="1" kern="150">
                             <a:effectLst/>
                             <a:latin typeface="Cambria Math" panose="02040503050406030204" pitchFamily="18" charset="0"/>
                             <a:ea typeface="Times New Roman" panose="02020603050405020304" pitchFamily="18" charset="0"/>
@@ -6488,7 +6539,7 @@
                       </m:sSubPr>
                       <m:e>
                         <m:r>
-                          <a:rPr lang="ru-RU" sz="2000" i="1" kern="150">
+                          <a:rPr lang="ru-RU" i="1" kern="150">
                             <a:effectLst/>
                             <a:latin typeface="Cambria Math" panose="02040503050406030204" pitchFamily="18" charset="0"/>
                             <a:ea typeface="Times New Roman" panose="02020603050405020304" pitchFamily="18" charset="0"/>
@@ -6498,7 +6549,7 @@
                       </m:e>
                       <m:sub>
                         <m:r>
-                          <a:rPr lang="ru-RU" sz="2000" i="1" kern="150">
+                          <a:rPr lang="ru-RU" i="1" kern="150">
                             <a:effectLst/>
                             <a:latin typeface="Cambria Math" panose="02040503050406030204" pitchFamily="18" charset="0"/>
                             <a:ea typeface="Times New Roman" panose="02020603050405020304" pitchFamily="18" charset="0"/>
@@ -6508,7 +6559,7 @@
                       </m:sub>
                     </m:sSub>
                     <m:r>
-                      <a:rPr lang="ru-RU" sz="2000" i="1" kern="150">
+                      <a:rPr lang="ru-RU" i="1" kern="150">
                         <a:effectLst/>
                         <a:latin typeface="Cambria Math" panose="02040503050406030204" pitchFamily="18" charset="0"/>
                         <a:ea typeface="Times New Roman" panose="02020603050405020304" pitchFamily="18" charset="0"/>
@@ -6518,7 +6569,7 @@
                     <m:sSub>
                       <m:sSubPr>
                         <m:ctrlPr>
-                          <a:rPr lang="ru-RU" sz="2000" i="1" kern="150">
+                          <a:rPr lang="ru-RU" i="1" kern="150">
                             <a:effectLst/>
                             <a:latin typeface="Cambria Math" panose="02040503050406030204" pitchFamily="18" charset="0"/>
                             <a:ea typeface="Times New Roman" panose="02020603050405020304" pitchFamily="18" charset="0"/>
@@ -6527,7 +6578,7 @@
                       </m:sSubPr>
                       <m:e>
                         <m:r>
-                          <a:rPr lang="ru-RU" sz="2000" i="1" kern="150">
+                          <a:rPr lang="ru-RU" i="1" kern="150">
                             <a:effectLst/>
                             <a:latin typeface="Cambria Math" panose="02040503050406030204" pitchFamily="18" charset="0"/>
                             <a:ea typeface="Times New Roman" panose="02020603050405020304" pitchFamily="18" charset="0"/>
@@ -6537,7 +6588,7 @@
                       </m:e>
                       <m:sub>
                         <m:r>
-                          <a:rPr lang="ru-RU" sz="2000" i="1" kern="150">
+                          <a:rPr lang="ru-RU" i="1" kern="150">
                             <a:effectLst/>
                             <a:latin typeface="Cambria Math" panose="02040503050406030204" pitchFamily="18" charset="0"/>
                             <a:ea typeface="Times New Roman" panose="02020603050405020304" pitchFamily="18" charset="0"/>
@@ -6547,7 +6598,7 @@
                       </m:sub>
                     </m:sSub>
                     <m:r>
-                      <a:rPr lang="ru-RU" sz="2000" i="1" kern="150">
+                      <a:rPr lang="ru-RU" i="1" kern="150">
                         <a:effectLst/>
                         <a:latin typeface="Cambria Math" panose="02040503050406030204" pitchFamily="18" charset="0"/>
                         <a:ea typeface="Times New Roman" panose="02020603050405020304" pitchFamily="18" charset="0"/>
@@ -6557,7 +6608,7 @@
                     <m:sSub>
                       <m:sSubPr>
                         <m:ctrlPr>
-                          <a:rPr lang="ru-RU" sz="2000" i="1" kern="150">
+                          <a:rPr lang="ru-RU" i="1" kern="150">
                             <a:effectLst/>
                             <a:latin typeface="Cambria Math" panose="02040503050406030204" pitchFamily="18" charset="0"/>
                             <a:ea typeface="Times New Roman" panose="02020603050405020304" pitchFamily="18" charset="0"/>
@@ -6566,7 +6617,7 @@
                       </m:sSubPr>
                       <m:e>
                         <m:r>
-                          <a:rPr lang="ru-RU" sz="2000" i="1" kern="150">
+                          <a:rPr lang="ru-RU" i="1" kern="150">
                             <a:effectLst/>
                             <a:latin typeface="Cambria Math" panose="02040503050406030204" pitchFamily="18" charset="0"/>
                             <a:ea typeface="Times New Roman" panose="02020603050405020304" pitchFamily="18" charset="0"/>
@@ -6576,7 +6627,7 @@
                       </m:e>
                       <m:sub>
                         <m:r>
-                          <a:rPr lang="ru-RU" sz="2000" i="1" kern="150">
+                          <a:rPr lang="ru-RU" i="1" kern="150">
                             <a:effectLst/>
                             <a:latin typeface="Cambria Math" panose="02040503050406030204" pitchFamily="18" charset="0"/>
                             <a:ea typeface="Times New Roman" panose="02020603050405020304" pitchFamily="18" charset="0"/>
@@ -6586,7 +6637,7 @@
                       </m:sub>
                     </m:sSub>
                     <m:r>
-                      <a:rPr lang="ru-RU" sz="2000" i="1" kern="150">
+                      <a:rPr lang="ru-RU" i="1" kern="150">
                         <a:effectLst/>
                         <a:latin typeface="Cambria Math" panose="02040503050406030204" pitchFamily="18" charset="0"/>
                         <a:ea typeface="Times New Roman" panose="02020603050405020304" pitchFamily="18" charset="0"/>
@@ -6596,7 +6647,7 @@
                   </m:oMath>
                 </a14:m>
                 <a:r>
-                  <a:rPr lang="ru-RU" sz="2000" kern="150" dirty="0">
+                  <a:rPr lang="ru-RU" kern="150" dirty="0">
                     <a:effectLst/>
                     <a:latin typeface="Times New Roman" panose="02020603050405020304" pitchFamily="18" charset="0"/>
                     <a:ea typeface="Times New Roman" panose="02020603050405020304" pitchFamily="18" charset="0"/>
@@ -6614,7 +6665,7 @@
             </p:txBody>
           </p:sp>
         </mc:Choice>
-        <mc:Fallback xmlns="">
+        <mc:Fallback>
           <p:sp>
             <p:nvSpPr>
               <p:cNvPr id="3" name="Объект 2">
@@ -6635,7 +6686,7 @@
               <a:blipFill>
                 <a:blip r:embed="rId2"/>
                 <a:stretch>
-                  <a:fillRect l="-1043" t="-2381" r="-986"/>
+                  <a:fillRect l="-812" t="-1961" r="-754"/>
                 </a:stretch>
               </a:blipFill>
             </p:spPr>
@@ -6840,8 +6891,8 @@
           </a:p>
         </p:txBody>
       </p:sp>
-      <mc:AlternateContent xmlns:mc="http://schemas.openxmlformats.org/markup-compatibility/2006" xmlns:a14="http://schemas.microsoft.com/office/drawing/2010/main">
-        <mc:Choice Requires="a14">
+      <mc:AlternateContent xmlns:mc="http://schemas.openxmlformats.org/markup-compatibility/2006">
+        <mc:Choice xmlns:a14="http://schemas.microsoft.com/office/drawing/2010/main" Requires="a14">
           <p:sp>
             <p:nvSpPr>
               <p:cNvPr id="3" name="Объект 2">
@@ -6865,7 +6916,7 @@
               <a:p>
                 <a:pPr algn="just"/>
                 <a:r>
-                  <a:rPr lang="ru-RU" kern="150" dirty="0">
+                  <a:rPr lang="ru-RU" sz="2400" kern="150" dirty="0">
                     <a:effectLst/>
                     <a:latin typeface="Times New Roman" panose="02020603050405020304" pitchFamily="18" charset="0"/>
                     <a:ea typeface="Times New Roman" panose="02020603050405020304" pitchFamily="18" charset="0"/>
@@ -6874,7 +6925,7 @@
                   <a:t>Пусть у нас есть пара (</a:t>
                 </a:r>
                 <a:r>
-                  <a:rPr lang="en-US" kern="150" dirty="0">
+                  <a:rPr lang="en-US" sz="2400" kern="150" dirty="0">
                     <a:effectLst/>
                     <a:latin typeface="Times New Roman" panose="02020603050405020304" pitchFamily="18" charset="0"/>
                     <a:ea typeface="Times New Roman" panose="02020603050405020304" pitchFamily="18" charset="0"/>
@@ -6883,7 +6934,7 @@
                   <a:t>V</a:t>
                 </a:r>
                 <a:r>
-                  <a:rPr lang="ru-RU" kern="150" dirty="0">
+                  <a:rPr lang="ru-RU" sz="2400" kern="150" dirty="0">
                     <a:effectLst/>
                     <a:latin typeface="Times New Roman" panose="02020603050405020304" pitchFamily="18" charset="0"/>
                     <a:ea typeface="Times New Roman" panose="02020603050405020304" pitchFamily="18" charset="0"/>
@@ -6892,7 +6943,7 @@
                   <a:t>,</a:t>
                 </a:r>
                 <a:r>
-                  <a:rPr lang="en-US" kern="150" dirty="0">
+                  <a:rPr lang="en-US" sz="2400" kern="150" dirty="0">
                     <a:effectLst/>
                     <a:latin typeface="Times New Roman" panose="02020603050405020304" pitchFamily="18" charset="0"/>
                     <a:ea typeface="Times New Roman" panose="02020603050405020304" pitchFamily="18" charset="0"/>
@@ -6901,7 +6952,7 @@
                   <a:t>E</a:t>
                 </a:r>
                 <a:r>
-                  <a:rPr lang="ru-RU" kern="150" dirty="0">
+                  <a:rPr lang="ru-RU" sz="2400" kern="150" dirty="0">
                     <a:effectLst/>
                     <a:latin typeface="Times New Roman" panose="02020603050405020304" pitchFamily="18" charset="0"/>
                     <a:ea typeface="Times New Roman" panose="02020603050405020304" pitchFamily="18" charset="0"/>
@@ -6910,7 +6961,7 @@
                   <a:t>), где </a:t>
                 </a:r>
                 <a:r>
-                  <a:rPr lang="en-US" kern="150" dirty="0">
+                  <a:rPr lang="en-US" sz="2400" kern="150" dirty="0">
                     <a:effectLst/>
                     <a:latin typeface="Times New Roman" panose="02020603050405020304" pitchFamily="18" charset="0"/>
                     <a:ea typeface="Times New Roman" panose="02020603050405020304" pitchFamily="18" charset="0"/>
@@ -6919,7 +6970,7 @@
                   <a:t>V </a:t>
                 </a:r>
                 <a:r>
-                  <a:rPr lang="ru-RU" kern="150" dirty="0">
+                  <a:rPr lang="ru-RU" sz="2400" kern="150" dirty="0">
                     <a:effectLst/>
                     <a:latin typeface="Times New Roman" panose="02020603050405020304" pitchFamily="18" charset="0"/>
                     <a:ea typeface="Times New Roman" panose="02020603050405020304" pitchFamily="18" charset="0"/>
@@ -6928,7 +6979,7 @@
                   <a:t>– множество объектов, названные вершинами( узлы, точки), </a:t>
                 </a:r>
                 <a:r>
-                  <a:rPr lang="en-US" kern="150" dirty="0">
+                  <a:rPr lang="en-US" sz="2400" kern="150" dirty="0">
                     <a:effectLst/>
                     <a:latin typeface="Times New Roman" panose="02020603050405020304" pitchFamily="18" charset="0"/>
                     <a:ea typeface="Times New Roman" panose="02020603050405020304" pitchFamily="18" charset="0"/>
@@ -6937,7 +6988,7 @@
                   <a:t>E </a:t>
                 </a:r>
                 <a:r>
-                  <a:rPr lang="ru-RU" kern="150" dirty="0">
+                  <a:rPr lang="ru-RU" sz="2400" kern="150" dirty="0">
                     <a:effectLst/>
                     <a:latin typeface="Times New Roman" panose="02020603050405020304" pitchFamily="18" charset="0"/>
                     <a:ea typeface="Times New Roman" panose="02020603050405020304" pitchFamily="18" charset="0"/>
@@ -6946,7 +6997,7 @@
                   <a:t>– семейство элементов, названные, дугами. </a:t>
                 </a:r>
                 <a:r>
-                  <a:rPr lang="en-US" kern="150" dirty="0">
+                  <a:rPr lang="en-US" sz="2400" kern="150" dirty="0">
                     <a:effectLst/>
                     <a:latin typeface="Times New Roman" panose="02020603050405020304" pitchFamily="18" charset="0"/>
                     <a:ea typeface="Times New Roman" panose="02020603050405020304" pitchFamily="18" charset="0"/>
@@ -6955,7 +7006,7 @@
                   <a:t>G</a:t>
                 </a:r>
                 <a:r>
-                  <a:rPr lang="ru-RU" kern="150" dirty="0">
+                  <a:rPr lang="ru-RU" sz="2400" kern="150" dirty="0">
                     <a:effectLst/>
                     <a:latin typeface="Times New Roman" panose="02020603050405020304" pitchFamily="18" charset="0"/>
                     <a:ea typeface="Times New Roman" panose="02020603050405020304" pitchFamily="18" charset="0"/>
@@ -6964,7 +7015,7 @@
                   <a:t> = (</a:t>
                 </a:r>
                 <a:r>
-                  <a:rPr lang="en-US" kern="150" dirty="0">
+                  <a:rPr lang="en-US" sz="2400" kern="150" dirty="0">
                     <a:effectLst/>
                     <a:latin typeface="Times New Roman" panose="02020603050405020304" pitchFamily="18" charset="0"/>
                     <a:ea typeface="Times New Roman" panose="02020603050405020304" pitchFamily="18" charset="0"/>
@@ -6973,7 +7024,7 @@
                   <a:t>V</a:t>
                 </a:r>
                 <a:r>
-                  <a:rPr lang="ru-RU" kern="150" dirty="0">
+                  <a:rPr lang="ru-RU" sz="2400" kern="150" dirty="0">
                     <a:effectLst/>
                     <a:latin typeface="Times New Roman" panose="02020603050405020304" pitchFamily="18" charset="0"/>
                     <a:ea typeface="Times New Roman" panose="02020603050405020304" pitchFamily="18" charset="0"/>
@@ -6982,7 +7033,7 @@
                   <a:t>, </a:t>
                 </a:r>
                 <a:r>
-                  <a:rPr lang="en-US" kern="150" dirty="0">
+                  <a:rPr lang="en-US" sz="2400" kern="150" dirty="0">
                     <a:effectLst/>
                     <a:latin typeface="Times New Roman" panose="02020603050405020304" pitchFamily="18" charset="0"/>
                     <a:ea typeface="Times New Roman" panose="02020603050405020304" pitchFamily="18" charset="0"/>
@@ -6991,7 +7042,7 @@
                   <a:t>E</a:t>
                 </a:r>
                 <a:r>
-                  <a:rPr lang="ru-RU" kern="150" dirty="0">
+                  <a:rPr lang="ru-RU" sz="2400" kern="150" dirty="0">
                     <a:effectLst/>
                     <a:latin typeface="Times New Roman" panose="02020603050405020304" pitchFamily="18" charset="0"/>
                     <a:ea typeface="Times New Roman" panose="02020603050405020304" pitchFamily="18" charset="0"/>
@@ -6999,7 +7050,7 @@
                   </a:rPr>
                   <a:t>) – граф.</a:t>
                 </a:r>
-                <a:endParaRPr lang="ru-RU" kern="150" dirty="0">
+                <a:endParaRPr lang="ru-RU" sz="2400" kern="150" dirty="0">
                   <a:effectLst/>
                   <a:latin typeface="Times New Roman" panose="02020603050405020304" pitchFamily="18" charset="0"/>
                   <a:ea typeface="NSimSun" panose="02010609030101010101" pitchFamily="49" charset="-122"/>
@@ -7009,7 +7060,7 @@
               <a:p>
                 <a:pPr algn="just"/>
                 <a:r>
-                  <a:rPr lang="ru-RU" kern="150" dirty="0">
+                  <a:rPr lang="ru-RU" sz="2400" kern="150" dirty="0">
                     <a:effectLst/>
                     <a:latin typeface="Times New Roman" panose="02020603050405020304" pitchFamily="18" charset="0"/>
                     <a:ea typeface="Times New Roman" panose="02020603050405020304" pitchFamily="18" charset="0"/>
@@ -7017,7 +7068,7 @@
                   </a:rPr>
                   <a:t>Простой граф – граф без петель и кратных ребер.</a:t>
                 </a:r>
-                <a:endParaRPr lang="ru-RU" kern="150" dirty="0">
+                <a:endParaRPr lang="ru-RU" sz="2400" kern="150" dirty="0">
                   <a:effectLst/>
                   <a:latin typeface="Times New Roman" panose="02020603050405020304" pitchFamily="18" charset="0"/>
                   <a:ea typeface="NSimSun" panose="02010609030101010101" pitchFamily="49" charset="-122"/>
@@ -7027,7 +7078,7 @@
               <a:p>
                 <a:pPr algn="just"/>
                 <a:r>
-                  <a:rPr lang="ru-RU" kern="150" dirty="0">
+                  <a:rPr lang="ru-RU" sz="2400" kern="150" dirty="0">
                     <a:effectLst/>
                     <a:latin typeface="Times New Roman" panose="02020603050405020304" pitchFamily="18" charset="0"/>
                     <a:ea typeface="Times New Roman" panose="02020603050405020304" pitchFamily="18" charset="0"/>
@@ -7035,7 +7086,7 @@
                   </a:rPr>
                   <a:t>Степень вершины – количество ребер, концов которых является эта вершина.</a:t>
                 </a:r>
-                <a:endParaRPr lang="ru-RU" kern="150" dirty="0">
+                <a:endParaRPr lang="ru-RU" sz="2400" kern="150" dirty="0">
                   <a:effectLst/>
                   <a:latin typeface="Times New Roman" panose="02020603050405020304" pitchFamily="18" charset="0"/>
                   <a:ea typeface="NSimSun" panose="02010609030101010101" pitchFamily="49" charset="-122"/>
@@ -7045,7 +7096,7 @@
               <a:p>
                 <a:pPr algn="just"/>
                 <a:r>
-                  <a:rPr lang="ru-RU" kern="150" dirty="0">
+                  <a:rPr lang="ru-RU" sz="2400" kern="150" dirty="0">
                     <a:effectLst/>
                     <a:latin typeface="Times New Roman" panose="02020603050405020304" pitchFamily="18" charset="0"/>
                     <a:ea typeface="Times New Roman" panose="02020603050405020304" pitchFamily="18" charset="0"/>
@@ -7058,7 +7109,7 @@
                     <m:sSub>
                       <m:sSubPr>
                         <m:ctrlPr>
-                          <a:rPr lang="ru-RU" i="1" kern="150">
+                          <a:rPr lang="ru-RU" sz="2400" i="1" kern="150">
                             <a:effectLst/>
                             <a:latin typeface="Cambria Math" panose="02040503050406030204" pitchFamily="18" charset="0"/>
                             <a:ea typeface="Times New Roman" panose="02020603050405020304" pitchFamily="18" charset="0"/>
@@ -7068,7 +7119,7 @@
                       </m:sSubPr>
                       <m:e>
                         <m:r>
-                          <a:rPr lang="ru-RU" i="1" kern="150">
+                          <a:rPr lang="ru-RU" sz="2400" i="1" kern="150">
                             <a:effectLst/>
                             <a:latin typeface="Cambria Math" panose="02040503050406030204" pitchFamily="18" charset="0"/>
                             <a:ea typeface="Times New Roman" panose="02020603050405020304" pitchFamily="18" charset="0"/>
@@ -7079,7 +7130,7 @@
                       </m:e>
                       <m:sub>
                         <m:r>
-                          <a:rPr lang="ru-RU" i="1" kern="150">
+                          <a:rPr lang="ru-RU" sz="2400" i="1" kern="150">
                             <a:effectLst/>
                             <a:latin typeface="Cambria Math" panose="02040503050406030204" pitchFamily="18" charset="0"/>
                             <a:ea typeface="Times New Roman" panose="02020603050405020304" pitchFamily="18" charset="0"/>
@@ -7088,7 +7139,7 @@
                           <m:t>𝑛</m:t>
                         </m:r>
                         <m:r>
-                          <a:rPr lang="ru-RU" i="1" kern="150">
+                          <a:rPr lang="ru-RU" sz="2400" i="1" kern="150">
                             <a:effectLst/>
                             <a:latin typeface="Cambria Math" panose="02040503050406030204" pitchFamily="18" charset="0"/>
                             <a:ea typeface="Times New Roman" panose="02020603050405020304" pitchFamily="18" charset="0"/>
@@ -7097,7 +7148,7 @@
                           <m:t>×</m:t>
                         </m:r>
                         <m:r>
-                          <a:rPr lang="ru-RU" i="1" kern="150">
+                          <a:rPr lang="ru-RU" sz="2400" i="1" kern="150">
                             <a:effectLst/>
                             <a:latin typeface="Cambria Math" panose="02040503050406030204" pitchFamily="18" charset="0"/>
                             <a:ea typeface="Times New Roman" panose="02020603050405020304" pitchFamily="18" charset="0"/>
@@ -7108,7 +7159,7 @@
                       </m:sub>
                     </m:sSub>
                     <m:r>
-                      <a:rPr lang="ru-RU" i="1" kern="150">
+                      <a:rPr lang="ru-RU" sz="2400" i="1" kern="150">
                         <a:effectLst/>
                         <a:latin typeface="Cambria Math" panose="02040503050406030204" pitchFamily="18" charset="0"/>
                         <a:ea typeface="Times New Roman" panose="02020603050405020304" pitchFamily="18" charset="0"/>
@@ -7119,7 +7170,7 @@
                     <m:d>
                       <m:dPr>
                         <m:ctrlPr>
-                          <a:rPr lang="ru-RU" i="1" kern="150">
+                          <a:rPr lang="ru-RU" sz="2400" i="1" kern="150">
                             <a:effectLst/>
                             <a:latin typeface="Cambria Math" panose="02040503050406030204" pitchFamily="18" charset="0"/>
                             <a:ea typeface="Times New Roman" panose="02020603050405020304" pitchFamily="18" charset="0"/>
@@ -7131,7 +7182,7 @@
                         <m:sSub>
                           <m:sSubPr>
                             <m:ctrlPr>
-                              <a:rPr lang="ru-RU" i="1" kern="150">
+                              <a:rPr lang="ru-RU" sz="2400" i="1" kern="150">
                                 <a:effectLst/>
                                 <a:latin typeface="Cambria Math" panose="02040503050406030204" pitchFamily="18" charset="0"/>
                                 <a:ea typeface="Times New Roman" panose="02020603050405020304" pitchFamily="18" charset="0"/>
@@ -7141,7 +7192,7 @@
                           </m:sSubPr>
                           <m:e>
                             <m:r>
-                              <a:rPr lang="en-US" i="1" kern="150">
+                              <a:rPr lang="en-US" sz="2400" i="1" kern="150">
                                 <a:effectLst/>
                                 <a:latin typeface="Cambria Math" panose="02040503050406030204" pitchFamily="18" charset="0"/>
                                 <a:ea typeface="Times New Roman" panose="02020603050405020304" pitchFamily="18" charset="0"/>
@@ -7152,7 +7203,7 @@
                           </m:e>
                           <m:sub>
                             <m:r>
-                              <a:rPr lang="en-US" i="1" kern="150">
+                              <a:rPr lang="en-US" sz="2400" i="1" kern="150">
                                 <a:effectLst/>
                                 <a:latin typeface="Cambria Math" panose="02040503050406030204" pitchFamily="18" charset="0"/>
                                 <a:ea typeface="Times New Roman" panose="02020603050405020304" pitchFamily="18" charset="0"/>
@@ -7165,7 +7216,7 @@
                       </m:e>
                     </m:d>
                     <m:r>
-                      <a:rPr lang="ru-RU" i="1" kern="150">
+                      <a:rPr lang="ru-RU" sz="2400" i="1" kern="150">
                         <a:effectLst/>
                         <a:latin typeface="Cambria Math" panose="02040503050406030204" pitchFamily="18" charset="0"/>
                         <a:ea typeface="Times New Roman" panose="02020603050405020304" pitchFamily="18" charset="0"/>
@@ -7176,7 +7227,7 @@
                     <m:sSub>
                       <m:sSubPr>
                         <m:ctrlPr>
-                          <a:rPr lang="ru-RU" i="1" kern="150">
+                          <a:rPr lang="ru-RU" sz="2400" i="1" kern="150">
                             <a:effectLst/>
                             <a:latin typeface="Cambria Math" panose="02040503050406030204" pitchFamily="18" charset="0"/>
                             <a:ea typeface="Times New Roman" panose="02020603050405020304" pitchFamily="18" charset="0"/>
@@ -7186,7 +7237,7 @@
                       </m:sSubPr>
                       <m:e>
                         <m:r>
-                          <a:rPr lang="en-US" i="1" kern="150">
+                          <a:rPr lang="en-US" sz="2400" i="1" kern="150">
                             <a:effectLst/>
                             <a:latin typeface="Cambria Math" panose="02040503050406030204" pitchFamily="18" charset="0"/>
                             <a:ea typeface="Times New Roman" panose="02020603050405020304" pitchFamily="18" charset="0"/>
@@ -7197,7 +7248,7 @@
                       </m:e>
                       <m:sub>
                         <m:r>
-                          <a:rPr lang="en-US" i="1" kern="150">
+                          <a:rPr lang="en-US" sz="2400" i="1" kern="150">
                             <a:effectLst/>
                             <a:latin typeface="Cambria Math" panose="02040503050406030204" pitchFamily="18" charset="0"/>
                             <a:ea typeface="Times New Roman" panose="02020603050405020304" pitchFamily="18" charset="0"/>
@@ -7208,7 +7259,7 @@
                       </m:sub>
                     </m:sSub>
                     <m:r>
-                      <a:rPr lang="ru-RU" i="1" kern="150">
+                      <a:rPr lang="ru-RU" sz="2400" i="1" kern="150">
                         <a:effectLst/>
                         <a:latin typeface="Cambria Math" panose="02040503050406030204" pitchFamily="18" charset="0"/>
                         <a:ea typeface="Times New Roman" panose="02020603050405020304" pitchFamily="18" charset="0"/>
@@ -7217,7 +7268,7 @@
                       <m:t>−вес ребра из </m:t>
                     </m:r>
                     <m:r>
-                      <a:rPr lang="en-US" i="1" kern="150">
+                      <a:rPr lang="en-US" sz="2400" i="1" kern="150">
                         <a:effectLst/>
                         <a:latin typeface="Cambria Math" panose="02040503050406030204" pitchFamily="18" charset="0"/>
                         <a:ea typeface="Times New Roman" panose="02020603050405020304" pitchFamily="18" charset="0"/>
@@ -7226,7 +7277,7 @@
                       <m:t>𝑖</m:t>
                     </m:r>
                     <m:r>
-                      <a:rPr lang="ru-RU" i="1" kern="150">
+                      <a:rPr lang="ru-RU" sz="2400" i="1" kern="150">
                         <a:effectLst/>
                         <a:latin typeface="Cambria Math" panose="02040503050406030204" pitchFamily="18" charset="0"/>
                         <a:ea typeface="Times New Roman" panose="02020603050405020304" pitchFamily="18" charset="0"/>
@@ -7235,7 +7286,7 @@
                       <m:t> в</m:t>
                     </m:r>
                     <m:r>
-                      <a:rPr lang="en-US" i="1" kern="150">
+                      <a:rPr lang="en-US" sz="2400" i="1" kern="150">
                         <a:effectLst/>
                         <a:latin typeface="Cambria Math" panose="02040503050406030204" pitchFamily="18" charset="0"/>
                         <a:ea typeface="Times New Roman" panose="02020603050405020304" pitchFamily="18" charset="0"/>
@@ -7244,7 +7295,7 @@
                       <m:t>𝑗</m:t>
                     </m:r>
                     <m:r>
-                      <a:rPr lang="ru-RU" i="1" kern="150">
+                      <a:rPr lang="ru-RU" sz="2400" i="1" kern="150">
                         <a:effectLst/>
                         <a:latin typeface="Cambria Math" panose="02040503050406030204" pitchFamily="18" charset="0"/>
                         <a:ea typeface="Times New Roman" panose="02020603050405020304" pitchFamily="18" charset="0"/>
@@ -7254,7 +7305,7 @@
                     </m:r>
                   </m:oMath>
                 </a14:m>
-                <a:endParaRPr lang="ru-RU" kern="150" dirty="0">
+                <a:endParaRPr lang="ru-RU" sz="2400" kern="150" dirty="0">
                   <a:effectLst/>
                   <a:latin typeface="Times New Roman" panose="02020603050405020304" pitchFamily="18" charset="0"/>
                   <a:ea typeface="NSimSun" panose="02010609030101010101" pitchFamily="49" charset="-122"/>
@@ -7267,7 +7318,7 @@
             </p:txBody>
           </p:sp>
         </mc:Choice>
-        <mc:Fallback xmlns="">
+        <mc:Fallback>
           <p:sp>
             <p:nvSpPr>
               <p:cNvPr id="3" name="Объект 2">
@@ -7288,7 +7339,7 @@
               <a:blipFill>
                 <a:blip r:embed="rId2"/>
                 <a:stretch>
-                  <a:fillRect l="-1043" t="-2381" r="-1159"/>
+                  <a:fillRect l="-812" t="-1961" r="-870"/>
                 </a:stretch>
               </a:blipFill>
             </p:spPr>
@@ -7374,8 +7425,8 @@
           </a:p>
         </p:txBody>
       </p:sp>
-      <mc:AlternateContent xmlns:mc="http://schemas.openxmlformats.org/markup-compatibility/2006" xmlns:a14="http://schemas.microsoft.com/office/drawing/2010/main">
-        <mc:Choice Requires="a14">
+      <mc:AlternateContent xmlns:mc="http://schemas.openxmlformats.org/markup-compatibility/2006">
+        <mc:Choice xmlns:a14="http://schemas.microsoft.com/office/drawing/2010/main" Requires="a14">
           <p:sp>
             <p:nvSpPr>
               <p:cNvPr id="3" name="Объект 2">
@@ -7407,7 +7458,7 @@
                     <m:sSub>
                       <m:sSubPr>
                         <m:ctrlPr>
-                          <a:rPr lang="ru-RU" sz="2400" i="1" smtClean="0">
+                          <a:rPr lang="ru-RU" i="1" smtClean="0">
                             <a:effectLst/>
                             <a:latin typeface="Cambria Math" panose="02040503050406030204" pitchFamily="18" charset="0"/>
                             <a:ea typeface="Times New Roman" panose="02020603050405020304" pitchFamily="18" charset="0"/>
@@ -7417,7 +7468,7 @@
                       </m:sSubPr>
                       <m:e>
                         <m:r>
-                          <a:rPr lang="ru-RU" sz="2400" i="1">
+                          <a:rPr lang="ru-RU" i="1">
                             <a:effectLst/>
                             <a:latin typeface="Cambria Math" panose="02040503050406030204" pitchFamily="18" charset="0"/>
                             <a:ea typeface="Times New Roman" panose="02020603050405020304" pitchFamily="18" charset="0"/>
@@ -7428,7 +7479,7 @@
                       </m:e>
                       <m:sub>
                         <m:r>
-                          <a:rPr lang="ru-RU" sz="2400" i="1">
+                          <a:rPr lang="ru-RU" i="1">
                             <a:effectLst/>
                             <a:latin typeface="Cambria Math" panose="02040503050406030204" pitchFamily="18" charset="0"/>
                             <a:ea typeface="Times New Roman" panose="02020603050405020304" pitchFamily="18" charset="0"/>
@@ -7437,7 +7488,7 @@
                           <m:t>𝑘</m:t>
                         </m:r>
                         <m:r>
-                          <a:rPr lang="ru-RU" sz="2400" i="1">
+                          <a:rPr lang="ru-RU" i="1">
                             <a:effectLst/>
                             <a:latin typeface="Cambria Math" panose="02040503050406030204" pitchFamily="18" charset="0"/>
                             <a:ea typeface="Times New Roman" panose="02020603050405020304" pitchFamily="18" charset="0"/>
@@ -7448,7 +7499,7 @@
                       </m:sub>
                     </m:sSub>
                     <m:r>
-                      <a:rPr lang="ru-RU" sz="2400" i="1">
+                      <a:rPr lang="ru-RU" i="1">
                         <a:effectLst/>
                         <a:latin typeface="Cambria Math" panose="02040503050406030204" pitchFamily="18" charset="0"/>
                         <a:ea typeface="Times New Roman" panose="02020603050405020304" pitchFamily="18" charset="0"/>
@@ -7459,7 +7510,7 @@
                     <m:func>
                       <m:funcPr>
                         <m:ctrlPr>
-                          <a:rPr lang="ru-RU" sz="2400" i="1">
+                          <a:rPr lang="ru-RU" i="1">
                             <a:effectLst/>
                             <a:latin typeface="Cambria Math" panose="02040503050406030204" pitchFamily="18" charset="0"/>
                             <a:ea typeface="Times New Roman" panose="02020603050405020304" pitchFamily="18" charset="0"/>
@@ -7472,7 +7523,7 @@
                           <m:rPr>
                             <m:sty m:val="p"/>
                           </m:rPr>
-                          <a:rPr lang="ru-RU" sz="2400">
+                          <a:rPr lang="ru-RU">
                             <a:effectLst/>
                             <a:latin typeface="Cambria Math" panose="02040503050406030204" pitchFamily="18" charset="0"/>
                             <a:ea typeface="Times New Roman" panose="02020603050405020304" pitchFamily="18" charset="0"/>
@@ -7485,7 +7536,7 @@
                         <m:d>
                           <m:dPr>
                             <m:ctrlPr>
-                              <a:rPr lang="ru-RU" sz="2400" i="1">
+                              <a:rPr lang="ru-RU" i="1">
                                 <a:effectLst/>
                                 <a:latin typeface="Cambria Math" panose="02040503050406030204" pitchFamily="18" charset="0"/>
                                 <a:ea typeface="Times New Roman" panose="02020603050405020304" pitchFamily="18" charset="0"/>
@@ -7497,7 +7548,7 @@
                             <m:sSub>
                               <m:sSubPr>
                                 <m:ctrlPr>
-                                  <a:rPr lang="ru-RU" sz="2400" i="1">
+                                  <a:rPr lang="ru-RU" i="1">
                                     <a:effectLst/>
                                     <a:latin typeface="Cambria Math" panose="02040503050406030204" pitchFamily="18" charset="0"/>
                                     <a:ea typeface="Times New Roman" panose="02020603050405020304" pitchFamily="18" charset="0"/>
@@ -7507,7 +7558,7 @@
                               </m:sSubPr>
                               <m:e>
                                 <m:r>
-                                  <a:rPr lang="ru-RU" sz="2400" i="1">
+                                  <a:rPr lang="ru-RU" i="1">
                                     <a:effectLst/>
                                     <a:latin typeface="Cambria Math" panose="02040503050406030204" pitchFamily="18" charset="0"/>
                                     <a:ea typeface="Times New Roman" panose="02020603050405020304" pitchFamily="18" charset="0"/>
@@ -7518,7 +7569,7 @@
                               </m:e>
                               <m:sub>
                                 <m:r>
-                                  <a:rPr lang="ru-RU" sz="2400" i="1">
+                                  <a:rPr lang="ru-RU" i="1">
                                     <a:effectLst/>
                                     <a:latin typeface="Cambria Math" panose="02040503050406030204" pitchFamily="18" charset="0"/>
                                     <a:ea typeface="Times New Roman" panose="02020603050405020304" pitchFamily="18" charset="0"/>
@@ -7533,7 +7584,7 @@
                                 <m:begChr m:val="["/>
                                 <m:endChr m:val="]"/>
                                 <m:ctrlPr>
-                                  <a:rPr lang="ru-RU" sz="2400" i="1">
+                                  <a:rPr lang="ru-RU" i="1">
                                     <a:effectLst/>
                                     <a:latin typeface="Cambria Math" panose="02040503050406030204" pitchFamily="18" charset="0"/>
                                     <a:ea typeface="Times New Roman" panose="02020603050405020304" pitchFamily="18" charset="0"/>
@@ -7543,7 +7594,7 @@
                               </m:dPr>
                               <m:e>
                                 <m:r>
-                                  <a:rPr lang="ru-RU" sz="2400" i="1">
+                                  <a:rPr lang="ru-RU" i="1">
                                     <a:effectLst/>
                                     <a:latin typeface="Cambria Math" panose="02040503050406030204" pitchFamily="18" charset="0"/>
                                     <a:ea typeface="Times New Roman" panose="02020603050405020304" pitchFamily="18" charset="0"/>
@@ -7552,7 +7603,7 @@
                                   <m:t>𝑖</m:t>
                                 </m:r>
                                 <m:r>
-                                  <a:rPr lang="ru-RU" sz="2400" i="1">
+                                  <a:rPr lang="ru-RU" i="1">
                                     <a:effectLst/>
                                     <a:latin typeface="Cambria Math" panose="02040503050406030204" pitchFamily="18" charset="0"/>
                                     <a:ea typeface="Times New Roman" panose="02020603050405020304" pitchFamily="18" charset="0"/>
@@ -7561,7 +7612,7 @@
                                   <m:t>,</m:t>
                                 </m:r>
                                 <m:r>
-                                  <a:rPr lang="ru-RU" sz="2400" i="1">
+                                  <a:rPr lang="ru-RU" i="1">
                                     <a:effectLst/>
                                     <a:latin typeface="Cambria Math" panose="02040503050406030204" pitchFamily="18" charset="0"/>
                                     <a:ea typeface="Times New Roman" panose="02020603050405020304" pitchFamily="18" charset="0"/>
@@ -7572,7 +7623,7 @@
                               </m:e>
                             </m:d>
                             <m:r>
-                              <a:rPr lang="ru-RU" sz="2400" i="1">
+                              <a:rPr lang="ru-RU" i="1">
                                 <a:effectLst/>
                                 <a:latin typeface="Cambria Math" panose="02040503050406030204" pitchFamily="18" charset="0"/>
                                 <a:ea typeface="Times New Roman" panose="02020603050405020304" pitchFamily="18" charset="0"/>
@@ -7583,7 +7634,7 @@
                             <m:sSub>
                               <m:sSubPr>
                                 <m:ctrlPr>
-                                  <a:rPr lang="ru-RU" sz="2400" i="1">
+                                  <a:rPr lang="ru-RU" i="1">
                                     <a:effectLst/>
                                     <a:latin typeface="Cambria Math" panose="02040503050406030204" pitchFamily="18" charset="0"/>
                                     <a:ea typeface="Times New Roman" panose="02020603050405020304" pitchFamily="18" charset="0"/>
@@ -7593,7 +7644,7 @@
                               </m:sSubPr>
                               <m:e>
                                 <m:r>
-                                  <a:rPr lang="ru-RU" sz="2400" i="1">
+                                  <a:rPr lang="ru-RU" i="1">
                                     <a:effectLst/>
                                     <a:latin typeface="Cambria Math" panose="02040503050406030204" pitchFamily="18" charset="0"/>
                                     <a:ea typeface="Times New Roman" panose="02020603050405020304" pitchFamily="18" charset="0"/>
@@ -7604,7 +7655,7 @@
                               </m:e>
                               <m:sub>
                                 <m:r>
-                                  <a:rPr lang="ru-RU" sz="2400" i="1">
+                                  <a:rPr lang="ru-RU" i="1">
                                     <a:effectLst/>
                                     <a:latin typeface="Cambria Math" panose="02040503050406030204" pitchFamily="18" charset="0"/>
                                     <a:ea typeface="Times New Roman" panose="02020603050405020304" pitchFamily="18" charset="0"/>
@@ -7619,7 +7670,7 @@
                                 <m:begChr m:val="["/>
                                 <m:endChr m:val="]"/>
                                 <m:ctrlPr>
-                                  <a:rPr lang="ru-RU" sz="2400" i="1">
+                                  <a:rPr lang="ru-RU" i="1">
                                     <a:effectLst/>
                                     <a:latin typeface="Cambria Math" panose="02040503050406030204" pitchFamily="18" charset="0"/>
                                     <a:ea typeface="Times New Roman" panose="02020603050405020304" pitchFamily="18" charset="0"/>
@@ -7629,7 +7680,7 @@
                               </m:dPr>
                               <m:e>
                                 <m:r>
-                                  <a:rPr lang="ru-RU" sz="2400" i="1">
+                                  <a:rPr lang="ru-RU" i="1">
                                     <a:effectLst/>
                                     <a:latin typeface="Cambria Math" panose="02040503050406030204" pitchFamily="18" charset="0"/>
                                     <a:ea typeface="Times New Roman" panose="02020603050405020304" pitchFamily="18" charset="0"/>
@@ -7638,7 +7689,7 @@
                                   <m:t>𝑖</m:t>
                                 </m:r>
                                 <m:r>
-                                  <a:rPr lang="ru-RU" sz="2400" i="1">
+                                  <a:rPr lang="ru-RU" i="1">
                                     <a:effectLst/>
                                     <a:latin typeface="Cambria Math" panose="02040503050406030204" pitchFamily="18" charset="0"/>
                                     <a:ea typeface="Times New Roman" panose="02020603050405020304" pitchFamily="18" charset="0"/>
@@ -7647,7 +7698,7 @@
                                   <m:t>,</m:t>
                                 </m:r>
                                 <m:r>
-                                  <a:rPr lang="ru-RU" sz="2400" i="1">
+                                  <a:rPr lang="ru-RU" i="1">
                                     <a:effectLst/>
                                     <a:latin typeface="Cambria Math" panose="02040503050406030204" pitchFamily="18" charset="0"/>
                                     <a:ea typeface="Times New Roman" panose="02020603050405020304" pitchFamily="18" charset="0"/>
@@ -7658,7 +7709,7 @@
                               </m:e>
                             </m:d>
                             <m:r>
-                              <a:rPr lang="ru-RU" sz="2400" i="1">
+                              <a:rPr lang="ru-RU" i="1">
                                 <a:effectLst/>
                                 <a:latin typeface="Cambria Math" panose="02040503050406030204" pitchFamily="18" charset="0"/>
                                 <a:ea typeface="Times New Roman" panose="02020603050405020304" pitchFamily="18" charset="0"/>
@@ -7669,7 +7720,7 @@
                             <m:sSub>
                               <m:sSubPr>
                                 <m:ctrlPr>
-                                  <a:rPr lang="ru-RU" sz="2400" i="1">
+                                  <a:rPr lang="ru-RU" i="1">
                                     <a:effectLst/>
                                     <a:latin typeface="Cambria Math" panose="02040503050406030204" pitchFamily="18" charset="0"/>
                                     <a:ea typeface="Times New Roman" panose="02020603050405020304" pitchFamily="18" charset="0"/>
@@ -7679,7 +7730,7 @@
                               </m:sSubPr>
                               <m:e>
                                 <m:r>
-                                  <a:rPr lang="ru-RU" sz="2400" i="1">
+                                  <a:rPr lang="ru-RU" i="1">
                                     <a:effectLst/>
                                     <a:latin typeface="Cambria Math" panose="02040503050406030204" pitchFamily="18" charset="0"/>
                                     <a:ea typeface="Times New Roman" panose="02020603050405020304" pitchFamily="18" charset="0"/>
@@ -7690,7 +7741,7 @@
                               </m:e>
                               <m:sub>
                                 <m:r>
-                                  <a:rPr lang="ru-RU" sz="2400" i="1">
+                                  <a:rPr lang="ru-RU" i="1">
                                     <a:effectLst/>
                                     <a:latin typeface="Cambria Math" panose="02040503050406030204" pitchFamily="18" charset="0"/>
                                     <a:ea typeface="Times New Roman" panose="02020603050405020304" pitchFamily="18" charset="0"/>
@@ -7705,7 +7756,7 @@
                                 <m:begChr m:val="["/>
                                 <m:endChr m:val="]"/>
                                 <m:ctrlPr>
-                                  <a:rPr lang="ru-RU" sz="2400" i="1">
+                                  <a:rPr lang="ru-RU" i="1">
                                     <a:effectLst/>
                                     <a:latin typeface="Cambria Math" panose="02040503050406030204" pitchFamily="18" charset="0"/>
                                     <a:ea typeface="Times New Roman" panose="02020603050405020304" pitchFamily="18" charset="0"/>
@@ -7715,7 +7766,7 @@
                               </m:dPr>
                               <m:e>
                                 <m:r>
-                                  <a:rPr lang="ru-RU" sz="2400" i="1">
+                                  <a:rPr lang="ru-RU" i="1">
                                     <a:effectLst/>
                                     <a:latin typeface="Cambria Math" panose="02040503050406030204" pitchFamily="18" charset="0"/>
                                     <a:ea typeface="Times New Roman" panose="02020603050405020304" pitchFamily="18" charset="0"/>
@@ -7724,7 +7775,7 @@
                                   <m:t>𝑘</m:t>
                                 </m:r>
                                 <m:r>
-                                  <a:rPr lang="ru-RU" sz="2400" i="1">
+                                  <a:rPr lang="ru-RU" i="1">
                                     <a:effectLst/>
                                     <a:latin typeface="Cambria Math" panose="02040503050406030204" pitchFamily="18" charset="0"/>
                                     <a:ea typeface="Times New Roman" panose="02020603050405020304" pitchFamily="18" charset="0"/>
@@ -7733,7 +7784,7 @@
                                   <m:t>,</m:t>
                                 </m:r>
                                 <m:r>
-                                  <a:rPr lang="ru-RU" sz="2400" i="1">
+                                  <a:rPr lang="ru-RU" i="1">
                                     <a:effectLst/>
                                     <a:latin typeface="Cambria Math" panose="02040503050406030204" pitchFamily="18" charset="0"/>
                                     <a:ea typeface="Times New Roman" panose="02020603050405020304" pitchFamily="18" charset="0"/>
@@ -7749,7 +7800,7 @@
                     </m:func>
                   </m:oMath>
                 </a14:m>
-                <a:endParaRPr lang="en-US" sz="2400" b="0" dirty="0">
+                <a:endParaRPr lang="en-US" b="0" dirty="0">
                   <a:effectLst/>
                   <a:latin typeface="Times New Roman" panose="02020603050405020304" pitchFamily="18" charset="0"/>
                   <a:ea typeface="Times New Roman" panose="02020603050405020304" pitchFamily="18" charset="0"/>
@@ -7765,7 +7816,7 @@
             </p:txBody>
           </p:sp>
         </mc:Choice>
-        <mc:Fallback xmlns="">
+        <mc:Fallback>
           <p:sp>
             <p:nvSpPr>
               <p:cNvPr id="3" name="Объект 2">
@@ -7790,7 +7841,7 @@
               <a:blipFill>
                 <a:blip r:embed="rId2"/>
                 <a:stretch>
-                  <a:fillRect l="-1095" t="-3759"/>
+                  <a:fillRect/>
                 </a:stretch>
               </a:blipFill>
             </p:spPr>
@@ -7823,7 +7874,7 @@
         </p:nvSpPr>
         <p:spPr>
           <a:xfrm>
-            <a:off x="3129699" y="4081806"/>
+            <a:off x="3648173" y="4081806"/>
             <a:ext cx="659876" cy="678730"/>
           </a:xfrm>
           <a:prstGeom prst="ellipse">
@@ -7873,7 +7924,7 @@
         </p:nvSpPr>
         <p:spPr>
           <a:xfrm>
-            <a:off x="6050437" y="4062952"/>
+            <a:off x="6742509" y="4081806"/>
             <a:ext cx="659876" cy="678730"/>
           </a:xfrm>
           <a:prstGeom prst="ellipse">
@@ -7923,7 +7974,7 @@
         </p:nvSpPr>
         <p:spPr>
           <a:xfrm>
-            <a:off x="4509155" y="2283717"/>
+            <a:off x="5057493" y="1906276"/>
             <a:ext cx="659876" cy="678730"/>
           </a:xfrm>
           <a:prstGeom prst="ellipse">
@@ -7977,8 +8028,8 @@
         </p:nvCxnSpPr>
         <p:spPr>
           <a:xfrm flipV="1">
-            <a:off x="3459637" y="2863049"/>
-            <a:ext cx="1146155" cy="1218757"/>
+            <a:off x="3978111" y="2485608"/>
+            <a:ext cx="1176019" cy="1596198"/>
           </a:xfrm>
           <a:prstGeom prst="straightConnector1">
             <a:avLst/>
@@ -8018,9 +8069,9 @@
           <p:nvPr/>
         </p:nvCxnSpPr>
         <p:spPr>
-          <a:xfrm flipV="1">
-            <a:off x="3789575" y="4402317"/>
-            <a:ext cx="2260862" cy="18854"/>
+          <a:xfrm>
+            <a:off x="4308049" y="4421171"/>
+            <a:ext cx="2434460" cy="0"/>
           </a:xfrm>
           <a:prstGeom prst="straightConnector1">
             <a:avLst/>
@@ -8053,13 +8104,15 @@
               </a:ext>
             </a:extLst>
           </p:cNvPr>
-          <p:cNvCxnSpPr/>
+          <p:cNvCxnSpPr>
+            <a:cxnSpLocks/>
+          </p:cNvCxnSpPr>
           <p:nvPr/>
         </p:nvCxnSpPr>
         <p:spPr>
           <a:xfrm>
-            <a:off x="4967926" y="2776194"/>
-            <a:ext cx="1412449" cy="1405010"/>
+            <a:off x="5484068" y="2483339"/>
+            <a:ext cx="1588379" cy="1744374"/>
           </a:xfrm>
           <a:prstGeom prst="straightConnector1">
             <a:avLst/>
@@ -8166,9 +8219,16 @@
             <p:ph idx="1"/>
           </p:nvPr>
         </p:nvSpPr>
-        <p:spPr/>
+        <p:spPr>
+          <a:xfrm>
+            <a:off x="319726" y="1690688"/>
+            <a:ext cx="10515600" cy="4351338"/>
+          </a:xfrm>
+        </p:spPr>
         <p:txBody>
-          <a:bodyPr/>
+          <a:bodyPr>
+            <a:normAutofit fontScale="92500" lnSpcReduction="20000"/>
+          </a:bodyPr>
           <a:lstStyle/>
           <a:p>
             <a:pPr marL="457200" lvl="1" indent="0" algn="just">
@@ -8193,145 +8253,145 @@
               <a:t>    </a:t>
             </a:r>
             <a:r>
-              <a:rPr lang="ru-RU" sz="1800" kern="150" dirty="0">
+              <a:rPr lang="ru-RU" sz="2600" kern="150" dirty="0">
                 <a:effectLst/>
                 <a:latin typeface="Times New Roman" panose="02020603050405020304" pitchFamily="18" charset="0"/>
                 <a:ea typeface="Times New Roman" panose="02020603050405020304" pitchFamily="18" charset="0"/>
-                <a:cs typeface="Mangal" panose="02040503050203030202" pitchFamily="18" charset="0"/>
+                <a:cs typeface="Times New Roman" panose="02020603050405020304" pitchFamily="18" charset="0"/>
               </a:rPr>
               <a:t>1. Создать список вершин и пометить все вершины, кроме начальной, как не посещенные.</a:t>
             </a:r>
-            <a:endParaRPr lang="ru-RU" sz="1800" kern="150" dirty="0">
+            <a:endParaRPr lang="ru-RU" sz="2600" kern="150" dirty="0">
               <a:effectLst/>
-              <a:latin typeface="Liberation Serif"/>
+              <a:latin typeface="Times New Roman" panose="02020603050405020304" pitchFamily="18" charset="0"/>
               <a:ea typeface="NSimSun" panose="02010609030101010101" pitchFamily="49" charset="-122"/>
-              <a:cs typeface="Mangal" panose="02040503050203030202" pitchFamily="18" charset="0"/>
+              <a:cs typeface="Times New Roman" panose="02020603050405020304" pitchFamily="18" charset="0"/>
             </a:endParaRPr>
           </a:p>
           <a:p>
             <a:pPr indent="449580" algn="just"/>
             <a:r>
-              <a:rPr lang="ru-RU" sz="1800" kern="150" dirty="0">
+              <a:rPr lang="ru-RU" sz="2600" kern="150" dirty="0">
                 <a:effectLst/>
                 <a:latin typeface="Times New Roman" panose="02020603050405020304" pitchFamily="18" charset="0"/>
                 <a:ea typeface="Times New Roman" panose="02020603050405020304" pitchFamily="18" charset="0"/>
-                <a:cs typeface="Mangal" panose="02040503050203030202" pitchFamily="18" charset="0"/>
+                <a:cs typeface="Times New Roman" panose="02020603050405020304" pitchFamily="18" charset="0"/>
               </a:rPr>
               <a:t>2. Установить начальную вершину и ее расстояние до себя равным 0.</a:t>
             </a:r>
-            <a:endParaRPr lang="ru-RU" sz="1800" kern="150" dirty="0">
+            <a:endParaRPr lang="ru-RU" sz="2600" kern="150" dirty="0">
               <a:effectLst/>
-              <a:latin typeface="Liberation Serif"/>
+              <a:latin typeface="Times New Roman" panose="02020603050405020304" pitchFamily="18" charset="0"/>
               <a:ea typeface="NSimSun" panose="02010609030101010101" pitchFamily="49" charset="-122"/>
-              <a:cs typeface="Mangal" panose="02040503050203030202" pitchFamily="18" charset="0"/>
+              <a:cs typeface="Times New Roman" panose="02020603050405020304" pitchFamily="18" charset="0"/>
             </a:endParaRPr>
           </a:p>
           <a:p>
             <a:pPr indent="449580" algn="just"/>
             <a:r>
-              <a:rPr lang="ru-RU" sz="1800" kern="150" dirty="0">
+              <a:rPr lang="ru-RU" sz="2600" kern="150" dirty="0">
                 <a:effectLst/>
                 <a:latin typeface="Times New Roman" panose="02020603050405020304" pitchFamily="18" charset="0"/>
                 <a:ea typeface="Times New Roman" panose="02020603050405020304" pitchFamily="18" charset="0"/>
-                <a:cs typeface="Mangal" panose="02040503050203030202" pitchFamily="18" charset="0"/>
+                <a:cs typeface="Times New Roman" panose="02020603050405020304" pitchFamily="18" charset="0"/>
               </a:rPr>
               <a:t>3. Для каждой смежной вершины, которая еще не была посещена, вычислить расстояние до нее от начальной вершины через текущую вершину.</a:t>
             </a:r>
-            <a:endParaRPr lang="ru-RU" sz="1800" kern="150" dirty="0">
+            <a:endParaRPr lang="ru-RU" sz="2600" kern="150" dirty="0">
               <a:effectLst/>
-              <a:latin typeface="Liberation Serif"/>
+              <a:latin typeface="Times New Roman" panose="02020603050405020304" pitchFamily="18" charset="0"/>
               <a:ea typeface="NSimSun" panose="02010609030101010101" pitchFamily="49" charset="-122"/>
-              <a:cs typeface="Mangal" panose="02040503050203030202" pitchFamily="18" charset="0"/>
+              <a:cs typeface="Times New Roman" panose="02020603050405020304" pitchFamily="18" charset="0"/>
             </a:endParaRPr>
           </a:p>
           <a:p>
             <a:pPr indent="449580" algn="just"/>
             <a:r>
-              <a:rPr lang="ru-RU" sz="1800" kern="150" dirty="0">
+              <a:rPr lang="ru-RU" sz="2600" kern="150" dirty="0">
                 <a:effectLst/>
                 <a:latin typeface="Times New Roman" panose="02020603050405020304" pitchFamily="18" charset="0"/>
                 <a:ea typeface="Times New Roman" panose="02020603050405020304" pitchFamily="18" charset="0"/>
-                <a:cs typeface="Mangal" panose="02040503050203030202" pitchFamily="18" charset="0"/>
+                <a:cs typeface="Times New Roman" panose="02020603050405020304" pitchFamily="18" charset="0"/>
               </a:rPr>
               <a:t>4. Если это расстояние меньше, чем текущее расстояние до этой вершины, то обновить текущее расстояние.</a:t>
             </a:r>
-            <a:endParaRPr lang="ru-RU" sz="1800" kern="150" dirty="0">
+            <a:endParaRPr lang="ru-RU" sz="2600" kern="150" dirty="0">
               <a:effectLst/>
-              <a:latin typeface="Liberation Serif"/>
+              <a:latin typeface="Times New Roman" panose="02020603050405020304" pitchFamily="18" charset="0"/>
               <a:ea typeface="NSimSun" panose="02010609030101010101" pitchFamily="49" charset="-122"/>
-              <a:cs typeface="Mangal" panose="02040503050203030202" pitchFamily="18" charset="0"/>
+              <a:cs typeface="Times New Roman" panose="02020603050405020304" pitchFamily="18" charset="0"/>
             </a:endParaRPr>
           </a:p>
           <a:p>
             <a:pPr marL="449580" algn="just"/>
             <a:r>
-              <a:rPr lang="ru-RU" sz="1800" kern="150" dirty="0">
+              <a:rPr lang="ru-RU" sz="2600" kern="150" dirty="0">
                 <a:effectLst/>
                 <a:latin typeface="Times New Roman" panose="02020603050405020304" pitchFamily="18" charset="0"/>
                 <a:ea typeface="Times New Roman" panose="02020603050405020304" pitchFamily="18" charset="0"/>
-                <a:cs typeface="Mangal" panose="02040503050203030202" pitchFamily="18" charset="0"/>
+                <a:cs typeface="Times New Roman" panose="02020603050405020304" pitchFamily="18" charset="0"/>
               </a:rPr>
               <a:t>5. Пометить текущую вершину как посещенную и выбрать следующую вершину с наименьшим расстоянием из списка </a:t>
             </a:r>
             <a:r>
-              <a:rPr lang="ru-RU" sz="1800" kern="150" dirty="0" err="1">
+              <a:rPr lang="ru-RU" sz="2600" kern="150" dirty="0" err="1">
                 <a:effectLst/>
                 <a:latin typeface="Times New Roman" panose="02020603050405020304" pitchFamily="18" charset="0"/>
                 <a:ea typeface="Times New Roman" panose="02020603050405020304" pitchFamily="18" charset="0"/>
-                <a:cs typeface="Mangal" panose="02040503050203030202" pitchFamily="18" charset="0"/>
+                <a:cs typeface="Times New Roman" panose="02020603050405020304" pitchFamily="18" charset="0"/>
               </a:rPr>
               <a:t>непосещенных</a:t>
             </a:r>
             <a:r>
-              <a:rPr lang="ru-RU" sz="1800" kern="150" dirty="0">
+              <a:rPr lang="ru-RU" sz="2600" kern="150" dirty="0">
                 <a:effectLst/>
                 <a:latin typeface="Times New Roman" panose="02020603050405020304" pitchFamily="18" charset="0"/>
                 <a:ea typeface="Times New Roman" panose="02020603050405020304" pitchFamily="18" charset="0"/>
-                <a:cs typeface="Mangal" panose="02040503050203030202" pitchFamily="18" charset="0"/>
+                <a:cs typeface="Times New Roman" panose="02020603050405020304" pitchFamily="18" charset="0"/>
               </a:rPr>
               <a:t> вершин.</a:t>
             </a:r>
-            <a:endParaRPr lang="ru-RU" sz="1800" kern="150" dirty="0">
+            <a:endParaRPr lang="ru-RU" sz="2600" kern="150" dirty="0">
               <a:effectLst/>
-              <a:latin typeface="Liberation Serif"/>
+              <a:latin typeface="Times New Roman" panose="02020603050405020304" pitchFamily="18" charset="0"/>
               <a:ea typeface="NSimSun" panose="02010609030101010101" pitchFamily="49" charset="-122"/>
-              <a:cs typeface="Mangal" panose="02040503050203030202" pitchFamily="18" charset="0"/>
+              <a:cs typeface="Times New Roman" panose="02020603050405020304" pitchFamily="18" charset="0"/>
             </a:endParaRPr>
           </a:p>
           <a:p>
             <a:pPr indent="449580" algn="just"/>
             <a:r>
-              <a:rPr lang="ru-RU" sz="1800" kern="150" dirty="0">
+              <a:rPr lang="ru-RU" sz="2600" kern="150" dirty="0">
                 <a:effectLst/>
                 <a:latin typeface="Times New Roman" panose="02020603050405020304" pitchFamily="18" charset="0"/>
                 <a:ea typeface="Times New Roman" panose="02020603050405020304" pitchFamily="18" charset="0"/>
-                <a:cs typeface="Mangal" panose="02040503050203030202" pitchFamily="18" charset="0"/>
+                <a:cs typeface="Times New Roman" panose="02020603050405020304" pitchFamily="18" charset="0"/>
               </a:rPr>
               <a:t>6. Повторять шаги 3-5 для всех </a:t>
             </a:r>
             <a:r>
-              <a:rPr lang="ru-RU" sz="1800" kern="150" dirty="0" err="1">
+              <a:rPr lang="ru-RU" sz="2600" kern="150" dirty="0" err="1">
                 <a:effectLst/>
                 <a:latin typeface="Times New Roman" panose="02020603050405020304" pitchFamily="18" charset="0"/>
                 <a:ea typeface="Times New Roman" panose="02020603050405020304" pitchFamily="18" charset="0"/>
-                <a:cs typeface="Mangal" panose="02040503050203030202" pitchFamily="18" charset="0"/>
+                <a:cs typeface="Times New Roman" panose="02020603050405020304" pitchFamily="18" charset="0"/>
               </a:rPr>
               <a:t>непосещенных</a:t>
             </a:r>
             <a:r>
-              <a:rPr lang="ru-RU" sz="1800" kern="150" dirty="0">
+              <a:rPr lang="ru-RU" sz="2600" kern="150" dirty="0">
                 <a:effectLst/>
                 <a:latin typeface="Times New Roman" panose="02020603050405020304" pitchFamily="18" charset="0"/>
                 <a:ea typeface="Times New Roman" panose="02020603050405020304" pitchFamily="18" charset="0"/>
-                <a:cs typeface="Mangal" panose="02040503050203030202" pitchFamily="18" charset="0"/>
+                <a:cs typeface="Times New Roman" panose="02020603050405020304" pitchFamily="18" charset="0"/>
               </a:rPr>
               <a:t> вершин до тех пор, пока не будут посещены все вершины.</a:t>
             </a:r>
-            <a:endParaRPr lang="ru-RU" sz="1800" kern="150" dirty="0">
+            <a:endParaRPr lang="ru-RU" sz="2600" kern="150" dirty="0">
               <a:effectLst/>
-              <a:latin typeface="Liberation Serif"/>
+              <a:latin typeface="Times New Roman" panose="02020603050405020304" pitchFamily="18" charset="0"/>
               <a:ea typeface="NSimSun" panose="02010609030101010101" pitchFamily="49" charset="-122"/>
-              <a:cs typeface="Mangal" panose="02040503050203030202" pitchFamily="18" charset="0"/>
+              <a:cs typeface="Times New Roman" panose="02020603050405020304" pitchFamily="18" charset="0"/>
             </a:endParaRPr>
           </a:p>
           <a:p>

--- a/Методы редукции данных.pptx
+++ b/Методы редукции данных.pptx
@@ -3541,8 +3541,8 @@
           </a:p>
         </p:txBody>
       </p:sp>
-      <mc:AlternateContent xmlns:mc="http://schemas.openxmlformats.org/markup-compatibility/2006">
-        <mc:Choice xmlns:a14="http://schemas.microsoft.com/office/drawing/2010/main" Requires="a14">
+      <mc:AlternateContent xmlns:mc="http://schemas.openxmlformats.org/markup-compatibility/2006" xmlns:a14="http://schemas.microsoft.com/office/drawing/2010/main">
+        <mc:Choice Requires="a14">
           <p:sp>
             <p:nvSpPr>
               <p:cNvPr id="3" name="Объект 2">
@@ -4369,7 +4369,7 @@
             </p:txBody>
           </p:sp>
         </mc:Choice>
-        <mc:Fallback>
+        <mc:Fallback xmlns="">
           <p:sp>
             <p:nvSpPr>
               <p:cNvPr id="3" name="Объект 2">
@@ -5371,9 +5371,16 @@
             <p:ph idx="1"/>
           </p:nvPr>
         </p:nvSpPr>
-        <p:spPr/>
+        <p:spPr>
+          <a:xfrm>
+            <a:off x="2007123" y="2267915"/>
+            <a:ext cx="7730765" cy="2322169"/>
+          </a:xfrm>
+        </p:spPr>
         <p:txBody>
-          <a:bodyPr/>
+          <a:bodyPr>
+            <a:normAutofit fontScale="92500" lnSpcReduction="10000"/>
+          </a:bodyPr>
           <a:lstStyle/>
           <a:p>
             <a:pPr marL="0" indent="0">
@@ -5941,8 +5948,8 @@
           </a:p>
         </p:txBody>
       </p:sp>
-      <mc:AlternateContent xmlns:mc="http://schemas.openxmlformats.org/markup-compatibility/2006">
-        <mc:Choice xmlns:a14="http://schemas.microsoft.com/office/drawing/2010/main" Requires="a14">
+      <mc:AlternateContent xmlns:mc="http://schemas.openxmlformats.org/markup-compatibility/2006" xmlns:a14="http://schemas.microsoft.com/office/drawing/2010/main">
+        <mc:Choice Requires="a14">
           <p:sp>
             <p:nvSpPr>
               <p:cNvPr id="3" name="Объект 2">
@@ -6665,7 +6672,7 @@
             </p:txBody>
           </p:sp>
         </mc:Choice>
-        <mc:Fallback>
+        <mc:Fallback xmlns="">
           <p:sp>
             <p:nvSpPr>
               <p:cNvPr id="3" name="Объект 2">
@@ -6891,8 +6898,8 @@
           </a:p>
         </p:txBody>
       </p:sp>
-      <mc:AlternateContent xmlns:mc="http://schemas.openxmlformats.org/markup-compatibility/2006">
-        <mc:Choice xmlns:a14="http://schemas.microsoft.com/office/drawing/2010/main" Requires="a14">
+      <mc:AlternateContent xmlns:mc="http://schemas.openxmlformats.org/markup-compatibility/2006" xmlns:a14="http://schemas.microsoft.com/office/drawing/2010/main">
+        <mc:Choice Requires="a14">
           <p:sp>
             <p:nvSpPr>
               <p:cNvPr id="3" name="Объект 2">
@@ -7318,7 +7325,7 @@
             </p:txBody>
           </p:sp>
         </mc:Choice>
-        <mc:Fallback>
+        <mc:Fallback xmlns="">
           <p:sp>
             <p:nvSpPr>
               <p:cNvPr id="3" name="Объект 2">
@@ -7425,8 +7432,8 @@
           </a:p>
         </p:txBody>
       </p:sp>
-      <mc:AlternateContent xmlns:mc="http://schemas.openxmlformats.org/markup-compatibility/2006">
-        <mc:Choice xmlns:a14="http://schemas.microsoft.com/office/drawing/2010/main" Requires="a14">
+      <mc:AlternateContent xmlns:mc="http://schemas.openxmlformats.org/markup-compatibility/2006" xmlns:a14="http://schemas.microsoft.com/office/drawing/2010/main">
+        <mc:Choice Requires="a14">
           <p:sp>
             <p:nvSpPr>
               <p:cNvPr id="3" name="Объект 2">
@@ -7816,7 +7823,7 @@
             </p:txBody>
           </p:sp>
         </mc:Choice>
-        <mc:Fallback>
+        <mc:Fallback xmlns="">
           <p:sp>
             <p:nvSpPr>
               <p:cNvPr id="3" name="Объект 2">
